--- a/Presentación - TP Programación I - Luca Ruff (Estilizada).pptx
+++ b/Presentación - TP Programación I - Luca Ruff (Estilizada).pptx
@@ -7405,8 +7405,28 @@
             </a:lnSpc>
           </a:pPr>
           <a:r>
-            <a:rPr lang="en-US"/>
-            <a:t>Trabajo integrador – Programación I</a:t>
+            <a:rPr lang="en-US" dirty="0" err="1"/>
+            <a:t>Trabajo</a:t>
+          </a:r>
+          <a:r>
+            <a:rPr lang="en-US" dirty="0"/>
+            <a:t> </a:t>
+          </a:r>
+          <a:r>
+            <a:rPr lang="en-US" dirty="0" err="1"/>
+            <a:t>integrador</a:t>
+          </a:r>
+          <a:r>
+            <a:rPr lang="en-US" dirty="0"/>
+            <a:t>  </a:t>
+          </a:r>
+          <a:r>
+            <a:rPr lang="en-US" dirty="0" err="1"/>
+            <a:t>Programación</a:t>
+          </a:r>
+          <a:r>
+            <a:rPr lang="en-US" dirty="0"/>
+            <a:t> I</a:t>
           </a:r>
         </a:p>
       </dgm:t>
@@ -7575,14 +7595,12 @@
         <a:blipFill>
           <a:blip xmlns:r="http://schemas.openxmlformats.org/officeDocument/2006/relationships" r:embed="rId1">
             <a:extLst>
-              <a:ext uri="{28A0092B-C50C-407E-A947-70E740481C1C}">
-                <a14:useLocalDpi xmlns:a14="http://schemas.microsoft.com/office/drawing/2010/main" val="0"/>
-              </a:ext>
               <a:ext uri="{96DAC541-7B7A-43D3-8B79-37D633B846F1}">
                 <asvg:svgBlip xmlns:asvg="http://schemas.microsoft.com/office/drawing/2016/SVG/main" r:embed="rId2"/>
               </a:ext>
             </a:extLst>
           </a:blip>
+          <a:srcRect/>
           <a:stretch>
             <a:fillRect/>
           </a:stretch>
@@ -7590,7 +7608,7 @@
       </dgm:spPr>
       <dgm:extLst>
         <a:ext uri="{E40237B7-FDA0-4F09-8148-C483321AD2D9}">
-          <dgm14:cNvPr xmlns:dgm14="http://schemas.microsoft.com/office/drawing/2010/diagram" id="0" name="" descr="Daily Calendar"/>
+          <dgm14:cNvPr xmlns:dgm14="http://schemas.microsoft.com/office/drawing/2010/diagram" id="0" name="" descr="Diseño web con relleno sólido"/>
         </a:ext>
       </dgm:extLst>
     </dgm:pt>
@@ -7710,7 +7728,7 @@
     <dgm:pt modelId="{27D46FBF-989F-4C82-9505-7AB858602959}" type="pres">
       <dgm:prSet presAssocID="{5866A775-F6DE-424D-B051-62C5CC0BDDBF}" presName="iconRect" presStyleLbl="node1" presStyleIdx="3" presStyleCnt="4"/>
       <dgm:spPr>
-        <a:blipFill>
+        <a:blipFill rotWithShape="1">
           <a:blip xmlns:r="http://schemas.openxmlformats.org/officeDocument/2006/relationships" r:embed="rId7">
             <a:extLst>
               <a:ext uri="{28A0092B-C50C-407E-A947-70E740481C1C}">
@@ -7721,6 +7739,7 @@
               </a:ext>
             </a:extLst>
           </a:blip>
+          <a:srcRect/>
           <a:stretch>
             <a:fillRect/>
           </a:stretch>
@@ -10911,14 +10930,12 @@
         <a:blipFill>
           <a:blip xmlns:r="http://schemas.openxmlformats.org/officeDocument/2006/relationships" r:embed="rId1">
             <a:extLst>
-              <a:ext uri="{28A0092B-C50C-407E-A947-70E740481C1C}">
-                <a14:useLocalDpi xmlns:a14="http://schemas.microsoft.com/office/drawing/2010/main" val="0"/>
-              </a:ext>
               <a:ext uri="{96DAC541-7B7A-43D3-8B79-37D633B846F1}">
                 <asvg:svgBlip xmlns:asvg="http://schemas.microsoft.com/office/drawing/2016/SVG/main" r:embed="rId2"/>
               </a:ext>
             </a:extLst>
           </a:blip>
+          <a:srcRect/>
           <a:stretch>
             <a:fillRect/>
           </a:stretch>
@@ -11001,8 +11018,28 @@
             <a:buNone/>
           </a:pPr>
           <a:r>
-            <a:rPr lang="en-US" sz="1800" kern="1200"/>
-            <a:t>Trabajo integrador – Programación I</a:t>
+            <a:rPr lang="en-US" sz="1800" kern="1200" dirty="0" err="1"/>
+            <a:t>Trabajo</a:t>
+          </a:r>
+          <a:r>
+            <a:rPr lang="en-US" sz="1800" kern="1200" dirty="0"/>
+            <a:t> </a:t>
+          </a:r>
+          <a:r>
+            <a:rPr lang="en-US" sz="1800" kern="1200" dirty="0" err="1"/>
+            <a:t>integrador</a:t>
+          </a:r>
+          <a:r>
+            <a:rPr lang="en-US" sz="1800" kern="1200" dirty="0"/>
+            <a:t>  </a:t>
+          </a:r>
+          <a:r>
+            <a:rPr lang="en-US" sz="1800" kern="1200" dirty="0" err="1"/>
+            <a:t>Programación</a:t>
+          </a:r>
+          <a:r>
+            <a:rPr lang="en-US" sz="1800" kern="1200" dirty="0"/>
+            <a:t> I</a:t>
           </a:r>
         </a:p>
       </dsp:txBody>
@@ -11256,7 +11293,7 @@
         <a:prstGeom prst="rect">
           <a:avLst/>
         </a:prstGeom>
-        <a:blipFill>
+        <a:blipFill rotWithShape="1">
           <a:blip xmlns:r="http://schemas.openxmlformats.org/officeDocument/2006/relationships" r:embed="rId7">
             <a:extLst>
               <a:ext uri="{28A0092B-C50C-407E-A947-70E740481C1C}">
@@ -11267,6 +11304,7 @@
               </a:ext>
             </a:extLst>
           </a:blip>
+          <a:srcRect/>
           <a:stretch>
             <a:fillRect/>
           </a:stretch>
@@ -30182,6 +30220,11 @@
           </p:cNvGraphicFramePr>
           <p:nvPr>
             <p:ph idx="1"/>
+            <p:extLst>
+              <p:ext uri="{D42A27DB-BD31-4B8C-83A1-F6EECF244321}">
+                <p14:modId xmlns:p14="http://schemas.microsoft.com/office/powerpoint/2010/main" val="400168361"/>
+              </p:ext>
+            </p:extLst>
           </p:nvPr>
         </p:nvGraphicFramePr>
         <p:xfrm>

--- a/Presentación - TP Programación I - Luca Ruff (Estilizada).pptx
+++ b/Presentación - TP Programación I - Luca Ruff (Estilizada).pptx
@@ -7507,9 +7507,18 @@
             </a:lnSpc>
           </a:pPr>
           <a:r>
-            <a:rPr lang="en-US"/>
-            <a:t>Docente: Cinthia Rigoni</a:t>
+            <a:rPr lang="en-US" dirty="0" err="1"/>
+            <a:t>Docente</a:t>
           </a:r>
+          <a:r>
+            <a:rPr lang="en-US" dirty="0"/>
+            <a:t>: </a:t>
+          </a:r>
+          <a:r>
+            <a:rPr lang="es-AR" b="0" i="0" dirty="0"/>
+            <a:t>Nicolás Quirós</a:t>
+          </a:r>
+          <a:endParaRPr lang="en-US" dirty="0"/>
         </a:p>
       </dgm:t>
     </dgm:pt>
@@ -7548,8 +7557,20 @@
             </a:lnSpc>
           </a:pPr>
           <a:r>
-            <a:rPr lang="en-US"/>
-            <a:t>Fecha: Julio 2025</a:t>
+            <a:rPr lang="en-US" dirty="0"/>
+            <a:t>Tutor: </a:t>
+          </a:r>
+          <a:r>
+            <a:rPr lang="es-AR" b="0" i="0" dirty="0" err="1"/>
+            <a:t>Neyén</a:t>
+          </a:r>
+          <a:r>
+            <a:rPr lang="es-AR" b="0" i="0" dirty="0"/>
+            <a:t> Bianchi</a:t>
+          </a:r>
+          <a:r>
+            <a:rPr lang="en-US" dirty="0"/>
+            <a:t> </a:t>
           </a:r>
         </a:p>
       </dgm:t>
@@ -7639,14 +7660,12 @@
         <a:blipFill>
           <a:blip xmlns:r="http://schemas.openxmlformats.org/officeDocument/2006/relationships" r:embed="rId3">
             <a:extLst>
-              <a:ext uri="{28A0092B-C50C-407E-A947-70E740481C1C}">
-                <a14:useLocalDpi xmlns:a14="http://schemas.microsoft.com/office/drawing/2010/main" val="0"/>
-              </a:ext>
               <a:ext uri="{96DAC541-7B7A-43D3-8B79-37D633B846F1}">
                 <asvg:svgBlip xmlns:asvg="http://schemas.microsoft.com/office/drawing/2016/SVG/main" r:embed="rId4"/>
               </a:ext>
             </a:extLst>
           </a:blip>
+          <a:srcRect/>
           <a:stretch>
             <a:fillRect/>
           </a:stretch>
@@ -7654,7 +7673,7 @@
       </dgm:spPr>
       <dgm:extLst>
         <a:ext uri="{E40237B7-FDA0-4F09-8148-C483321AD2D9}">
-          <dgm14:cNvPr xmlns:dgm14="http://schemas.microsoft.com/office/drawing/2010/diagram" id="0" name="" descr="Aula de clases"/>
+          <dgm14:cNvPr xmlns:dgm14="http://schemas.microsoft.com/office/drawing/2010/diagram" id="0" name="" descr="Colegial con relleno sólido"/>
         </a:ext>
       </dgm:extLst>
     </dgm:pt>
@@ -7685,14 +7704,12 @@
         <a:blipFill>
           <a:blip xmlns:r="http://schemas.openxmlformats.org/officeDocument/2006/relationships" r:embed="rId5">
             <a:extLst>
-              <a:ext uri="{28A0092B-C50C-407E-A947-70E740481C1C}">
-                <a14:useLocalDpi xmlns:a14="http://schemas.microsoft.com/office/drawing/2010/main" val="0"/>
-              </a:ext>
               <a:ext uri="{96DAC541-7B7A-43D3-8B79-37D633B846F1}">
                 <asvg:svgBlip xmlns:asvg="http://schemas.microsoft.com/office/drawing/2016/SVG/main" r:embed="rId6"/>
               </a:ext>
             </a:extLst>
           </a:blip>
+          <a:srcRect/>
           <a:stretch>
             <a:fillRect/>
           </a:stretch>
@@ -7700,7 +7717,7 @@
       </dgm:spPr>
       <dgm:extLst>
         <a:ext uri="{E40237B7-FDA0-4F09-8148-C483321AD2D9}">
-          <dgm14:cNvPr xmlns:dgm14="http://schemas.microsoft.com/office/drawing/2010/diagram" id="0" name="" descr="Maestro"/>
+          <dgm14:cNvPr xmlns:dgm14="http://schemas.microsoft.com/office/drawing/2010/diagram" id="0" name="" descr="Aula de clases con relleno sólido"/>
         </a:ext>
       </dgm:extLst>
     </dgm:pt>
@@ -7728,12 +7745,9 @@
     <dgm:pt modelId="{27D46FBF-989F-4C82-9505-7AB858602959}" type="pres">
       <dgm:prSet presAssocID="{5866A775-F6DE-424D-B051-62C5CC0BDDBF}" presName="iconRect" presStyleLbl="node1" presStyleIdx="3" presStyleCnt="4"/>
       <dgm:spPr>
-        <a:blipFill rotWithShape="1">
+        <a:blipFill>
           <a:blip xmlns:r="http://schemas.openxmlformats.org/officeDocument/2006/relationships" r:embed="rId7">
             <a:extLst>
-              <a:ext uri="{28A0092B-C50C-407E-A947-70E740481C1C}">
-                <a14:useLocalDpi xmlns:a14="http://schemas.microsoft.com/office/drawing/2010/main" val="0"/>
-              </a:ext>
               <a:ext uri="{96DAC541-7B7A-43D3-8B79-37D633B846F1}">
                 <asvg:svgBlip xmlns:asvg="http://schemas.microsoft.com/office/drawing/2016/SVG/main" r:embed="rId8"/>
               </a:ext>
@@ -7747,7 +7761,7 @@
       </dgm:spPr>
       <dgm:extLst>
         <a:ext uri="{E40237B7-FDA0-4F09-8148-C483321AD2D9}">
-          <dgm14:cNvPr xmlns:dgm14="http://schemas.microsoft.com/office/drawing/2010/diagram" id="0" name="" descr="Corona de laureles"/>
+          <dgm14:cNvPr xmlns:dgm14="http://schemas.microsoft.com/office/drawing/2010/diagram" id="0" name="" descr="Maestro con relleno sólido"/>
         </a:ext>
       </dgm:extLst>
     </dgm:pt>
@@ -11064,14 +11078,12 @@
         <a:blipFill>
           <a:blip xmlns:r="http://schemas.openxmlformats.org/officeDocument/2006/relationships" r:embed="rId3">
             <a:extLst>
-              <a:ext uri="{28A0092B-C50C-407E-A947-70E740481C1C}">
-                <a14:useLocalDpi xmlns:a14="http://schemas.microsoft.com/office/drawing/2010/main" val="0"/>
-              </a:ext>
               <a:ext uri="{96DAC541-7B7A-43D3-8B79-37D633B846F1}">
                 <asvg:svgBlip xmlns:asvg="http://schemas.microsoft.com/office/drawing/2016/SVG/main" r:embed="rId4"/>
               </a:ext>
             </a:extLst>
           </a:blip>
+          <a:srcRect/>
           <a:stretch>
             <a:fillRect/>
           </a:stretch>
@@ -11180,14 +11192,12 @@
         <a:blipFill>
           <a:blip xmlns:r="http://schemas.openxmlformats.org/officeDocument/2006/relationships" r:embed="rId5">
             <a:extLst>
-              <a:ext uri="{28A0092B-C50C-407E-A947-70E740481C1C}">
-                <a14:useLocalDpi xmlns:a14="http://schemas.microsoft.com/office/drawing/2010/main" val="0"/>
-              </a:ext>
               <a:ext uri="{96DAC541-7B7A-43D3-8B79-37D633B846F1}">
                 <asvg:svgBlip xmlns:asvg="http://schemas.microsoft.com/office/drawing/2016/SVG/main" r:embed="rId6"/>
               </a:ext>
             </a:extLst>
           </a:blip>
+          <a:srcRect/>
           <a:stretch>
             <a:fillRect/>
           </a:stretch>
@@ -11270,9 +11280,18 @@
             <a:buNone/>
           </a:pPr>
           <a:r>
-            <a:rPr lang="en-US" sz="1800" kern="1200"/>
-            <a:t>Docente: Cinthia Rigoni</a:t>
+            <a:rPr lang="en-US" sz="1800" kern="1200" dirty="0" err="1"/>
+            <a:t>Docente</a:t>
           </a:r>
+          <a:r>
+            <a:rPr lang="en-US" sz="1800" kern="1200" dirty="0"/>
+            <a:t>: </a:t>
+          </a:r>
+          <a:r>
+            <a:rPr lang="es-AR" sz="1800" b="0" i="0" kern="1200" dirty="0"/>
+            <a:t>Nicolás Quirós</a:t>
+          </a:r>
+          <a:endParaRPr lang="en-US" sz="1800" kern="1200" dirty="0"/>
         </a:p>
       </dsp:txBody>
       <dsp:txXfrm>
@@ -11293,12 +11312,9 @@
         <a:prstGeom prst="rect">
           <a:avLst/>
         </a:prstGeom>
-        <a:blipFill rotWithShape="1">
+        <a:blipFill>
           <a:blip xmlns:r="http://schemas.openxmlformats.org/officeDocument/2006/relationships" r:embed="rId7">
             <a:extLst>
-              <a:ext uri="{28A0092B-C50C-407E-A947-70E740481C1C}">
-                <a14:useLocalDpi xmlns:a14="http://schemas.microsoft.com/office/drawing/2010/main" val="0"/>
-              </a:ext>
               <a:ext uri="{96DAC541-7B7A-43D3-8B79-37D633B846F1}">
                 <asvg:svgBlip xmlns:asvg="http://schemas.microsoft.com/office/drawing/2016/SVG/main" r:embed="rId8"/>
               </a:ext>
@@ -11387,8 +11403,20 @@
             <a:buNone/>
           </a:pPr>
           <a:r>
-            <a:rPr lang="en-US" sz="1800" kern="1200"/>
-            <a:t>Fecha: Julio 2025</a:t>
+            <a:rPr lang="en-US" sz="1800" kern="1200" dirty="0"/>
+            <a:t>Tutor: </a:t>
+          </a:r>
+          <a:r>
+            <a:rPr lang="es-AR" sz="1800" b="0" i="0" kern="1200" dirty="0" err="1"/>
+            <a:t>Neyén</a:t>
+          </a:r>
+          <a:r>
+            <a:rPr lang="es-AR" sz="1800" b="0" i="0" kern="1200" dirty="0"/>
+            <a:t> Bianchi</a:t>
+          </a:r>
+          <a:r>
+            <a:rPr lang="en-US" sz="1800" kern="1200" dirty="0"/>
+            <a:t> </a:t>
           </a:r>
         </a:p>
       </dsp:txBody>
@@ -30222,7 +30250,7 @@
             <p:ph idx="1"/>
             <p:extLst>
               <p:ext uri="{D42A27DB-BD31-4B8C-83A1-F6EECF244321}">
-                <p14:modId xmlns:p14="http://schemas.microsoft.com/office/powerpoint/2010/main" val="400168361"/>
+                <p14:modId xmlns:p14="http://schemas.microsoft.com/office/powerpoint/2010/main" val="1981147634"/>
               </p:ext>
             </p:extLst>
           </p:nvPr>

--- a/Presentación - TP Programación I - Luca Ruff (Estilizada).pptx
+++ b/Presentación - TP Programación I - Luca Ruff (Estilizada).pptx
@@ -10,10 +10,9 @@
     <p:sldId id="258" r:id="rId4"/>
     <p:sldId id="259" r:id="rId5"/>
     <p:sldId id="260" r:id="rId6"/>
-    <p:sldId id="261" r:id="rId7"/>
-    <p:sldId id="262" r:id="rId8"/>
-    <p:sldId id="263" r:id="rId9"/>
-    <p:sldId id="264" r:id="rId10"/>
+    <p:sldId id="262" r:id="rId7"/>
+    <p:sldId id="263" r:id="rId8"/>
+    <p:sldId id="264" r:id="rId9"/>
   </p:sldIdLst>
   <p:sldSz cx="9144000" cy="6858000" type="screen4x3"/>
   <p:notesSz cx="6858000" cy="9144000"/>
@@ -4790,753 +4789,6 @@
 </file>
 
 <file path=ppt/diagrams/colors7.xml><?xml version="1.0" encoding="utf-8"?>
-<dgm:colorsDef xmlns:dgm="http://schemas.openxmlformats.org/drawingml/2006/diagram" xmlns:a="http://schemas.openxmlformats.org/drawingml/2006/main" uniqueId="urn:microsoft.com/office/officeart/2005/8/colors/accent1_2">
-  <dgm:title val=""/>
-  <dgm:desc val=""/>
-  <dgm:catLst>
-    <dgm:cat type="accent1" pri="11200"/>
-  </dgm:catLst>
-  <dgm:styleLbl name="node0">
-    <dgm:fillClrLst meth="repeat">
-      <a:schemeClr val="accent1"/>
-    </dgm:fillClrLst>
-    <dgm:linClrLst meth="repeat">
-      <a:schemeClr val="lt1"/>
-    </dgm:linClrLst>
-    <dgm:effectClrLst/>
-    <dgm:txLinClrLst/>
-    <dgm:txFillClrLst/>
-    <dgm:txEffectClrLst/>
-  </dgm:styleLbl>
-  <dgm:styleLbl name="alignNode1">
-    <dgm:fillClrLst meth="repeat">
-      <a:schemeClr val="accent1"/>
-    </dgm:fillClrLst>
-    <dgm:linClrLst meth="repeat">
-      <a:schemeClr val="accent1"/>
-    </dgm:linClrLst>
-    <dgm:effectClrLst/>
-    <dgm:txLinClrLst/>
-    <dgm:txFillClrLst/>
-    <dgm:txEffectClrLst/>
-  </dgm:styleLbl>
-  <dgm:styleLbl name="node1">
-    <dgm:fillClrLst meth="repeat">
-      <a:schemeClr val="accent1"/>
-    </dgm:fillClrLst>
-    <dgm:linClrLst meth="repeat">
-      <a:schemeClr val="lt1"/>
-    </dgm:linClrLst>
-    <dgm:effectClrLst/>
-    <dgm:txLinClrLst/>
-    <dgm:txFillClrLst/>
-    <dgm:txEffectClrLst/>
-  </dgm:styleLbl>
-  <dgm:styleLbl name="lnNode1">
-    <dgm:fillClrLst meth="repeat">
-      <a:schemeClr val="accent1"/>
-    </dgm:fillClrLst>
-    <dgm:linClrLst meth="repeat">
-      <a:schemeClr val="lt1"/>
-    </dgm:linClrLst>
-    <dgm:effectClrLst/>
-    <dgm:txLinClrLst/>
-    <dgm:txFillClrLst/>
-    <dgm:txEffectClrLst/>
-  </dgm:styleLbl>
-  <dgm:styleLbl name="vennNode1">
-    <dgm:fillClrLst meth="repeat">
-      <a:schemeClr val="accent1">
-        <a:alpha val="50000"/>
-      </a:schemeClr>
-    </dgm:fillClrLst>
-    <dgm:linClrLst meth="repeat">
-      <a:schemeClr val="lt1"/>
-    </dgm:linClrLst>
-    <dgm:effectClrLst/>
-    <dgm:txLinClrLst/>
-    <dgm:txFillClrLst/>
-    <dgm:txEffectClrLst/>
-  </dgm:styleLbl>
-  <dgm:styleLbl name="node2">
-    <dgm:fillClrLst meth="repeat">
-      <a:schemeClr val="accent1"/>
-    </dgm:fillClrLst>
-    <dgm:linClrLst meth="repeat">
-      <a:schemeClr val="lt1"/>
-    </dgm:linClrLst>
-    <dgm:effectClrLst/>
-    <dgm:txLinClrLst/>
-    <dgm:txFillClrLst/>
-    <dgm:txEffectClrLst/>
-  </dgm:styleLbl>
-  <dgm:styleLbl name="node3">
-    <dgm:fillClrLst meth="repeat">
-      <a:schemeClr val="accent1"/>
-    </dgm:fillClrLst>
-    <dgm:linClrLst meth="repeat">
-      <a:schemeClr val="lt1"/>
-    </dgm:linClrLst>
-    <dgm:effectClrLst/>
-    <dgm:txLinClrLst/>
-    <dgm:txFillClrLst/>
-    <dgm:txEffectClrLst/>
-  </dgm:styleLbl>
-  <dgm:styleLbl name="node4">
-    <dgm:fillClrLst meth="repeat">
-      <a:schemeClr val="accent1"/>
-    </dgm:fillClrLst>
-    <dgm:linClrLst meth="repeat">
-      <a:schemeClr val="lt1"/>
-    </dgm:linClrLst>
-    <dgm:effectClrLst/>
-    <dgm:txLinClrLst/>
-    <dgm:txFillClrLst/>
-    <dgm:txEffectClrLst/>
-  </dgm:styleLbl>
-  <dgm:styleLbl name="fgImgPlace1">
-    <dgm:fillClrLst meth="repeat">
-      <a:schemeClr val="accent1">
-        <a:tint val="50000"/>
-      </a:schemeClr>
-    </dgm:fillClrLst>
-    <dgm:linClrLst meth="repeat">
-      <a:schemeClr val="lt1"/>
-    </dgm:linClrLst>
-    <dgm:effectClrLst/>
-    <dgm:txLinClrLst/>
-    <dgm:txFillClrLst meth="repeat">
-      <a:schemeClr val="lt1"/>
-    </dgm:txFillClrLst>
-    <dgm:txEffectClrLst/>
-  </dgm:styleLbl>
-  <dgm:styleLbl name="alignImgPlace1">
-    <dgm:fillClrLst meth="repeat">
-      <a:schemeClr val="accent1">
-        <a:tint val="50000"/>
-      </a:schemeClr>
-    </dgm:fillClrLst>
-    <dgm:linClrLst meth="repeat">
-      <a:schemeClr val="lt1"/>
-    </dgm:linClrLst>
-    <dgm:effectClrLst/>
-    <dgm:txLinClrLst/>
-    <dgm:txFillClrLst meth="repeat">
-      <a:schemeClr val="lt1"/>
-    </dgm:txFillClrLst>
-    <dgm:txEffectClrLst/>
-  </dgm:styleLbl>
-  <dgm:styleLbl name="bgImgPlace1">
-    <dgm:fillClrLst meth="repeat">
-      <a:schemeClr val="accent1">
-        <a:tint val="50000"/>
-      </a:schemeClr>
-    </dgm:fillClrLst>
-    <dgm:linClrLst meth="repeat">
-      <a:schemeClr val="lt1"/>
-    </dgm:linClrLst>
-    <dgm:effectClrLst/>
-    <dgm:txLinClrLst/>
-    <dgm:txFillClrLst meth="repeat">
-      <a:schemeClr val="lt1"/>
-    </dgm:txFillClrLst>
-    <dgm:txEffectClrLst/>
-  </dgm:styleLbl>
-  <dgm:styleLbl name="sibTrans2D1">
-    <dgm:fillClrLst meth="repeat">
-      <a:schemeClr val="accent1">
-        <a:tint val="60000"/>
-      </a:schemeClr>
-    </dgm:fillClrLst>
-    <dgm:linClrLst meth="repeat">
-      <a:schemeClr val="accent1">
-        <a:tint val="60000"/>
-      </a:schemeClr>
-    </dgm:linClrLst>
-    <dgm:effectClrLst/>
-    <dgm:txLinClrLst/>
-    <dgm:txFillClrLst/>
-    <dgm:txEffectClrLst/>
-  </dgm:styleLbl>
-  <dgm:styleLbl name="fgSibTrans2D1">
-    <dgm:fillClrLst meth="repeat">
-      <a:schemeClr val="accent1">
-        <a:tint val="60000"/>
-      </a:schemeClr>
-    </dgm:fillClrLst>
-    <dgm:linClrLst meth="repeat">
-      <a:schemeClr val="accent1">
-        <a:tint val="60000"/>
-      </a:schemeClr>
-    </dgm:linClrLst>
-    <dgm:effectClrLst/>
-    <dgm:txLinClrLst/>
-    <dgm:txFillClrLst/>
-    <dgm:txEffectClrLst/>
-  </dgm:styleLbl>
-  <dgm:styleLbl name="bgSibTrans2D1">
-    <dgm:fillClrLst meth="repeat">
-      <a:schemeClr val="accent1">
-        <a:tint val="60000"/>
-      </a:schemeClr>
-    </dgm:fillClrLst>
-    <dgm:linClrLst meth="repeat">
-      <a:schemeClr val="accent1">
-        <a:tint val="60000"/>
-      </a:schemeClr>
-    </dgm:linClrLst>
-    <dgm:effectClrLst/>
-    <dgm:txLinClrLst/>
-    <dgm:txFillClrLst/>
-    <dgm:txEffectClrLst/>
-  </dgm:styleLbl>
-  <dgm:styleLbl name="sibTrans1D1">
-    <dgm:fillClrLst meth="repeat">
-      <a:schemeClr val="accent1"/>
-    </dgm:fillClrLst>
-    <dgm:linClrLst meth="repeat">
-      <a:schemeClr val="accent1"/>
-    </dgm:linClrLst>
-    <dgm:effectClrLst/>
-    <dgm:txLinClrLst/>
-    <dgm:txFillClrLst meth="repeat">
-      <a:schemeClr val="tx1"/>
-    </dgm:txFillClrLst>
-    <dgm:txEffectClrLst/>
-  </dgm:styleLbl>
-  <dgm:styleLbl name="callout">
-    <dgm:fillClrLst meth="repeat">
-      <a:schemeClr val="accent1"/>
-    </dgm:fillClrLst>
-    <dgm:linClrLst meth="repeat">
-      <a:schemeClr val="accent1">
-        <a:tint val="50000"/>
-      </a:schemeClr>
-    </dgm:linClrLst>
-    <dgm:effectClrLst/>
-    <dgm:txLinClrLst/>
-    <dgm:txFillClrLst meth="repeat">
-      <a:schemeClr val="tx1"/>
-    </dgm:txFillClrLst>
-    <dgm:txEffectClrLst/>
-  </dgm:styleLbl>
-  <dgm:styleLbl name="asst0">
-    <dgm:fillClrLst meth="repeat">
-      <a:schemeClr val="accent1"/>
-    </dgm:fillClrLst>
-    <dgm:linClrLst meth="repeat">
-      <a:schemeClr val="lt1"/>
-    </dgm:linClrLst>
-    <dgm:effectClrLst/>
-    <dgm:txLinClrLst/>
-    <dgm:txFillClrLst/>
-    <dgm:txEffectClrLst/>
-  </dgm:styleLbl>
-  <dgm:styleLbl name="asst1">
-    <dgm:fillClrLst meth="repeat">
-      <a:schemeClr val="accent1"/>
-    </dgm:fillClrLst>
-    <dgm:linClrLst meth="repeat">
-      <a:schemeClr val="lt1"/>
-    </dgm:linClrLst>
-    <dgm:effectClrLst/>
-    <dgm:txLinClrLst/>
-    <dgm:txFillClrLst/>
-    <dgm:txEffectClrLst/>
-  </dgm:styleLbl>
-  <dgm:styleLbl name="asst2">
-    <dgm:fillClrLst meth="repeat">
-      <a:schemeClr val="accent1"/>
-    </dgm:fillClrLst>
-    <dgm:linClrLst meth="repeat">
-      <a:schemeClr val="lt1"/>
-    </dgm:linClrLst>
-    <dgm:effectClrLst/>
-    <dgm:txLinClrLst/>
-    <dgm:txFillClrLst/>
-    <dgm:txEffectClrLst/>
-  </dgm:styleLbl>
-  <dgm:styleLbl name="asst3">
-    <dgm:fillClrLst meth="repeat">
-      <a:schemeClr val="accent1"/>
-    </dgm:fillClrLst>
-    <dgm:linClrLst meth="repeat">
-      <a:schemeClr val="lt1"/>
-    </dgm:linClrLst>
-    <dgm:effectClrLst/>
-    <dgm:txLinClrLst/>
-    <dgm:txFillClrLst/>
-    <dgm:txEffectClrLst/>
-  </dgm:styleLbl>
-  <dgm:styleLbl name="asst4">
-    <dgm:fillClrLst meth="repeat">
-      <a:schemeClr val="accent1"/>
-    </dgm:fillClrLst>
-    <dgm:linClrLst meth="repeat">
-      <a:schemeClr val="lt1"/>
-    </dgm:linClrLst>
-    <dgm:effectClrLst/>
-    <dgm:txLinClrLst/>
-    <dgm:txFillClrLst/>
-    <dgm:txEffectClrLst/>
-  </dgm:styleLbl>
-  <dgm:styleLbl name="parChTrans2D1">
-    <dgm:fillClrLst meth="repeat">
-      <a:schemeClr val="accent1">
-        <a:tint val="60000"/>
-      </a:schemeClr>
-    </dgm:fillClrLst>
-    <dgm:linClrLst meth="repeat">
-      <a:schemeClr val="accent1">
-        <a:tint val="60000"/>
-      </a:schemeClr>
-    </dgm:linClrLst>
-    <dgm:effectClrLst/>
-    <dgm:txLinClrLst/>
-    <dgm:txFillClrLst meth="repeat">
-      <a:schemeClr val="lt1"/>
-    </dgm:txFillClrLst>
-    <dgm:txEffectClrLst/>
-  </dgm:styleLbl>
-  <dgm:styleLbl name="parChTrans2D2">
-    <dgm:fillClrLst meth="repeat">
-      <a:schemeClr val="accent1"/>
-    </dgm:fillClrLst>
-    <dgm:linClrLst meth="repeat">
-      <a:schemeClr val="accent1"/>
-    </dgm:linClrLst>
-    <dgm:effectClrLst/>
-    <dgm:txLinClrLst/>
-    <dgm:txFillClrLst meth="repeat">
-      <a:schemeClr val="lt1"/>
-    </dgm:txFillClrLst>
-    <dgm:txEffectClrLst/>
-  </dgm:styleLbl>
-  <dgm:styleLbl name="parChTrans2D3">
-    <dgm:fillClrLst meth="repeat">
-      <a:schemeClr val="accent1"/>
-    </dgm:fillClrLst>
-    <dgm:linClrLst meth="repeat">
-      <a:schemeClr val="accent1"/>
-    </dgm:linClrLst>
-    <dgm:effectClrLst/>
-    <dgm:txLinClrLst/>
-    <dgm:txFillClrLst meth="repeat">
-      <a:schemeClr val="lt1"/>
-    </dgm:txFillClrLst>
-    <dgm:txEffectClrLst/>
-  </dgm:styleLbl>
-  <dgm:styleLbl name="parChTrans2D4">
-    <dgm:fillClrLst meth="repeat">
-      <a:schemeClr val="accent1"/>
-    </dgm:fillClrLst>
-    <dgm:linClrLst meth="repeat">
-      <a:schemeClr val="accent1"/>
-    </dgm:linClrLst>
-    <dgm:effectClrLst/>
-    <dgm:txLinClrLst/>
-    <dgm:txFillClrLst meth="repeat">
-      <a:schemeClr val="lt1"/>
-    </dgm:txFillClrLst>
-    <dgm:txEffectClrLst/>
-  </dgm:styleLbl>
-  <dgm:styleLbl name="parChTrans1D1">
-    <dgm:fillClrLst meth="repeat">
-      <a:schemeClr val="accent1"/>
-    </dgm:fillClrLst>
-    <dgm:linClrLst meth="repeat">
-      <a:schemeClr val="accent1">
-        <a:shade val="60000"/>
-      </a:schemeClr>
-    </dgm:linClrLst>
-    <dgm:effectClrLst/>
-    <dgm:txLinClrLst/>
-    <dgm:txFillClrLst meth="repeat">
-      <a:schemeClr val="tx1"/>
-    </dgm:txFillClrLst>
-    <dgm:txEffectClrLst/>
-  </dgm:styleLbl>
-  <dgm:styleLbl name="parChTrans1D2">
-    <dgm:fillClrLst meth="repeat">
-      <a:schemeClr val="accent1"/>
-    </dgm:fillClrLst>
-    <dgm:linClrLst meth="repeat">
-      <a:schemeClr val="accent1">
-        <a:shade val="60000"/>
-      </a:schemeClr>
-    </dgm:linClrLst>
-    <dgm:effectClrLst/>
-    <dgm:txLinClrLst/>
-    <dgm:txFillClrLst meth="repeat">
-      <a:schemeClr val="tx1"/>
-    </dgm:txFillClrLst>
-    <dgm:txEffectClrLst/>
-  </dgm:styleLbl>
-  <dgm:styleLbl name="parChTrans1D3">
-    <dgm:fillClrLst meth="repeat">
-      <a:schemeClr val="accent1"/>
-    </dgm:fillClrLst>
-    <dgm:linClrLst meth="repeat">
-      <a:schemeClr val="accent1">
-        <a:shade val="80000"/>
-      </a:schemeClr>
-    </dgm:linClrLst>
-    <dgm:effectClrLst/>
-    <dgm:txLinClrLst/>
-    <dgm:txFillClrLst meth="repeat">
-      <a:schemeClr val="tx1"/>
-    </dgm:txFillClrLst>
-    <dgm:txEffectClrLst/>
-  </dgm:styleLbl>
-  <dgm:styleLbl name="parChTrans1D4">
-    <dgm:fillClrLst meth="repeat">
-      <a:schemeClr val="accent1"/>
-    </dgm:fillClrLst>
-    <dgm:linClrLst meth="repeat">
-      <a:schemeClr val="accent1">
-        <a:shade val="80000"/>
-      </a:schemeClr>
-    </dgm:linClrLst>
-    <dgm:effectClrLst/>
-    <dgm:txLinClrLst/>
-    <dgm:txFillClrLst meth="repeat">
-      <a:schemeClr val="tx1"/>
-    </dgm:txFillClrLst>
-    <dgm:txEffectClrLst/>
-  </dgm:styleLbl>
-  <dgm:styleLbl name="fgAcc1">
-    <dgm:fillClrLst meth="repeat">
-      <a:schemeClr val="lt1">
-        <a:alpha val="90000"/>
-      </a:schemeClr>
-    </dgm:fillClrLst>
-    <dgm:linClrLst meth="repeat">
-      <a:schemeClr val="accent1"/>
-    </dgm:linClrLst>
-    <dgm:effectClrLst/>
-    <dgm:txLinClrLst/>
-    <dgm:txFillClrLst meth="repeat">
-      <a:schemeClr val="dk1"/>
-    </dgm:txFillClrLst>
-    <dgm:txEffectClrLst/>
-  </dgm:styleLbl>
-  <dgm:styleLbl name="conFgAcc1">
-    <dgm:fillClrLst meth="repeat">
-      <a:schemeClr val="lt1">
-        <a:alpha val="90000"/>
-      </a:schemeClr>
-    </dgm:fillClrLst>
-    <dgm:linClrLst meth="repeat">
-      <a:schemeClr val="accent1"/>
-    </dgm:linClrLst>
-    <dgm:effectClrLst/>
-    <dgm:txLinClrLst/>
-    <dgm:txFillClrLst meth="repeat">
-      <a:schemeClr val="dk1"/>
-    </dgm:txFillClrLst>
-    <dgm:txEffectClrLst/>
-  </dgm:styleLbl>
-  <dgm:styleLbl name="alignAcc1">
-    <dgm:fillClrLst meth="repeat">
-      <a:schemeClr val="lt1">
-        <a:alpha val="90000"/>
-      </a:schemeClr>
-    </dgm:fillClrLst>
-    <dgm:linClrLst meth="repeat">
-      <a:schemeClr val="accent1"/>
-    </dgm:linClrLst>
-    <dgm:effectClrLst/>
-    <dgm:txLinClrLst/>
-    <dgm:txFillClrLst meth="repeat">
-      <a:schemeClr val="dk1"/>
-    </dgm:txFillClrLst>
-    <dgm:txEffectClrLst/>
-  </dgm:styleLbl>
-  <dgm:styleLbl name="trAlignAcc1">
-    <dgm:fillClrLst meth="repeat">
-      <a:schemeClr val="lt1">
-        <a:alpha val="40000"/>
-      </a:schemeClr>
-    </dgm:fillClrLst>
-    <dgm:linClrLst meth="repeat">
-      <a:schemeClr val="accent1"/>
-    </dgm:linClrLst>
-    <dgm:effectClrLst/>
-    <dgm:txLinClrLst/>
-    <dgm:txFillClrLst meth="repeat">
-      <a:schemeClr val="dk1"/>
-    </dgm:txFillClrLst>
-    <dgm:txEffectClrLst/>
-  </dgm:styleLbl>
-  <dgm:styleLbl name="bgAcc1">
-    <dgm:fillClrLst meth="repeat">
-      <a:schemeClr val="lt1">
-        <a:alpha val="90000"/>
-      </a:schemeClr>
-    </dgm:fillClrLst>
-    <dgm:linClrLst meth="repeat">
-      <a:schemeClr val="accent1"/>
-    </dgm:linClrLst>
-    <dgm:effectClrLst/>
-    <dgm:txLinClrLst/>
-    <dgm:txFillClrLst meth="repeat">
-      <a:schemeClr val="dk1"/>
-    </dgm:txFillClrLst>
-    <dgm:txEffectClrLst/>
-  </dgm:styleLbl>
-  <dgm:styleLbl name="solidFgAcc1">
-    <dgm:fillClrLst meth="repeat">
-      <a:schemeClr val="lt1"/>
-    </dgm:fillClrLst>
-    <dgm:linClrLst meth="repeat">
-      <a:schemeClr val="accent1"/>
-    </dgm:linClrLst>
-    <dgm:effectClrLst/>
-    <dgm:txLinClrLst/>
-    <dgm:txFillClrLst meth="repeat">
-      <a:schemeClr val="dk1"/>
-    </dgm:txFillClrLst>
-    <dgm:txEffectClrLst/>
-  </dgm:styleLbl>
-  <dgm:styleLbl name="solidAlignAcc1">
-    <dgm:fillClrLst meth="repeat">
-      <a:schemeClr val="lt1"/>
-    </dgm:fillClrLst>
-    <dgm:linClrLst meth="repeat">
-      <a:schemeClr val="accent1"/>
-    </dgm:linClrLst>
-    <dgm:effectClrLst/>
-    <dgm:txLinClrLst/>
-    <dgm:txFillClrLst meth="repeat">
-      <a:schemeClr val="dk1"/>
-    </dgm:txFillClrLst>
-    <dgm:txEffectClrLst/>
-  </dgm:styleLbl>
-  <dgm:styleLbl name="solidBgAcc1">
-    <dgm:fillClrLst meth="repeat">
-      <a:schemeClr val="lt1"/>
-    </dgm:fillClrLst>
-    <dgm:linClrLst meth="repeat">
-      <a:schemeClr val="accent1"/>
-    </dgm:linClrLst>
-    <dgm:effectClrLst/>
-    <dgm:txLinClrLst/>
-    <dgm:txFillClrLst meth="repeat">
-      <a:schemeClr val="dk1"/>
-    </dgm:txFillClrLst>
-    <dgm:txEffectClrLst/>
-  </dgm:styleLbl>
-  <dgm:styleLbl name="fgAccFollowNode1">
-    <dgm:fillClrLst meth="repeat">
-      <a:schemeClr val="accent1">
-        <a:alpha val="90000"/>
-        <a:tint val="40000"/>
-      </a:schemeClr>
-    </dgm:fillClrLst>
-    <dgm:linClrLst meth="repeat">
-      <a:schemeClr val="accent1">
-        <a:alpha val="90000"/>
-        <a:tint val="40000"/>
-      </a:schemeClr>
-    </dgm:linClrLst>
-    <dgm:effectClrLst/>
-    <dgm:txLinClrLst/>
-    <dgm:txFillClrLst meth="repeat">
-      <a:schemeClr val="dk1"/>
-    </dgm:txFillClrLst>
-    <dgm:txEffectClrLst/>
-  </dgm:styleLbl>
-  <dgm:styleLbl name="alignAccFollowNode1">
-    <dgm:fillClrLst meth="repeat">
-      <a:schemeClr val="accent1">
-        <a:alpha val="90000"/>
-        <a:tint val="40000"/>
-      </a:schemeClr>
-    </dgm:fillClrLst>
-    <dgm:linClrLst meth="repeat">
-      <a:schemeClr val="accent1">
-        <a:alpha val="90000"/>
-        <a:tint val="40000"/>
-      </a:schemeClr>
-    </dgm:linClrLst>
-    <dgm:effectClrLst/>
-    <dgm:txLinClrLst/>
-    <dgm:txFillClrLst meth="repeat">
-      <a:schemeClr val="dk1"/>
-    </dgm:txFillClrLst>
-    <dgm:txEffectClrLst/>
-  </dgm:styleLbl>
-  <dgm:styleLbl name="bgAccFollowNode1">
-    <dgm:fillClrLst meth="repeat">
-      <a:schemeClr val="accent1">
-        <a:alpha val="90000"/>
-        <a:tint val="40000"/>
-      </a:schemeClr>
-    </dgm:fillClrLst>
-    <dgm:linClrLst meth="repeat">
-      <a:schemeClr val="accent1">
-        <a:alpha val="90000"/>
-        <a:tint val="40000"/>
-      </a:schemeClr>
-    </dgm:linClrLst>
-    <dgm:effectClrLst/>
-    <dgm:txLinClrLst/>
-    <dgm:txFillClrLst meth="repeat">
-      <a:schemeClr val="dk1"/>
-    </dgm:txFillClrLst>
-    <dgm:txEffectClrLst/>
-  </dgm:styleLbl>
-  <dgm:styleLbl name="fgAcc0">
-    <dgm:fillClrLst meth="repeat">
-      <a:schemeClr val="lt1">
-        <a:alpha val="90000"/>
-      </a:schemeClr>
-    </dgm:fillClrLst>
-    <dgm:linClrLst meth="repeat">
-      <a:schemeClr val="accent1"/>
-    </dgm:linClrLst>
-    <dgm:effectClrLst/>
-    <dgm:txLinClrLst/>
-    <dgm:txFillClrLst meth="repeat">
-      <a:schemeClr val="dk1"/>
-    </dgm:txFillClrLst>
-    <dgm:txEffectClrLst/>
-  </dgm:styleLbl>
-  <dgm:styleLbl name="fgAcc2">
-    <dgm:fillClrLst meth="repeat">
-      <a:schemeClr val="lt1">
-        <a:alpha val="90000"/>
-      </a:schemeClr>
-    </dgm:fillClrLst>
-    <dgm:linClrLst meth="repeat">
-      <a:schemeClr val="accent1"/>
-    </dgm:linClrLst>
-    <dgm:effectClrLst/>
-    <dgm:txLinClrLst/>
-    <dgm:txFillClrLst meth="repeat">
-      <a:schemeClr val="dk1"/>
-    </dgm:txFillClrLst>
-    <dgm:txEffectClrLst/>
-  </dgm:styleLbl>
-  <dgm:styleLbl name="fgAcc3">
-    <dgm:fillClrLst meth="repeat">
-      <a:schemeClr val="lt1">
-        <a:alpha val="90000"/>
-      </a:schemeClr>
-    </dgm:fillClrLst>
-    <dgm:linClrLst meth="repeat">
-      <a:schemeClr val="accent1"/>
-    </dgm:linClrLst>
-    <dgm:effectClrLst/>
-    <dgm:txLinClrLst/>
-    <dgm:txFillClrLst meth="repeat">
-      <a:schemeClr val="dk1"/>
-    </dgm:txFillClrLst>
-    <dgm:txEffectClrLst/>
-  </dgm:styleLbl>
-  <dgm:styleLbl name="fgAcc4">
-    <dgm:fillClrLst meth="repeat">
-      <a:schemeClr val="lt1">
-        <a:alpha val="90000"/>
-      </a:schemeClr>
-    </dgm:fillClrLst>
-    <dgm:linClrLst meth="repeat">
-      <a:schemeClr val="accent1"/>
-    </dgm:linClrLst>
-    <dgm:effectClrLst/>
-    <dgm:txLinClrLst/>
-    <dgm:txFillClrLst meth="repeat">
-      <a:schemeClr val="dk1"/>
-    </dgm:txFillClrLst>
-    <dgm:txEffectClrLst/>
-  </dgm:styleLbl>
-  <dgm:styleLbl name="bgShp">
-    <dgm:fillClrLst meth="repeat">
-      <a:schemeClr val="accent1">
-        <a:tint val="40000"/>
-      </a:schemeClr>
-    </dgm:fillClrLst>
-    <dgm:linClrLst meth="repeat">
-      <a:schemeClr val="accent1"/>
-    </dgm:linClrLst>
-    <dgm:effectClrLst/>
-    <dgm:txLinClrLst/>
-    <dgm:txFillClrLst meth="repeat">
-      <a:schemeClr val="dk1"/>
-    </dgm:txFillClrLst>
-    <dgm:txEffectClrLst/>
-  </dgm:styleLbl>
-  <dgm:styleLbl name="dkBgShp">
-    <dgm:fillClrLst meth="repeat">
-      <a:schemeClr val="accent1">
-        <a:shade val="80000"/>
-      </a:schemeClr>
-    </dgm:fillClrLst>
-    <dgm:linClrLst meth="repeat">
-      <a:schemeClr val="accent1"/>
-    </dgm:linClrLst>
-    <dgm:effectClrLst/>
-    <dgm:txLinClrLst/>
-    <dgm:txFillClrLst meth="repeat">
-      <a:schemeClr val="lt1"/>
-    </dgm:txFillClrLst>
-    <dgm:txEffectClrLst/>
-  </dgm:styleLbl>
-  <dgm:styleLbl name="trBgShp">
-    <dgm:fillClrLst meth="repeat">
-      <a:schemeClr val="accent1">
-        <a:tint val="50000"/>
-        <a:alpha val="40000"/>
-      </a:schemeClr>
-    </dgm:fillClrLst>
-    <dgm:linClrLst meth="repeat">
-      <a:schemeClr val="accent1"/>
-    </dgm:linClrLst>
-    <dgm:effectClrLst/>
-    <dgm:txLinClrLst/>
-    <dgm:txFillClrLst meth="repeat">
-      <a:schemeClr val="lt1"/>
-    </dgm:txFillClrLst>
-    <dgm:txEffectClrLst/>
-  </dgm:styleLbl>
-  <dgm:styleLbl name="fgShp">
-    <dgm:fillClrLst meth="repeat">
-      <a:schemeClr val="accent1">
-        <a:tint val="60000"/>
-      </a:schemeClr>
-    </dgm:fillClrLst>
-    <dgm:linClrLst meth="repeat">
-      <a:schemeClr val="lt1"/>
-    </dgm:linClrLst>
-    <dgm:effectClrLst/>
-    <dgm:txLinClrLst/>
-    <dgm:txFillClrLst meth="repeat">
-      <a:schemeClr val="dk1"/>
-    </dgm:txFillClrLst>
-    <dgm:txEffectClrLst/>
-  </dgm:styleLbl>
-  <dgm:styleLbl name="revTx">
-    <dgm:fillClrLst meth="repeat">
-      <a:schemeClr val="lt1">
-        <a:alpha val="0"/>
-      </a:schemeClr>
-    </dgm:fillClrLst>
-    <dgm:linClrLst meth="repeat">
-      <a:schemeClr val="dk1">
-        <a:alpha val="0"/>
-      </a:schemeClr>
-    </dgm:linClrLst>
-    <dgm:effectClrLst/>
-    <dgm:txLinClrLst/>
-    <dgm:txFillClrLst meth="repeat">
-      <a:schemeClr val="tx1"/>
-    </dgm:txFillClrLst>
-    <dgm:txEffectClrLst/>
-  </dgm:styleLbl>
-</dgm:colorsDef>
-</file>
-
-<file path=ppt/diagrams/colors8.xml><?xml version="1.0" encoding="utf-8"?>
 <dgm:colorsDef xmlns:dgm="http://schemas.openxmlformats.org/drawingml/2006/diagram" xmlns:a="http://schemas.openxmlformats.org/drawingml/2006/main" uniqueId="urn:microsoft.com/office/officeart/2018/5/colors/Iconchunking_neutralbg_colorful1">
   <dgm:title val=""/>
   <dgm:desc val=""/>
@@ -6457,7 +5709,7 @@
 </dgm:colorsDef>
 </file>
 
-<file path=ppt/diagrams/colors9.xml><?xml version="1.0" encoding="utf-8"?>
+<file path=ppt/diagrams/colors8.xml><?xml version="1.0" encoding="utf-8"?>
 <dgm:colorsDef xmlns:dgm="http://schemas.openxmlformats.org/drawingml/2006/diagram" xmlns:a="http://schemas.openxmlformats.org/drawingml/2006/main" uniqueId="urn:microsoft.com/office/officeart/2018/5/colors/Iconchunking_neutralbg_colorful1">
   <dgm:title val=""/>
   <dgm:desc val=""/>
@@ -8239,8 +7491,40 @@
         <a:lstStyle/>
         <a:p>
           <a:r>
-            <a:rPr lang="en-US"/>
-            <a:t>• Búsqueda Binaria: divide la lista ordenada (O(log n)).</a:t>
+            <a:rPr lang="en-US" dirty="0"/>
+            <a:t>• </a:t>
+          </a:r>
+          <a:r>
+            <a:rPr lang="en-US" dirty="0" err="1"/>
+            <a:t>Búsqueda</a:t>
+          </a:r>
+          <a:r>
+            <a:rPr lang="en-US" dirty="0"/>
+            <a:t> </a:t>
+          </a:r>
+          <a:r>
+            <a:rPr lang="en-US" dirty="0" err="1"/>
+            <a:t>Binaria</a:t>
+          </a:r>
+          <a:r>
+            <a:rPr lang="en-US" dirty="0"/>
+            <a:t>: divide la </a:t>
+          </a:r>
+          <a:r>
+            <a:rPr lang="en-US" dirty="0" err="1"/>
+            <a:t>lista</a:t>
+          </a:r>
+          <a:r>
+            <a:rPr lang="en-US" dirty="0"/>
+            <a:t> </a:t>
+          </a:r>
+          <a:r>
+            <a:rPr lang="en-US" dirty="0" err="1"/>
+            <a:t>ordenada</a:t>
+          </a:r>
+          <a:r>
+            <a:rPr lang="en-US" dirty="0"/>
+            <a:t> (O(log n)).</a:t>
           </a:r>
         </a:p>
       </dgm:t>
@@ -8714,10 +7998,10 @@
         <a:lstStyle/>
         <a:p>
           <a:r>
-            <a:rPr lang="es-MX"/>
+            <a:rPr lang="es-MX" dirty="0"/>
             <a:t>4. Búsqueda binaria sobre lista ordenada.</a:t>
           </a:r>
-          <a:endParaRPr lang="en-US"/>
+          <a:endParaRPr lang="en-US" dirty="0"/>
         </a:p>
       </dgm:t>
     </dgm:pt>
@@ -8751,10 +8035,10 @@
         <a:lstStyle/>
         <a:p>
           <a:r>
-            <a:rPr lang="es-MX"/>
+            <a:rPr lang="es-MX" dirty="0"/>
             <a:t>5. Ordenamiento con Quicksort.</a:t>
           </a:r>
-          <a:endParaRPr lang="en-US"/>
+          <a:endParaRPr lang="en-US" dirty="0"/>
         </a:p>
       </dgm:t>
     </dgm:pt>
@@ -9450,231 +8734,6 @@
 <file path=ppt/diagrams/data6.xml><?xml version="1.0" encoding="utf-8"?>
 <dgm:dataModel xmlns:dgm="http://schemas.openxmlformats.org/drawingml/2006/diagram" xmlns:a="http://schemas.openxmlformats.org/drawingml/2006/main">
   <dgm:ptLst>
-    <dgm:pt modelId="{D822D03F-6514-4FF3-AA61-766F2C180E55}" type="doc">
-      <dgm:prSet loTypeId="urn:microsoft.com/office/officeart/2005/8/layout/arrow5" loCatId="relationship" qsTypeId="urn:microsoft.com/office/officeart/2005/8/quickstyle/simple1" qsCatId="simple" csTypeId="urn:microsoft.com/office/officeart/2005/8/colors/accent1_2" csCatId="accent1"/>
-      <dgm:spPr/>
-      <dgm:t>
-        <a:bodyPr/>
-        <a:lstStyle/>
-        <a:p>
-          <a:endParaRPr lang="en-US"/>
-        </a:p>
-      </dgm:t>
-    </dgm:pt>
-    <dgm:pt modelId="{81EE70BA-EB16-4E63-B41B-98EFD8DCA3F1}">
-      <dgm:prSet/>
-      <dgm:spPr/>
-      <dgm:t>
-        <a:bodyPr/>
-        <a:lstStyle/>
-        <a:p>
-          <a:r>
-            <a:rPr lang="en-US"/>
-            <a:t>• Se eligieron algoritmos simples y eficientes.</a:t>
-          </a:r>
-        </a:p>
-      </dgm:t>
-    </dgm:pt>
-    <dgm:pt modelId="{D17529EC-08B1-43C9-B208-4E6725C183B4}" type="parTrans" cxnId="{C6692396-7337-4F88-AD22-AA870E62FD58}">
-      <dgm:prSet/>
-      <dgm:spPr/>
-      <dgm:t>
-        <a:bodyPr/>
-        <a:lstStyle/>
-        <a:p>
-          <a:endParaRPr lang="en-US"/>
-        </a:p>
-      </dgm:t>
-    </dgm:pt>
-    <dgm:pt modelId="{DC283574-A35F-4C19-BE77-74211B70BF95}" type="sibTrans" cxnId="{C6692396-7337-4F88-AD22-AA870E62FD58}">
-      <dgm:prSet/>
-      <dgm:spPr/>
-      <dgm:t>
-        <a:bodyPr/>
-        <a:lstStyle/>
-        <a:p>
-          <a:endParaRPr lang="en-US"/>
-        </a:p>
-      </dgm:t>
-    </dgm:pt>
-    <dgm:pt modelId="{6BD4C970-74AD-4A6B-95C7-D3841EA97AAC}">
-      <dgm:prSet/>
-      <dgm:spPr/>
-      <dgm:t>
-        <a:bodyPr/>
-        <a:lstStyle/>
-        <a:p>
-          <a:r>
-            <a:rPr lang="en-US"/>
-            <a:t>• Búsqueda binaria requiere lista ordenada.</a:t>
-          </a:r>
-        </a:p>
-      </dgm:t>
-    </dgm:pt>
-    <dgm:pt modelId="{0E782592-62B9-41E2-95DF-420B5BDB56DA}" type="parTrans" cxnId="{5F6591F0-5CAF-4F1D-BBAF-9C95143BF98C}">
-      <dgm:prSet/>
-      <dgm:spPr/>
-      <dgm:t>
-        <a:bodyPr/>
-        <a:lstStyle/>
-        <a:p>
-          <a:endParaRPr lang="en-US"/>
-        </a:p>
-      </dgm:t>
-    </dgm:pt>
-    <dgm:pt modelId="{492B3A31-1927-4D46-BDCD-E2208B446200}" type="sibTrans" cxnId="{5F6591F0-5CAF-4F1D-BBAF-9C95143BF98C}">
-      <dgm:prSet/>
-      <dgm:spPr/>
-      <dgm:t>
-        <a:bodyPr/>
-        <a:lstStyle/>
-        <a:p>
-          <a:endParaRPr lang="en-US"/>
-        </a:p>
-      </dgm:t>
-    </dgm:pt>
-    <dgm:pt modelId="{6826205D-E53B-4321-80D5-99828C6241E5}">
-      <dgm:prSet/>
-      <dgm:spPr/>
-      <dgm:t>
-        <a:bodyPr/>
-        <a:lstStyle/>
-        <a:p>
-          <a:r>
-            <a:rPr lang="en-US"/>
-            <a:t>• Comparación entre claridad y rendimiento.</a:t>
-          </a:r>
-        </a:p>
-      </dgm:t>
-    </dgm:pt>
-    <dgm:pt modelId="{32C8744D-C991-46AD-A541-D185D37597BB}" type="parTrans" cxnId="{495E1D58-37C5-475F-A17F-1281E2E7B7C1}">
-      <dgm:prSet/>
-      <dgm:spPr/>
-      <dgm:t>
-        <a:bodyPr/>
-        <a:lstStyle/>
-        <a:p>
-          <a:endParaRPr lang="en-US"/>
-        </a:p>
-      </dgm:t>
-    </dgm:pt>
-    <dgm:pt modelId="{B3770731-8B69-4877-8986-5BD78E6E23A4}" type="sibTrans" cxnId="{495E1D58-37C5-475F-A17F-1281E2E7B7C1}">
-      <dgm:prSet/>
-      <dgm:spPr/>
-      <dgm:t>
-        <a:bodyPr/>
-        <a:lstStyle/>
-        <a:p>
-          <a:endParaRPr lang="en-US"/>
-        </a:p>
-      </dgm:t>
-    </dgm:pt>
-    <dgm:pt modelId="{AE7CF252-6594-4B08-AB8F-FF1690890D75}">
-      <dgm:prSet/>
-      <dgm:spPr/>
-      <dgm:t>
-        <a:bodyPr/>
-        <a:lstStyle/>
-        <a:p>
-          <a:r>
-            <a:rPr lang="en-US"/>
-            <a:t>• Quicksort como alternativa profesional.</a:t>
-          </a:r>
-        </a:p>
-      </dgm:t>
-    </dgm:pt>
-    <dgm:pt modelId="{F9A8B427-1FF6-455C-9AD9-F882FCF7D9E9}" type="parTrans" cxnId="{BBC58E35-520E-400C-85AD-A9A58595A910}">
-      <dgm:prSet/>
-      <dgm:spPr/>
-      <dgm:t>
-        <a:bodyPr/>
-        <a:lstStyle/>
-        <a:p>
-          <a:endParaRPr lang="en-US"/>
-        </a:p>
-      </dgm:t>
-    </dgm:pt>
-    <dgm:pt modelId="{F80158F2-9761-4983-B10B-9776427B288A}" type="sibTrans" cxnId="{BBC58E35-520E-400C-85AD-A9A58595A910}">
-      <dgm:prSet/>
-      <dgm:spPr/>
-      <dgm:t>
-        <a:bodyPr/>
-        <a:lstStyle/>
-        <a:p>
-          <a:endParaRPr lang="en-US"/>
-        </a:p>
-      </dgm:t>
-    </dgm:pt>
-    <dgm:pt modelId="{E564AF80-1D6C-4C70-9049-3CF94FB95B3C}" type="pres">
-      <dgm:prSet presAssocID="{D822D03F-6514-4FF3-AA61-766F2C180E55}" presName="diagram" presStyleCnt="0">
-        <dgm:presLayoutVars>
-          <dgm:dir/>
-          <dgm:resizeHandles val="exact"/>
-        </dgm:presLayoutVars>
-      </dgm:prSet>
-      <dgm:spPr/>
-    </dgm:pt>
-    <dgm:pt modelId="{B4EDC2B6-2F71-4E93-B08B-4C027921F1E6}" type="pres">
-      <dgm:prSet presAssocID="{81EE70BA-EB16-4E63-B41B-98EFD8DCA3F1}" presName="arrow" presStyleLbl="node1" presStyleIdx="0" presStyleCnt="4">
-        <dgm:presLayoutVars>
-          <dgm:bulletEnabled val="1"/>
-        </dgm:presLayoutVars>
-      </dgm:prSet>
-      <dgm:spPr/>
-    </dgm:pt>
-    <dgm:pt modelId="{9C35AFAA-B23B-440F-8130-26BB0F1B56D9}" type="pres">
-      <dgm:prSet presAssocID="{6BD4C970-74AD-4A6B-95C7-D3841EA97AAC}" presName="arrow" presStyleLbl="node1" presStyleIdx="1" presStyleCnt="4">
-        <dgm:presLayoutVars>
-          <dgm:bulletEnabled val="1"/>
-        </dgm:presLayoutVars>
-      </dgm:prSet>
-      <dgm:spPr/>
-    </dgm:pt>
-    <dgm:pt modelId="{488DDD17-4705-4B87-8A64-B5DB3B7B7FA4}" type="pres">
-      <dgm:prSet presAssocID="{6826205D-E53B-4321-80D5-99828C6241E5}" presName="arrow" presStyleLbl="node1" presStyleIdx="2" presStyleCnt="4">
-        <dgm:presLayoutVars>
-          <dgm:bulletEnabled val="1"/>
-        </dgm:presLayoutVars>
-      </dgm:prSet>
-      <dgm:spPr/>
-    </dgm:pt>
-    <dgm:pt modelId="{C513E811-EA41-488D-AF0C-FE07AD1913A2}" type="pres">
-      <dgm:prSet presAssocID="{AE7CF252-6594-4B08-AB8F-FF1690890D75}" presName="arrow" presStyleLbl="node1" presStyleIdx="3" presStyleCnt="4">
-        <dgm:presLayoutVars>
-          <dgm:bulletEnabled val="1"/>
-        </dgm:presLayoutVars>
-      </dgm:prSet>
-      <dgm:spPr/>
-    </dgm:pt>
-  </dgm:ptLst>
-  <dgm:cxnLst>
-    <dgm:cxn modelId="{00BF8910-4320-47C5-A292-38AC2A456247}" type="presOf" srcId="{D822D03F-6514-4FF3-AA61-766F2C180E55}" destId="{E564AF80-1D6C-4C70-9049-3CF94FB95B3C}" srcOrd="0" destOrd="0" presId="urn:microsoft.com/office/officeart/2005/8/layout/arrow5"/>
-    <dgm:cxn modelId="{43092516-BEFA-464D-A9E4-29534D7FA5EE}" type="presOf" srcId="{81EE70BA-EB16-4E63-B41B-98EFD8DCA3F1}" destId="{B4EDC2B6-2F71-4E93-B08B-4C027921F1E6}" srcOrd="0" destOrd="0" presId="urn:microsoft.com/office/officeart/2005/8/layout/arrow5"/>
-    <dgm:cxn modelId="{BBC58E35-520E-400C-85AD-A9A58595A910}" srcId="{D822D03F-6514-4FF3-AA61-766F2C180E55}" destId="{AE7CF252-6594-4B08-AB8F-FF1690890D75}" srcOrd="3" destOrd="0" parTransId="{F9A8B427-1FF6-455C-9AD9-F882FCF7D9E9}" sibTransId="{F80158F2-9761-4983-B10B-9776427B288A}"/>
-    <dgm:cxn modelId="{7B514742-C07B-451A-BF73-CE62683C1616}" type="presOf" srcId="{6BD4C970-74AD-4A6B-95C7-D3841EA97AAC}" destId="{9C35AFAA-B23B-440F-8130-26BB0F1B56D9}" srcOrd="0" destOrd="0" presId="urn:microsoft.com/office/officeart/2005/8/layout/arrow5"/>
-    <dgm:cxn modelId="{495E1D58-37C5-475F-A17F-1281E2E7B7C1}" srcId="{D822D03F-6514-4FF3-AA61-766F2C180E55}" destId="{6826205D-E53B-4321-80D5-99828C6241E5}" srcOrd="2" destOrd="0" parTransId="{32C8744D-C991-46AD-A541-D185D37597BB}" sibTransId="{B3770731-8B69-4877-8986-5BD78E6E23A4}"/>
-    <dgm:cxn modelId="{C6692396-7337-4F88-AD22-AA870E62FD58}" srcId="{D822D03F-6514-4FF3-AA61-766F2C180E55}" destId="{81EE70BA-EB16-4E63-B41B-98EFD8DCA3F1}" srcOrd="0" destOrd="0" parTransId="{D17529EC-08B1-43C9-B208-4E6725C183B4}" sibTransId="{DC283574-A35F-4C19-BE77-74211B70BF95}"/>
-    <dgm:cxn modelId="{3815B7A7-A9BE-4C16-9A4B-692B8D3726C3}" type="presOf" srcId="{AE7CF252-6594-4B08-AB8F-FF1690890D75}" destId="{C513E811-EA41-488D-AF0C-FE07AD1913A2}" srcOrd="0" destOrd="0" presId="urn:microsoft.com/office/officeart/2005/8/layout/arrow5"/>
-    <dgm:cxn modelId="{5F6591F0-5CAF-4F1D-BBAF-9C95143BF98C}" srcId="{D822D03F-6514-4FF3-AA61-766F2C180E55}" destId="{6BD4C970-74AD-4A6B-95C7-D3841EA97AAC}" srcOrd="1" destOrd="0" parTransId="{0E782592-62B9-41E2-95DF-420B5BDB56DA}" sibTransId="{492B3A31-1927-4D46-BDCD-E2208B446200}"/>
-    <dgm:cxn modelId="{4CEA79F9-F210-47D2-B739-6ACDB7C50F0F}" type="presOf" srcId="{6826205D-E53B-4321-80D5-99828C6241E5}" destId="{488DDD17-4705-4B87-8A64-B5DB3B7B7FA4}" srcOrd="0" destOrd="0" presId="urn:microsoft.com/office/officeart/2005/8/layout/arrow5"/>
-    <dgm:cxn modelId="{8E99D42A-F1E3-4E95-89F7-B311C0CFEF67}" type="presParOf" srcId="{E564AF80-1D6C-4C70-9049-3CF94FB95B3C}" destId="{B4EDC2B6-2F71-4E93-B08B-4C027921F1E6}" srcOrd="0" destOrd="0" presId="urn:microsoft.com/office/officeart/2005/8/layout/arrow5"/>
-    <dgm:cxn modelId="{793F2922-1C97-4D45-9560-0CD98C8361E9}" type="presParOf" srcId="{E564AF80-1D6C-4C70-9049-3CF94FB95B3C}" destId="{9C35AFAA-B23B-440F-8130-26BB0F1B56D9}" srcOrd="1" destOrd="0" presId="urn:microsoft.com/office/officeart/2005/8/layout/arrow5"/>
-    <dgm:cxn modelId="{4BE571DF-0C5F-4B5C-9945-40CEC7682E7C}" type="presParOf" srcId="{E564AF80-1D6C-4C70-9049-3CF94FB95B3C}" destId="{488DDD17-4705-4B87-8A64-B5DB3B7B7FA4}" srcOrd="2" destOrd="0" presId="urn:microsoft.com/office/officeart/2005/8/layout/arrow5"/>
-    <dgm:cxn modelId="{A3810283-E9C1-4F1A-A573-B52A47CE7C36}" type="presParOf" srcId="{E564AF80-1D6C-4C70-9049-3CF94FB95B3C}" destId="{C513E811-EA41-488D-AF0C-FE07AD1913A2}" srcOrd="3" destOrd="0" presId="urn:microsoft.com/office/officeart/2005/8/layout/arrow5"/>
-  </dgm:cxnLst>
-  <dgm:bg/>
-  <dgm:whole/>
-  <dgm:extLst>
-    <a:ext uri="http://schemas.microsoft.com/office/drawing/2008/diagram">
-      <dsp:dataModelExt xmlns:dsp="http://schemas.microsoft.com/office/drawing/2008/diagram" relId="rId6" minVer="http://schemas.openxmlformats.org/drawingml/2006/diagram"/>
-    </a:ext>
-  </dgm:extLst>
-</dgm:dataModel>
-</file>
-
-<file path=ppt/diagrams/data7.xml><?xml version="1.0" encoding="utf-8"?>
-<dgm:dataModel xmlns:dgm="http://schemas.openxmlformats.org/drawingml/2006/diagram" xmlns:a="http://schemas.openxmlformats.org/drawingml/2006/main">
-  <dgm:ptLst>
     <dgm:pt modelId="{A3347B34-B0BC-4E37-B9A9-61FD3EABCBE7}" type="doc">
       <dgm:prSet loTypeId="urn:microsoft.com/office/officeart/2018/2/layout/IconLabelList" loCatId="icon" qsTypeId="urn:microsoft.com/office/officeart/2005/8/quickstyle/simple1" qsCatId="simple" csTypeId="urn:microsoft.com/office/officeart/2005/8/colors/accent1_2" csCatId="accent1" phldr="1"/>
       <dgm:spPr/>
@@ -9687,7 +8746,7 @@
       </dgm:t>
     </dgm:pt>
     <dgm:pt modelId="{B3DE6F9F-59D6-4EED-94A9-238548116966}">
-      <dgm:prSet/>
+      <dgm:prSet custT="1"/>
       <dgm:spPr/>
       <dgm:t>
         <a:bodyPr/>
@@ -9699,8 +8758,36 @@
             </a:lnSpc>
           </a:pPr>
           <a:r>
-            <a:rPr lang="en-US"/>
-            <a:t>• Todos los algoritmos funcionaron correctamente.</a:t>
+            <a:rPr lang="en-US" sz="1600"/>
+            <a:t>• </a:t>
+          </a:r>
+          <a:r>
+            <a:rPr lang="en-US" sz="1600" err="1"/>
+            <a:t>Búsqueda</a:t>
+          </a:r>
+          <a:r>
+            <a:rPr lang="en-US" sz="1600"/>
+            <a:t> lineal (Sin </a:t>
+          </a:r>
+          <a:r>
+            <a:rPr lang="en-US" sz="1600" err="1"/>
+            <a:t>ordenar</a:t>
+          </a:r>
+          <a:r>
+            <a:rPr lang="en-US" sz="1600"/>
+            <a:t>): </a:t>
+          </a:r>
+          <a:r>
+            <a:rPr lang="en-US" sz="1600" err="1"/>
+            <a:t>posición</a:t>
+          </a:r>
+          <a:r>
+            <a:rPr lang="en-US" sz="1600"/>
+            <a:t> 3</a:t>
+          </a:r>
+          <a:r>
+            <a:rPr lang="en-US" sz="1300"/>
+            <a:t>.</a:t>
           </a:r>
         </a:p>
       </dgm:t>
@@ -9741,7 +8828,15 @@
           </a:pPr>
           <a:r>
             <a:rPr lang="en-US"/>
-            <a:t>• Búsqueda lineal: posición 3.</a:t>
+            <a:t>• Lista </a:t>
+          </a:r>
+          <a:r>
+            <a:rPr lang="en-US" err="1"/>
+            <a:t>Ordenada</a:t>
+          </a:r>
+          <a:r>
+            <a:rPr lang="en-US"/>
+            <a:t>: Bubble Sort</a:t>
           </a:r>
         </a:p>
       </dgm:t>
@@ -9782,7 +8877,26 @@
           </a:pPr>
           <a:r>
             <a:rPr lang="en-US"/>
-            <a:t>• Binaria: posición 4 (lista ordenada).</a:t>
+            <a:t>• Lista </a:t>
+          </a:r>
+          <a:r>
+            <a:rPr lang="en-US" err="1"/>
+            <a:t>Ordenada</a:t>
+          </a:r>
+          <a:r>
+            <a:rPr lang="en-US"/>
+            <a:t>:</a:t>
+          </a:r>
+        </a:p>
+        <a:p>
+          <a:pPr>
+            <a:lnSpc>
+              <a:spcPct val="100000"/>
+            </a:lnSpc>
+          </a:pPr>
+          <a:r>
+            <a:rPr lang="en-US"/>
+            <a:t>Quicksort</a:t>
           </a:r>
         </a:p>
       </dgm:t>
@@ -9822,8 +8936,40 @@
             </a:lnSpc>
           </a:pPr>
           <a:r>
-            <a:rPr lang="en-US"/>
-            <a:t>• Quicksort más eficiente que Bubble Sort.</a:t>
+            <a:rPr lang="en-US" dirty="0"/>
+            <a:t>• </a:t>
+          </a:r>
+          <a:r>
+            <a:rPr lang="en-US" dirty="0" err="1"/>
+            <a:t>Busqueda</a:t>
+          </a:r>
+          <a:r>
+            <a:rPr lang="en-US" dirty="0"/>
+            <a:t> </a:t>
+          </a:r>
+          <a:r>
+            <a:rPr lang="en-US" dirty="0" err="1"/>
+            <a:t>binaria</a:t>
+          </a:r>
+          <a:r>
+            <a:rPr lang="en-US" dirty="0"/>
+            <a:t> (</a:t>
+          </a:r>
+          <a:r>
+            <a:rPr lang="en-US" dirty="0" err="1"/>
+            <a:t>Ordenada</a:t>
+          </a:r>
+          <a:r>
+            <a:rPr lang="en-US" dirty="0"/>
+            <a:t>): </a:t>
+          </a:r>
+          <a:r>
+            <a:rPr lang="en-US" dirty="0" err="1"/>
+            <a:t>posición</a:t>
+          </a:r>
+          <a:r>
+            <a:rPr lang="en-US" dirty="0"/>
+            <a:t> 4.</a:t>
           </a:r>
         </a:p>
       </dgm:t>
@@ -9864,19 +9010,17 @@
       <dgm:spPr/>
     </dgm:pt>
     <dgm:pt modelId="{0396A4EC-B80B-4051-B759-AF6B05D40B85}" type="pres">
-      <dgm:prSet presAssocID="{B3DE6F9F-59D6-4EED-94A9-238548116966}" presName="iconRect" presStyleLbl="node1" presStyleIdx="0" presStyleCnt="4"/>
+      <dgm:prSet presAssocID="{B3DE6F9F-59D6-4EED-94A9-238548116966}" presName="iconRect" presStyleLbl="node1" presStyleIdx="0" presStyleCnt="4" custLinFactX="100000" custLinFactY="-22673" custLinFactNeighborX="172776" custLinFactNeighborY="-100000"/>
       <dgm:spPr>
         <a:blipFill>
           <a:blip xmlns:r="http://schemas.openxmlformats.org/officeDocument/2006/relationships" r:embed="rId1">
             <a:extLst>
-              <a:ext uri="{28A0092B-C50C-407E-A947-70E740481C1C}">
-                <a14:useLocalDpi xmlns:a14="http://schemas.microsoft.com/office/drawing/2010/main" val="0"/>
-              </a:ext>
               <a:ext uri="{96DAC541-7B7A-43D3-8B79-37D633B846F1}">
                 <asvg:svgBlip xmlns:asvg="http://schemas.microsoft.com/office/drawing/2016/SVG/main" r:embed="rId2"/>
               </a:ext>
             </a:extLst>
           </a:blip>
+          <a:srcRect/>
           <a:stretch>
             <a:fillRect/>
           </a:stretch>
@@ -9884,7 +9028,7 @@
       </dgm:spPr>
       <dgm:extLst>
         <a:ext uri="{E40237B7-FDA0-4F09-8148-C483321AD2D9}">
-          <dgm14:cNvPr xmlns:dgm14="http://schemas.microsoft.com/office/drawing/2010/diagram" id="0" name="" descr="Group Success"/>
+          <dgm14:cNvPr xmlns:dgm14="http://schemas.microsoft.com/office/drawing/2010/diagram" id="0" name="" descr="Bocadillo de pensamiento con relleno sólido"/>
         </a:ext>
       </dgm:extLst>
     </dgm:pt>
@@ -9893,7 +9037,7 @@
       <dgm:spPr/>
     </dgm:pt>
     <dgm:pt modelId="{296B0EC7-2D11-4A0B-AEAD-0F7837EB5043}" type="pres">
-      <dgm:prSet presAssocID="{B3DE6F9F-59D6-4EED-94A9-238548116966}" presName="textRect" presStyleLbl="revTx" presStyleIdx="0" presStyleCnt="4">
+      <dgm:prSet presAssocID="{B3DE6F9F-59D6-4EED-94A9-238548116966}" presName="textRect" presStyleLbl="revTx" presStyleIdx="0" presStyleCnt="4" custLinFactY="-64470" custLinFactNeighborX="19812" custLinFactNeighborY="-100000">
         <dgm:presLayoutVars>
           <dgm:chMax val="1"/>
           <dgm:chPref val="1"/>
@@ -9910,7 +9054,7 @@
       <dgm:spPr/>
     </dgm:pt>
     <dgm:pt modelId="{0CAC2E31-98D5-4BF8-9975-5F26E0DD2992}" type="pres">
-      <dgm:prSet presAssocID="{2383A875-D143-4B84-8838-F61E5F6E43C8}" presName="iconRect" presStyleLbl="node1" presStyleIdx="1" presStyleCnt="4"/>
+      <dgm:prSet presAssocID="{2383A875-D143-4B84-8838-F61E5F6E43C8}" presName="iconRect" presStyleLbl="node1" presStyleIdx="1" presStyleCnt="4" custLinFactX="-100000" custLinFactY="-31704" custLinFactNeighborX="-123944" custLinFactNeighborY="-100000"/>
       <dgm:spPr>
         <a:blipFill>
           <a:blip xmlns:r="http://schemas.openxmlformats.org/officeDocument/2006/relationships" r:embed="rId3">
@@ -9939,7 +9083,7 @@
       <dgm:spPr/>
     </dgm:pt>
     <dgm:pt modelId="{A988A04E-E152-441B-A53B-A919D7A931D7}" type="pres">
-      <dgm:prSet presAssocID="{2383A875-D143-4B84-8838-F61E5F6E43C8}" presName="textRect" presStyleLbl="revTx" presStyleIdx="1" presStyleCnt="4">
+      <dgm:prSet presAssocID="{2383A875-D143-4B84-8838-F61E5F6E43C8}" presName="textRect" presStyleLbl="revTx" presStyleIdx="1" presStyleCnt="4" custLinFactY="-64470" custLinFactNeighborX="8750" custLinFactNeighborY="-100000">
         <dgm:presLayoutVars>
           <dgm:chMax val="1"/>
           <dgm:chPref val="1"/>
@@ -9956,7 +9100,7 @@
       <dgm:spPr/>
     </dgm:pt>
     <dgm:pt modelId="{A519820C-DA7D-4E3E-A79E-4E806D66A665}" type="pres">
-      <dgm:prSet presAssocID="{7B9E94D7-3212-4408-8581-0671519B7408}" presName="iconRect" presStyleLbl="node1" presStyleIdx="2" presStyleCnt="4"/>
+      <dgm:prSet presAssocID="{7B9E94D7-3212-4408-8581-0671519B7408}" presName="iconRect" presStyleLbl="node1" presStyleIdx="2" presStyleCnt="4" custLinFactY="-32081" custLinFactNeighborX="-18062" custLinFactNeighborY="-100000"/>
       <dgm:spPr>
         <a:blipFill>
           <a:blip xmlns:r="http://schemas.openxmlformats.org/officeDocument/2006/relationships" r:embed="rId5">
@@ -9976,7 +9120,7 @@
       </dgm:spPr>
       <dgm:extLst>
         <a:ext uri="{E40237B7-FDA0-4F09-8148-C483321AD2D9}">
-          <dgm14:cNvPr xmlns:dgm14="http://schemas.microsoft.com/office/drawing/2010/diagram" id="0" name="" descr="Ordenador"/>
+          <dgm14:cNvPr xmlns:dgm14="http://schemas.microsoft.com/office/drawing/2010/diagram" id="0" name="" descr="Hierarchy"/>
         </a:ext>
       </dgm:extLst>
     </dgm:pt>
@@ -9985,7 +9129,7 @@
       <dgm:spPr/>
     </dgm:pt>
     <dgm:pt modelId="{3A5AAA56-D0CC-4723-8D16-C2F86BA9708C}" type="pres">
-      <dgm:prSet presAssocID="{7B9E94D7-3212-4408-8581-0671519B7408}" presName="textRect" presStyleLbl="revTx" presStyleIdx="2" presStyleCnt="4">
+      <dgm:prSet presAssocID="{7B9E94D7-3212-4408-8581-0671519B7408}" presName="textRect" presStyleLbl="revTx" presStyleIdx="2" presStyleCnt="4" custLinFactY="-77879" custLinFactNeighborX="-8750" custLinFactNeighborY="-100000">
         <dgm:presLayoutVars>
           <dgm:chMax val="1"/>
           <dgm:chPref val="1"/>
@@ -10002,19 +9146,17 @@
       <dgm:spPr/>
     </dgm:pt>
     <dgm:pt modelId="{D1CF7933-A24D-4819-9EAA-F92527817450}" type="pres">
-      <dgm:prSet presAssocID="{6AD4DD4A-D1A6-4B29-A0D0-9ACA45327263}" presName="iconRect" presStyleLbl="node1" presStyleIdx="3" presStyleCnt="4"/>
+      <dgm:prSet presAssocID="{6AD4DD4A-D1A6-4B29-A0D0-9ACA45327263}" presName="iconRect" presStyleLbl="node1" presStyleIdx="3" presStyleCnt="4" custLinFactY="-29822" custLinFactNeighborX="-18776" custLinFactNeighborY="-100000"/>
       <dgm:spPr>
         <a:blipFill>
           <a:blip xmlns:r="http://schemas.openxmlformats.org/officeDocument/2006/relationships" r:embed="rId7">
             <a:extLst>
-              <a:ext uri="{28A0092B-C50C-407E-A947-70E740481C1C}">
-                <a14:useLocalDpi xmlns:a14="http://schemas.microsoft.com/office/drawing/2010/main" val="0"/>
-              </a:ext>
               <a:ext uri="{96DAC541-7B7A-43D3-8B79-37D633B846F1}">
                 <asvg:svgBlip xmlns:asvg="http://schemas.microsoft.com/office/drawing/2016/SVG/main" r:embed="rId8"/>
               </a:ext>
             </a:extLst>
           </a:blip>
+          <a:srcRect/>
           <a:stretch>
             <a:fillRect/>
           </a:stretch>
@@ -10022,7 +9164,7 @@
       </dgm:spPr>
       <dgm:extLst>
         <a:ext uri="{E40237B7-FDA0-4F09-8148-C483321AD2D9}">
-          <dgm14:cNvPr xmlns:dgm14="http://schemas.microsoft.com/office/drawing/2010/diagram" id="0" name="" descr="Thought bubble"/>
+          <dgm14:cNvPr xmlns:dgm14="http://schemas.microsoft.com/office/drawing/2010/diagram" id="0" name="" descr="Binario con relleno sólido"/>
         </a:ext>
       </dgm:extLst>
     </dgm:pt>
@@ -10031,7 +9173,7 @@
       <dgm:spPr/>
     </dgm:pt>
     <dgm:pt modelId="{9E96BA44-6AF5-40AA-9ABF-E0049106BA84}" type="pres">
-      <dgm:prSet presAssocID="{6AD4DD4A-D1A6-4B29-A0D0-9ACA45327263}" presName="textRect" presStyleLbl="revTx" presStyleIdx="3" presStyleCnt="4">
+      <dgm:prSet presAssocID="{6AD4DD4A-D1A6-4B29-A0D0-9ACA45327263}" presName="textRect" presStyleLbl="revTx" presStyleIdx="3" presStyleCnt="4" custLinFactY="-77879" custLinFactNeighborX="-9144" custLinFactNeighborY="-100000">
         <dgm:presLayoutVars>
           <dgm:chMax val="1"/>
           <dgm:chPref val="1"/>
@@ -10080,7 +9222,7 @@
 </dgm:dataModel>
 </file>
 
-<file path=ppt/diagrams/data8.xml><?xml version="1.0" encoding="utf-8"?>
+<file path=ppt/diagrams/data7.xml><?xml version="1.0" encoding="utf-8"?>
 <dgm:dataModel xmlns:dgm="http://schemas.openxmlformats.org/drawingml/2006/diagram" xmlns:a="http://schemas.openxmlformats.org/drawingml/2006/main">
   <dgm:ptLst>
     <dgm:pt modelId="{8148361B-6BDB-4AD9-9864-C84BD155AA37}" type="doc">
@@ -10500,7 +9642,7 @@
 </dgm:dataModel>
 </file>
 
-<file path=ppt/diagrams/data9.xml><?xml version="1.0" encoding="utf-8"?>
+<file path=ppt/diagrams/data8.xml><?xml version="1.0" encoding="utf-8"?>
 <dgm:dataModel xmlns:dgm="http://schemas.openxmlformats.org/drawingml/2006/diagram" xmlns:a="http://schemas.openxmlformats.org/drawingml/2006/main">
   <dgm:ptLst>
     <dgm:pt modelId="{A3C35564-3C79-44AF-AC59-FA929A3ADE76}" type="doc">
@@ -12113,8 +11255,40 @@
             <a:buNone/>
           </a:pPr>
           <a:r>
-            <a:rPr lang="en-US" sz="1600" kern="1200"/>
-            <a:t>• Búsqueda Binaria: divide la lista ordenada (O(log n)).</a:t>
+            <a:rPr lang="en-US" sz="1600" kern="1200" dirty="0"/>
+            <a:t>• </a:t>
+          </a:r>
+          <a:r>
+            <a:rPr lang="en-US" sz="1600" kern="1200" dirty="0" err="1"/>
+            <a:t>Búsqueda</a:t>
+          </a:r>
+          <a:r>
+            <a:rPr lang="en-US" sz="1600" kern="1200" dirty="0"/>
+            <a:t> </a:t>
+          </a:r>
+          <a:r>
+            <a:rPr lang="en-US" sz="1600" kern="1200" dirty="0" err="1"/>
+            <a:t>Binaria</a:t>
+          </a:r>
+          <a:r>
+            <a:rPr lang="en-US" sz="1600" kern="1200" dirty="0"/>
+            <a:t>: divide la </a:t>
+          </a:r>
+          <a:r>
+            <a:rPr lang="en-US" sz="1600" kern="1200" dirty="0" err="1"/>
+            <a:t>lista</a:t>
+          </a:r>
+          <a:r>
+            <a:rPr lang="en-US" sz="1600" kern="1200" dirty="0"/>
+            <a:t> </a:t>
+          </a:r>
+          <a:r>
+            <a:rPr lang="en-US" sz="1600" kern="1200" dirty="0" err="1"/>
+            <a:t>ordenada</a:t>
+          </a:r>
+          <a:r>
+            <a:rPr lang="en-US" sz="1600" kern="1200" dirty="0"/>
+            <a:t> (O(log n)).</a:t>
           </a:r>
         </a:p>
       </dsp:txBody>
@@ -12700,10 +11874,10 @@
             <a:buNone/>
           </a:pPr>
           <a:r>
-            <a:rPr lang="es-MX" sz="1100" kern="1200"/>
+            <a:rPr lang="es-MX" sz="1100" kern="1200" dirty="0"/>
             <a:t>4. Búsqueda binaria sobre lista ordenada.</a:t>
           </a:r>
-          <a:endParaRPr lang="en-US" sz="1100" kern="1200"/>
+          <a:endParaRPr lang="en-US" sz="1100" kern="1200" dirty="0"/>
         </a:p>
       </dsp:txBody>
       <dsp:txXfrm>
@@ -12778,10 +11952,10 @@
             <a:buNone/>
           </a:pPr>
           <a:r>
-            <a:rPr lang="es-MX" sz="1100" kern="1200"/>
+            <a:rPr lang="es-MX" sz="1100" kern="1200" dirty="0"/>
             <a:t>5. Ordenamiento con Quicksort.</a:t>
           </a:r>
-          <a:endParaRPr lang="en-US" sz="1100" kern="1200"/>
+          <a:endParaRPr lang="en-US" sz="1100" kern="1200" dirty="0"/>
         </a:p>
       </dsp:txBody>
       <dsp:txXfrm>
@@ -13674,338 +12848,6 @@
       <dsp:cNvGrpSpPr/>
     </dsp:nvGrpSpPr>
     <dsp:grpSpPr/>
-    <dsp:sp modelId="{B4EDC2B6-2F71-4E93-B08B-4C027921F1E6}">
-      <dsp:nvSpPr>
-        <dsp:cNvPr id="0" name=""/>
-        <dsp:cNvSpPr/>
-      </dsp:nvSpPr>
-      <dsp:spPr>
-        <a:xfrm>
-          <a:off x="3212678" y="1298"/>
-          <a:ext cx="1804243" cy="1804243"/>
-        </a:xfrm>
-        <a:prstGeom prst="downArrow">
-          <a:avLst>
-            <a:gd name="adj1" fmla="val 50000"/>
-            <a:gd name="adj2" fmla="val 35000"/>
-          </a:avLst>
-        </a:prstGeom>
-        <a:solidFill>
-          <a:schemeClr val="accent1">
-            <a:hueOff val="0"/>
-            <a:satOff val="0"/>
-            <a:lumOff val="0"/>
-            <a:alphaOff val="0"/>
-          </a:schemeClr>
-        </a:solidFill>
-        <a:ln w="25400" cap="flat" cmpd="sng" algn="ctr">
-          <a:solidFill>
-            <a:schemeClr val="lt1">
-              <a:hueOff val="0"/>
-              <a:satOff val="0"/>
-              <a:lumOff val="0"/>
-              <a:alphaOff val="0"/>
-            </a:schemeClr>
-          </a:solidFill>
-          <a:prstDash val="solid"/>
-        </a:ln>
-        <a:effectLst/>
-      </dsp:spPr>
-      <dsp:style>
-        <a:lnRef idx="2">
-          <a:scrgbClr r="0" g="0" b="0"/>
-        </a:lnRef>
-        <a:fillRef idx="1">
-          <a:scrgbClr r="0" g="0" b="0"/>
-        </a:fillRef>
-        <a:effectRef idx="0">
-          <a:scrgbClr r="0" g="0" b="0"/>
-        </a:effectRef>
-        <a:fontRef idx="minor">
-          <a:schemeClr val="lt1"/>
-        </a:fontRef>
-      </dsp:style>
-      <dsp:txBody>
-        <a:bodyPr spcFirstLastPara="0" vert="horz" wrap="square" lIns="71120" tIns="71120" rIns="71120" bIns="71120" numCol="1" spcCol="1270" anchor="ctr" anchorCtr="0">
-          <a:noAutofit/>
-        </a:bodyPr>
-        <a:lstStyle/>
-        <a:p>
-          <a:pPr marL="0" lvl="0" indent="0" algn="ctr" defTabSz="444500">
-            <a:lnSpc>
-              <a:spcPct val="90000"/>
-            </a:lnSpc>
-            <a:spcBef>
-              <a:spcPct val="0"/>
-            </a:spcBef>
-            <a:spcAft>
-              <a:spcPct val="35000"/>
-            </a:spcAft>
-            <a:buNone/>
-          </a:pPr>
-          <a:r>
-            <a:rPr lang="en-US" sz="1000" kern="1200"/>
-            <a:t>• Se eligieron algoritmos simples y eficientes.</a:t>
-          </a:r>
-        </a:p>
-      </dsp:txBody>
-      <dsp:txXfrm>
-        <a:off x="3663739" y="1298"/>
-        <a:ext cx="902121" cy="1488500"/>
-      </dsp:txXfrm>
-    </dsp:sp>
-    <dsp:sp modelId="{9C35AFAA-B23B-440F-8130-26BB0F1B56D9}">
-      <dsp:nvSpPr>
-        <dsp:cNvPr id="0" name=""/>
-        <dsp:cNvSpPr/>
-      </dsp:nvSpPr>
-      <dsp:spPr>
-        <a:xfrm rot="5400000">
-          <a:off x="4572239" y="1360859"/>
-          <a:ext cx="1804243" cy="1804243"/>
-        </a:xfrm>
-        <a:prstGeom prst="downArrow">
-          <a:avLst>
-            <a:gd name="adj1" fmla="val 50000"/>
-            <a:gd name="adj2" fmla="val 35000"/>
-          </a:avLst>
-        </a:prstGeom>
-        <a:solidFill>
-          <a:schemeClr val="accent1">
-            <a:hueOff val="0"/>
-            <a:satOff val="0"/>
-            <a:lumOff val="0"/>
-            <a:alphaOff val="0"/>
-          </a:schemeClr>
-        </a:solidFill>
-        <a:ln w="25400" cap="flat" cmpd="sng" algn="ctr">
-          <a:solidFill>
-            <a:schemeClr val="lt1">
-              <a:hueOff val="0"/>
-              <a:satOff val="0"/>
-              <a:lumOff val="0"/>
-              <a:alphaOff val="0"/>
-            </a:schemeClr>
-          </a:solidFill>
-          <a:prstDash val="solid"/>
-        </a:ln>
-        <a:effectLst/>
-      </dsp:spPr>
-      <dsp:style>
-        <a:lnRef idx="2">
-          <a:scrgbClr r="0" g="0" b="0"/>
-        </a:lnRef>
-        <a:fillRef idx="1">
-          <a:scrgbClr r="0" g="0" b="0"/>
-        </a:fillRef>
-        <a:effectRef idx="0">
-          <a:scrgbClr r="0" g="0" b="0"/>
-        </a:effectRef>
-        <a:fontRef idx="minor">
-          <a:schemeClr val="lt1"/>
-        </a:fontRef>
-      </dsp:style>
-      <dsp:txBody>
-        <a:bodyPr spcFirstLastPara="0" vert="horz" wrap="square" lIns="71120" tIns="71120" rIns="71120" bIns="71120" numCol="1" spcCol="1270" anchor="ctr" anchorCtr="0">
-          <a:noAutofit/>
-        </a:bodyPr>
-        <a:lstStyle/>
-        <a:p>
-          <a:pPr marL="0" lvl="0" indent="0" algn="ctr" defTabSz="444500">
-            <a:lnSpc>
-              <a:spcPct val="90000"/>
-            </a:lnSpc>
-            <a:spcBef>
-              <a:spcPct val="0"/>
-            </a:spcBef>
-            <a:spcAft>
-              <a:spcPct val="35000"/>
-            </a:spcAft>
-            <a:buNone/>
-          </a:pPr>
-          <a:r>
-            <a:rPr lang="en-US" sz="1000" kern="1200"/>
-            <a:t>• Búsqueda binaria requiere lista ordenada.</a:t>
-          </a:r>
-        </a:p>
-      </dsp:txBody>
-      <dsp:txXfrm rot="-5400000">
-        <a:off x="4887983" y="1811920"/>
-        <a:ext cx="1488500" cy="902121"/>
-      </dsp:txXfrm>
-    </dsp:sp>
-    <dsp:sp modelId="{488DDD17-4705-4B87-8A64-B5DB3B7B7FA4}">
-      <dsp:nvSpPr>
-        <dsp:cNvPr id="0" name=""/>
-        <dsp:cNvSpPr/>
-      </dsp:nvSpPr>
-      <dsp:spPr>
-        <a:xfrm rot="10800000">
-          <a:off x="3212678" y="2720420"/>
-          <a:ext cx="1804243" cy="1804243"/>
-        </a:xfrm>
-        <a:prstGeom prst="downArrow">
-          <a:avLst>
-            <a:gd name="adj1" fmla="val 50000"/>
-            <a:gd name="adj2" fmla="val 35000"/>
-          </a:avLst>
-        </a:prstGeom>
-        <a:solidFill>
-          <a:schemeClr val="accent1">
-            <a:hueOff val="0"/>
-            <a:satOff val="0"/>
-            <a:lumOff val="0"/>
-            <a:alphaOff val="0"/>
-          </a:schemeClr>
-        </a:solidFill>
-        <a:ln w="25400" cap="flat" cmpd="sng" algn="ctr">
-          <a:solidFill>
-            <a:schemeClr val="lt1">
-              <a:hueOff val="0"/>
-              <a:satOff val="0"/>
-              <a:lumOff val="0"/>
-              <a:alphaOff val="0"/>
-            </a:schemeClr>
-          </a:solidFill>
-          <a:prstDash val="solid"/>
-        </a:ln>
-        <a:effectLst/>
-      </dsp:spPr>
-      <dsp:style>
-        <a:lnRef idx="2">
-          <a:scrgbClr r="0" g="0" b="0"/>
-        </a:lnRef>
-        <a:fillRef idx="1">
-          <a:scrgbClr r="0" g="0" b="0"/>
-        </a:fillRef>
-        <a:effectRef idx="0">
-          <a:scrgbClr r="0" g="0" b="0"/>
-        </a:effectRef>
-        <a:fontRef idx="minor">
-          <a:schemeClr val="lt1"/>
-        </a:fontRef>
-      </dsp:style>
-      <dsp:txBody>
-        <a:bodyPr spcFirstLastPara="0" vert="horz" wrap="square" lIns="71120" tIns="71120" rIns="71120" bIns="71120" numCol="1" spcCol="1270" anchor="ctr" anchorCtr="0">
-          <a:noAutofit/>
-        </a:bodyPr>
-        <a:lstStyle/>
-        <a:p>
-          <a:pPr marL="0" lvl="0" indent="0" algn="ctr" defTabSz="444500">
-            <a:lnSpc>
-              <a:spcPct val="90000"/>
-            </a:lnSpc>
-            <a:spcBef>
-              <a:spcPct val="0"/>
-            </a:spcBef>
-            <a:spcAft>
-              <a:spcPct val="35000"/>
-            </a:spcAft>
-            <a:buNone/>
-          </a:pPr>
-          <a:r>
-            <a:rPr lang="en-US" sz="1000" kern="1200"/>
-            <a:t>• Comparación entre claridad y rendimiento.</a:t>
-          </a:r>
-        </a:p>
-      </dsp:txBody>
-      <dsp:txXfrm rot="10800000">
-        <a:off x="3663739" y="3036163"/>
-        <a:ext cx="902121" cy="1488500"/>
-      </dsp:txXfrm>
-    </dsp:sp>
-    <dsp:sp modelId="{C513E811-EA41-488D-AF0C-FE07AD1913A2}">
-      <dsp:nvSpPr>
-        <dsp:cNvPr id="0" name=""/>
-        <dsp:cNvSpPr/>
-      </dsp:nvSpPr>
-      <dsp:spPr>
-        <a:xfrm rot="16200000">
-          <a:off x="1853117" y="1360859"/>
-          <a:ext cx="1804243" cy="1804243"/>
-        </a:xfrm>
-        <a:prstGeom prst="downArrow">
-          <a:avLst>
-            <a:gd name="adj1" fmla="val 50000"/>
-            <a:gd name="adj2" fmla="val 35000"/>
-          </a:avLst>
-        </a:prstGeom>
-        <a:solidFill>
-          <a:schemeClr val="accent1">
-            <a:hueOff val="0"/>
-            <a:satOff val="0"/>
-            <a:lumOff val="0"/>
-            <a:alphaOff val="0"/>
-          </a:schemeClr>
-        </a:solidFill>
-        <a:ln w="25400" cap="flat" cmpd="sng" algn="ctr">
-          <a:solidFill>
-            <a:schemeClr val="lt1">
-              <a:hueOff val="0"/>
-              <a:satOff val="0"/>
-              <a:lumOff val="0"/>
-              <a:alphaOff val="0"/>
-            </a:schemeClr>
-          </a:solidFill>
-          <a:prstDash val="solid"/>
-        </a:ln>
-        <a:effectLst/>
-      </dsp:spPr>
-      <dsp:style>
-        <a:lnRef idx="2">
-          <a:scrgbClr r="0" g="0" b="0"/>
-        </a:lnRef>
-        <a:fillRef idx="1">
-          <a:scrgbClr r="0" g="0" b="0"/>
-        </a:fillRef>
-        <a:effectRef idx="0">
-          <a:scrgbClr r="0" g="0" b="0"/>
-        </a:effectRef>
-        <a:fontRef idx="minor">
-          <a:schemeClr val="lt1"/>
-        </a:fontRef>
-      </dsp:style>
-      <dsp:txBody>
-        <a:bodyPr spcFirstLastPara="0" vert="horz" wrap="square" lIns="71120" tIns="71120" rIns="71120" bIns="71120" numCol="1" spcCol="1270" anchor="ctr" anchorCtr="0">
-          <a:noAutofit/>
-        </a:bodyPr>
-        <a:lstStyle/>
-        <a:p>
-          <a:pPr marL="0" lvl="0" indent="0" algn="ctr" defTabSz="444500">
-            <a:lnSpc>
-              <a:spcPct val="90000"/>
-            </a:lnSpc>
-            <a:spcBef>
-              <a:spcPct val="0"/>
-            </a:spcBef>
-            <a:spcAft>
-              <a:spcPct val="35000"/>
-            </a:spcAft>
-            <a:buNone/>
-          </a:pPr>
-          <a:r>
-            <a:rPr lang="en-US" sz="1000" kern="1200"/>
-            <a:t>• Quicksort como alternativa profesional.</a:t>
-          </a:r>
-        </a:p>
-      </dsp:txBody>
-      <dsp:txXfrm rot="5400000">
-        <a:off x="1853118" y="1811920"/>
-        <a:ext cx="1488500" cy="902121"/>
-      </dsp:txXfrm>
-    </dsp:sp>
-  </dsp:spTree>
-</dsp:drawing>
-</file>
-
-<file path=ppt/diagrams/drawing7.xml><?xml version="1.0" encoding="utf-8"?>
-<dsp:drawing xmlns:dgm="http://schemas.openxmlformats.org/drawingml/2006/diagram" xmlns:dsp="http://schemas.microsoft.com/office/drawing/2008/diagram" xmlns:a="http://schemas.openxmlformats.org/drawingml/2006/main">
-  <dsp:spTree>
-    <dsp:nvGrpSpPr>
-      <dsp:cNvPr id="0" name=""/>
-      <dsp:cNvGrpSpPr/>
-    </dsp:nvGrpSpPr>
-    <dsp:grpSpPr/>
     <dsp:sp modelId="{0396A4EC-B80B-4051-B759-AF6B05D40B85}">
       <dsp:nvSpPr>
         <dsp:cNvPr id="0" name=""/>
@@ -14013,7 +12855,7 @@
       </dsp:nvSpPr>
       <dsp:spPr>
         <a:xfrm>
-          <a:off x="537299" y="1362202"/>
+          <a:off x="2746785" y="342736"/>
           <a:ext cx="810000" cy="810000"/>
         </a:xfrm>
         <a:prstGeom prst="rect">
@@ -14022,14 +12864,12 @@
         <a:blipFill>
           <a:blip xmlns:r="http://schemas.openxmlformats.org/officeDocument/2006/relationships" r:embed="rId1">
             <a:extLst>
-              <a:ext uri="{28A0092B-C50C-407E-A947-70E740481C1C}">
-                <a14:useLocalDpi xmlns:a14="http://schemas.microsoft.com/office/drawing/2010/main" val="0"/>
-              </a:ext>
               <a:ext uri="{96DAC541-7B7A-43D3-8B79-37D633B846F1}">
                 <asvg:svgBlip xmlns:asvg="http://schemas.microsoft.com/office/drawing/2016/SVG/main" r:embed="rId2"/>
               </a:ext>
             </a:extLst>
           </a:blip>
+          <a:srcRect/>
           <a:stretch>
             <a:fillRect/>
           </a:stretch>
@@ -14069,8 +12909,8 @@
       </dsp:nvSpPr>
       <dsp:spPr>
         <a:xfrm>
-          <a:off x="42299" y="2443760"/>
-          <a:ext cx="1800000" cy="720000"/>
+          <a:off x="398915" y="1166379"/>
+          <a:ext cx="1800000" cy="765000"/>
         </a:xfrm>
         <a:prstGeom prst="rect">
           <a:avLst/>
@@ -14099,7 +12939,7 @@
         </a:bodyPr>
         <a:lstStyle/>
         <a:p>
-          <a:pPr marL="0" lvl="0" indent="0" algn="ctr" defTabSz="666750">
+          <a:pPr marL="0" lvl="0" indent="0" algn="ctr" defTabSz="711200">
             <a:lnSpc>
               <a:spcPct val="100000"/>
             </a:lnSpc>
@@ -14112,14 +12952,42 @@
             <a:buNone/>
           </a:pPr>
           <a:r>
-            <a:rPr lang="en-US" sz="1500" kern="1200"/>
-            <a:t>• Todos los algoritmos funcionaron correctamente.</a:t>
+            <a:rPr lang="en-US" sz="1600" kern="1200"/>
+            <a:t>• </a:t>
+          </a:r>
+          <a:r>
+            <a:rPr lang="en-US" sz="1600" kern="1200" err="1"/>
+            <a:t>Búsqueda</a:t>
+          </a:r>
+          <a:r>
+            <a:rPr lang="en-US" sz="1600" kern="1200"/>
+            <a:t> lineal (Sin </a:t>
+          </a:r>
+          <a:r>
+            <a:rPr lang="en-US" sz="1600" kern="1200" err="1"/>
+            <a:t>ordenar</a:t>
+          </a:r>
+          <a:r>
+            <a:rPr lang="en-US" sz="1600" kern="1200"/>
+            <a:t>): </a:t>
+          </a:r>
+          <a:r>
+            <a:rPr lang="en-US" sz="1600" kern="1200" err="1"/>
+            <a:t>posición</a:t>
+          </a:r>
+          <a:r>
+            <a:rPr lang="en-US" sz="1600" kern="1200"/>
+            <a:t> 3</a:t>
+          </a:r>
+          <a:r>
+            <a:rPr lang="en-US" sz="1300" kern="1200"/>
+            <a:t>.</a:t>
           </a:r>
         </a:p>
       </dsp:txBody>
       <dsp:txXfrm>
-        <a:off x="42299" y="2443760"/>
-        <a:ext cx="1800000" cy="720000"/>
+        <a:off x="398915" y="1166379"/>
+        <a:ext cx="1800000" cy="765000"/>
       </dsp:txXfrm>
     </dsp:sp>
     <dsp:sp modelId="{0CAC2E31-98D5-4BF8-9975-5F26E0DD2992}">
@@ -14129,7 +12997,7 @@
       </dsp:nvSpPr>
       <dsp:spPr>
         <a:xfrm>
-          <a:off x="2652300" y="1362202"/>
+          <a:off x="838353" y="269585"/>
           <a:ext cx="810000" cy="810000"/>
         </a:xfrm>
         <a:prstGeom prst="rect">
@@ -14185,8 +13053,8 @@
       </dsp:nvSpPr>
       <dsp:spPr>
         <a:xfrm>
-          <a:off x="2157300" y="2443760"/>
-          <a:ext cx="1800000" cy="720000"/>
+          <a:off x="2314800" y="1166379"/>
+          <a:ext cx="1800000" cy="765000"/>
         </a:xfrm>
         <a:prstGeom prst="rect">
           <a:avLst/>
@@ -14215,7 +13083,7 @@
         </a:bodyPr>
         <a:lstStyle/>
         <a:p>
-          <a:pPr marL="0" lvl="0" indent="0" algn="ctr" defTabSz="666750">
+          <a:pPr marL="0" lvl="0" indent="0" algn="ctr" defTabSz="711200">
             <a:lnSpc>
               <a:spcPct val="100000"/>
             </a:lnSpc>
@@ -14228,14 +13096,22 @@
             <a:buNone/>
           </a:pPr>
           <a:r>
-            <a:rPr lang="en-US" sz="1500" kern="1200"/>
-            <a:t>• Búsqueda lineal: posición 3.</a:t>
+            <a:rPr lang="en-US" sz="1600" kern="1200"/>
+            <a:t>• Lista </a:t>
+          </a:r>
+          <a:r>
+            <a:rPr lang="en-US" sz="1600" kern="1200" err="1"/>
+            <a:t>Ordenada</a:t>
+          </a:r>
+          <a:r>
+            <a:rPr lang="en-US" sz="1600" kern="1200"/>
+            <a:t>: Bubble Sort</a:t>
           </a:r>
         </a:p>
       </dsp:txBody>
       <dsp:txXfrm>
-        <a:off x="2157300" y="2443760"/>
-        <a:ext cx="1800000" cy="720000"/>
+        <a:off x="2314800" y="1166379"/>
+        <a:ext cx="1800000" cy="765000"/>
       </dsp:txXfrm>
     </dsp:sp>
     <dsp:sp modelId="{A519820C-DA7D-4E3E-A79E-4E806D66A665}">
@@ -14245,7 +13121,7 @@
       </dsp:nvSpPr>
       <dsp:spPr>
         <a:xfrm>
-          <a:off x="4767300" y="1362202"/>
+          <a:off x="4620997" y="266531"/>
           <a:ext cx="810000" cy="810000"/>
         </a:xfrm>
         <a:prstGeom prst="rect">
@@ -14301,8 +13177,8 @@
       </dsp:nvSpPr>
       <dsp:spPr>
         <a:xfrm>
-          <a:off x="4272300" y="2443760"/>
-          <a:ext cx="1800000" cy="720000"/>
+          <a:off x="4114800" y="1063800"/>
+          <a:ext cx="1800000" cy="765000"/>
         </a:xfrm>
         <a:prstGeom prst="rect">
           <a:avLst/>
@@ -14331,7 +13207,7 @@
         </a:bodyPr>
         <a:lstStyle/>
         <a:p>
-          <a:pPr marL="0" lvl="0" indent="0" algn="ctr" defTabSz="666750">
+          <a:pPr marL="0" lvl="0" indent="0" algn="ctr" defTabSz="711200">
             <a:lnSpc>
               <a:spcPct val="100000"/>
             </a:lnSpc>
@@ -14344,14 +13220,40 @@
             <a:buNone/>
           </a:pPr>
           <a:r>
-            <a:rPr lang="en-US" sz="1500" kern="1200"/>
-            <a:t>• Binaria: posición 4 (lista ordenada).</a:t>
+            <a:rPr lang="en-US" sz="1600" kern="1200"/>
+            <a:t>• Lista </a:t>
+          </a:r>
+          <a:r>
+            <a:rPr lang="en-US" sz="1600" kern="1200" err="1"/>
+            <a:t>Ordenada</a:t>
+          </a:r>
+          <a:r>
+            <a:rPr lang="en-US" sz="1600" kern="1200"/>
+            <a:t>:</a:t>
+          </a:r>
+        </a:p>
+        <a:p>
+          <a:pPr marL="0" lvl="0" indent="0" algn="ctr" defTabSz="711200">
+            <a:lnSpc>
+              <a:spcPct val="100000"/>
+            </a:lnSpc>
+            <a:spcBef>
+              <a:spcPct val="0"/>
+            </a:spcBef>
+            <a:spcAft>
+              <a:spcPct val="35000"/>
+            </a:spcAft>
+            <a:buNone/>
+          </a:pPr>
+          <a:r>
+            <a:rPr lang="en-US" sz="1600" kern="1200"/>
+            <a:t>Quicksort</a:t>
           </a:r>
         </a:p>
       </dsp:txBody>
       <dsp:txXfrm>
-        <a:off x="4272300" y="2443760"/>
-        <a:ext cx="1800000" cy="720000"/>
+        <a:off x="4114800" y="1063800"/>
+        <a:ext cx="1800000" cy="765000"/>
       </dsp:txXfrm>
     </dsp:sp>
     <dsp:sp modelId="{D1CF7933-A24D-4819-9EAA-F92527817450}">
@@ -14361,7 +13263,7 @@
       </dsp:nvSpPr>
       <dsp:spPr>
         <a:xfrm>
-          <a:off x="6882300" y="1362202"/>
+          <a:off x="6730214" y="284829"/>
           <a:ext cx="810000" cy="810000"/>
         </a:xfrm>
         <a:prstGeom prst="rect">
@@ -14370,14 +13272,12 @@
         <a:blipFill>
           <a:blip xmlns:r="http://schemas.openxmlformats.org/officeDocument/2006/relationships" r:embed="rId7">
             <a:extLst>
-              <a:ext uri="{28A0092B-C50C-407E-A947-70E740481C1C}">
-                <a14:useLocalDpi xmlns:a14="http://schemas.microsoft.com/office/drawing/2010/main" val="0"/>
-              </a:ext>
               <a:ext uri="{96DAC541-7B7A-43D3-8B79-37D633B846F1}">
                 <asvg:svgBlip xmlns:asvg="http://schemas.microsoft.com/office/drawing/2016/SVG/main" r:embed="rId8"/>
               </a:ext>
             </a:extLst>
           </a:blip>
+          <a:srcRect/>
           <a:stretch>
             <a:fillRect/>
           </a:stretch>
@@ -14417,8 +13317,8 @@
       </dsp:nvSpPr>
       <dsp:spPr>
         <a:xfrm>
-          <a:off x="6387300" y="2443760"/>
-          <a:ext cx="1800000" cy="720000"/>
+          <a:off x="6222708" y="1063800"/>
+          <a:ext cx="1800000" cy="765000"/>
         </a:xfrm>
         <a:prstGeom prst="rect">
           <a:avLst/>
@@ -14447,7 +13347,7 @@
         </a:bodyPr>
         <a:lstStyle/>
         <a:p>
-          <a:pPr marL="0" lvl="0" indent="0" algn="ctr" defTabSz="666750">
+          <a:pPr marL="0" lvl="0" indent="0" algn="ctr" defTabSz="711200">
             <a:lnSpc>
               <a:spcPct val="100000"/>
             </a:lnSpc>
@@ -14460,21 +13360,53 @@
             <a:buNone/>
           </a:pPr>
           <a:r>
-            <a:rPr lang="en-US" sz="1500" kern="1200"/>
-            <a:t>• Quicksort más eficiente que Bubble Sort.</a:t>
+            <a:rPr lang="en-US" sz="1600" kern="1200" dirty="0"/>
+            <a:t>• </a:t>
+          </a:r>
+          <a:r>
+            <a:rPr lang="en-US" sz="1600" kern="1200" dirty="0" err="1"/>
+            <a:t>Busqueda</a:t>
+          </a:r>
+          <a:r>
+            <a:rPr lang="en-US" sz="1600" kern="1200" dirty="0"/>
+            <a:t> </a:t>
+          </a:r>
+          <a:r>
+            <a:rPr lang="en-US" sz="1600" kern="1200" dirty="0" err="1"/>
+            <a:t>binaria</a:t>
+          </a:r>
+          <a:r>
+            <a:rPr lang="en-US" sz="1600" kern="1200" dirty="0"/>
+            <a:t> (</a:t>
+          </a:r>
+          <a:r>
+            <a:rPr lang="en-US" sz="1600" kern="1200" dirty="0" err="1"/>
+            <a:t>Ordenada</a:t>
+          </a:r>
+          <a:r>
+            <a:rPr lang="en-US" sz="1600" kern="1200" dirty="0"/>
+            <a:t>): </a:t>
+          </a:r>
+          <a:r>
+            <a:rPr lang="en-US" sz="1600" kern="1200" dirty="0" err="1"/>
+            <a:t>posición</a:t>
+          </a:r>
+          <a:r>
+            <a:rPr lang="en-US" sz="1600" kern="1200" dirty="0"/>
+            <a:t> 4.</a:t>
           </a:r>
         </a:p>
       </dsp:txBody>
       <dsp:txXfrm>
-        <a:off x="6387300" y="2443760"/>
-        <a:ext cx="1800000" cy="720000"/>
+        <a:off x="6222708" y="1063800"/>
+        <a:ext cx="1800000" cy="765000"/>
       </dsp:txXfrm>
     </dsp:sp>
   </dsp:spTree>
 </dsp:drawing>
 </file>
 
-<file path=ppt/diagrams/drawing8.xml><?xml version="1.0" encoding="utf-8"?>
+<file path=ppt/diagrams/drawing7.xml><?xml version="1.0" encoding="utf-8"?>
 <dsp:drawing xmlns:dgm="http://schemas.openxmlformats.org/drawingml/2006/diagram" xmlns:dsp="http://schemas.microsoft.com/office/drawing/2008/diagram" xmlns:a="http://schemas.openxmlformats.org/drawingml/2006/main">
   <dsp:spTree>
     <dsp:nvGrpSpPr>
@@ -15090,7 +14022,7 @@
 </dsp:drawing>
 </file>
 
-<file path=ppt/diagrams/drawing9.xml><?xml version="1.0" encoding="utf-8"?>
+<file path=ppt/diagrams/drawing8.xml><?xml version="1.0" encoding="utf-8"?>
 <dsp:drawing xmlns:dgm="http://schemas.openxmlformats.org/drawingml/2006/diagram" xmlns:dsp="http://schemas.microsoft.com/office/drawing/2008/diagram" xmlns:a="http://schemas.openxmlformats.org/drawingml/2006/main">
   <dsp:spTree>
     <dsp:nvGrpSpPr>
@@ -16932,198 +15864,6 @@
 </file>
 
 <file path=ppt/diagrams/layout6.xml><?xml version="1.0" encoding="utf-8"?>
-<dgm:layoutDef xmlns:dgm="http://schemas.openxmlformats.org/drawingml/2006/diagram" xmlns:a="http://schemas.openxmlformats.org/drawingml/2006/main" uniqueId="urn:microsoft.com/office/officeart/2005/8/layout/arrow5">
-  <dgm:title val=""/>
-  <dgm:desc val=""/>
-  <dgm:catLst>
-    <dgm:cat type="relationship" pri="6000"/>
-    <dgm:cat type="process" pri="31000"/>
-  </dgm:catLst>
-  <dgm:sampData>
-    <dgm:dataModel>
-      <dgm:ptLst>
-        <dgm:pt modelId="0" type="doc"/>
-        <dgm:pt modelId="1">
-          <dgm:prSet phldr="1"/>
-        </dgm:pt>
-        <dgm:pt modelId="2">
-          <dgm:prSet phldr="1"/>
-        </dgm:pt>
-      </dgm:ptLst>
-      <dgm:cxnLst>
-        <dgm:cxn modelId="4" srcId="0" destId="1" srcOrd="0" destOrd="0"/>
-        <dgm:cxn modelId="5" srcId="0" destId="2" srcOrd="1" destOrd="0"/>
-      </dgm:cxnLst>
-      <dgm:bg/>
-      <dgm:whole/>
-    </dgm:dataModel>
-  </dgm:sampData>
-  <dgm:styleData>
-    <dgm:dataModel>
-      <dgm:ptLst>
-        <dgm:pt modelId="0" type="doc"/>
-        <dgm:pt modelId="1"/>
-        <dgm:pt modelId="2"/>
-      </dgm:ptLst>
-      <dgm:cxnLst>
-        <dgm:cxn modelId="3" srcId="0" destId="1" srcOrd="0" destOrd="0"/>
-        <dgm:cxn modelId="4" srcId="0" destId="2" srcOrd="1" destOrd="0"/>
-      </dgm:cxnLst>
-      <dgm:bg/>
-      <dgm:whole/>
-    </dgm:dataModel>
-  </dgm:styleData>
-  <dgm:clrData>
-    <dgm:dataModel>
-      <dgm:ptLst>
-        <dgm:pt modelId="0" type="doc"/>
-        <dgm:pt modelId="1"/>
-        <dgm:pt modelId="2"/>
-        <dgm:pt modelId="3"/>
-        <dgm:pt modelId="4"/>
-      </dgm:ptLst>
-      <dgm:cxnLst>
-        <dgm:cxn modelId="5" srcId="0" destId="1" srcOrd="0" destOrd="0"/>
-        <dgm:cxn modelId="6" srcId="0" destId="2" srcOrd="1" destOrd="0"/>
-        <dgm:cxn modelId="7" srcId="0" destId="3" srcOrd="2" destOrd="0"/>
-        <dgm:cxn modelId="8" srcId="0" destId="4" srcOrd="3" destOrd="0"/>
-      </dgm:cxnLst>
-      <dgm:bg/>
-      <dgm:whole/>
-    </dgm:dataModel>
-  </dgm:clrData>
-  <dgm:layoutNode name="diagram">
-    <dgm:varLst>
-      <dgm:dir/>
-      <dgm:resizeHandles val="exact"/>
-    </dgm:varLst>
-    <dgm:choose name="Name0">
-      <dgm:if name="Name1" axis="ch" ptType="node" func="cnt" op="equ" val="2">
-        <dgm:choose name="Name2">
-          <dgm:if name="Name3" func="var" arg="dir" op="equ" val="norm">
-            <dgm:alg type="cycle">
-              <dgm:param type="rotPath" val="alongPath"/>
-              <dgm:param type="stAng" val="270"/>
-            </dgm:alg>
-          </dgm:if>
-          <dgm:else name="Name4">
-            <dgm:alg type="cycle">
-              <dgm:param type="rotPath" val="alongPath"/>
-              <dgm:param type="stAng" val="90"/>
-              <dgm:param type="spanAng" val="-360"/>
-            </dgm:alg>
-          </dgm:else>
-        </dgm:choose>
-      </dgm:if>
-      <dgm:else name="Name5">
-        <dgm:choose name="Name6">
-          <dgm:if name="Name7" func="var" arg="dir" op="equ" val="norm">
-            <dgm:alg type="cycle">
-              <dgm:param type="rotPath" val="alongPath"/>
-            </dgm:alg>
-          </dgm:if>
-          <dgm:else name="Name8">
-            <dgm:alg type="cycle">
-              <dgm:param type="rotPath" val="alongPath"/>
-              <dgm:param type="spanAng" val="-360"/>
-            </dgm:alg>
-          </dgm:else>
-        </dgm:choose>
-      </dgm:else>
-    </dgm:choose>
-    <dgm:shape xmlns:r="http://schemas.openxmlformats.org/officeDocument/2006/relationships" r:blip="">
-      <dgm:adjLst/>
-    </dgm:shape>
-    <dgm:presOf/>
-    <dgm:choose name="Name9">
-      <dgm:if name="Name10" axis="ch" ptType="node" func="cnt" op="lte" val="2">
-        <dgm:constrLst>
-          <dgm:constr type="primFontSz" for="ch" ptType="node" op="equ" val="65"/>
-          <dgm:constr type="w" for="ch" ptType="node" refType="w"/>
-          <dgm:constr type="h" for="ch" ptType="node" refType="w" refFor="ch" refPtType="node" op="equ"/>
-          <dgm:constr type="sibSp" refType="w" refFor="ch" refPtType="node" fact="0.1"/>
-          <dgm:constr type="sibSp" refType="h" op="lte" fact="0.1"/>
-          <dgm:constr type="diam" refType="w" refFor="ch" refPtType="node" op="equ" fact="1.1"/>
-        </dgm:constrLst>
-      </dgm:if>
-      <dgm:if name="Name11" axis="ch" ptType="node" func="cnt" op="equ" val="5">
-        <dgm:constrLst>
-          <dgm:constr type="primFontSz" for="ch" ptType="node" op="equ" val="65"/>
-          <dgm:constr type="w" for="ch" ptType="node" refType="w"/>
-          <dgm:constr type="h" for="ch" ptType="node" refType="w" refFor="ch" refPtType="node" op="equ"/>
-          <dgm:constr type="sibSp" refType="w" refFor="ch" refPtType="node" fact="-0.2"/>
-          <dgm:constr type="sibSp" refType="h" op="lte" fact="0.1"/>
-        </dgm:constrLst>
-      </dgm:if>
-      <dgm:if name="Name12" axis="ch" ptType="node" func="cnt" op="equ" val="6">
-        <dgm:constrLst>
-          <dgm:constr type="primFontSz" for="ch" ptType="node" op="equ" val="65"/>
-          <dgm:constr type="w" for="ch" ptType="node" refType="w"/>
-          <dgm:constr type="h" for="ch" ptType="node" refType="w" refFor="ch" refPtType="node" op="equ"/>
-          <dgm:constr type="sibSp" refType="w" refFor="ch" refPtType="node" fact="-0.1"/>
-          <dgm:constr type="sibSp" refType="h" op="lte" fact="0.1"/>
-        </dgm:constrLst>
-      </dgm:if>
-      <dgm:if name="Name13" axis="ch" ptType="node" func="cnt" op="equ" val="7">
-        <dgm:constrLst>
-          <dgm:constr type="primFontSz" for="ch" ptType="node" op="equ" val="65"/>
-          <dgm:constr type="w" for="ch" ptType="node" refType="w"/>
-          <dgm:constr type="h" for="ch" ptType="node" refType="w" refFor="ch" refPtType="node" op="equ"/>
-          <dgm:constr type="sibSp" refType="w" refFor="ch" refPtType="node" fact="-0.1"/>
-          <dgm:constr type="sibSp" refType="h" op="lte" fact="0.1"/>
-        </dgm:constrLst>
-      </dgm:if>
-      <dgm:if name="Name14" axis="ch" ptType="node" func="cnt" op="equ" val="8">
-        <dgm:constrLst>
-          <dgm:constr type="primFontSz" for="ch" ptType="node" op="equ" val="65"/>
-          <dgm:constr type="w" for="ch" ptType="node" refType="w"/>
-          <dgm:constr type="h" for="ch" ptType="node" refType="w" refFor="ch" refPtType="node" op="equ"/>
-          <dgm:constr type="sibSp"/>
-          <dgm:constr type="sibSp" refType="h" op="lte" fact="0.1"/>
-        </dgm:constrLst>
-      </dgm:if>
-      <dgm:if name="Name15" axis="ch" ptType="node" func="cnt" op="gte" val="9">
-        <dgm:constrLst>
-          <dgm:constr type="primFontSz" for="ch" ptType="node" op="equ" val="65"/>
-          <dgm:constr type="w" for="ch" ptType="node" refType="w"/>
-          <dgm:constr type="h" for="ch" ptType="node" refType="w" refFor="ch" refPtType="node" op="equ"/>
-          <dgm:constr type="sibSp" refType="w" refFor="ch" refPtType="node" fact="-0.1"/>
-          <dgm:constr type="sibSp" refType="h" op="lte" fact="0.1"/>
-        </dgm:constrLst>
-      </dgm:if>
-      <dgm:else name="Name16">
-        <dgm:constrLst>
-          <dgm:constr type="primFontSz" for="ch" ptType="node" op="equ" val="65"/>
-          <dgm:constr type="w" for="ch" ptType="node" refType="w"/>
-          <dgm:constr type="h" for="ch" ptType="node" refType="w" refFor="ch" refPtType="node" op="equ"/>
-          <dgm:constr type="sibSp" refType="w" refFor="ch" refPtType="node" fact="-0.35"/>
-        </dgm:constrLst>
-      </dgm:else>
-    </dgm:choose>
-    <dgm:ruleLst/>
-    <dgm:forEach name="Name17" axis="ch" ptType="node">
-      <dgm:layoutNode name="arrow">
-        <dgm:varLst>
-          <dgm:bulletEnabled val="1"/>
-        </dgm:varLst>
-        <dgm:alg type="tx"/>
-        <dgm:shape xmlns:r="http://schemas.openxmlformats.org/officeDocument/2006/relationships" type="downArrow" r:blip="">
-          <dgm:adjLst>
-            <dgm:adj idx="2" val="0.35"/>
-          </dgm:adjLst>
-        </dgm:shape>
-        <dgm:presOf axis="desOrSelf" ptType="node"/>
-        <dgm:constrLst/>
-        <dgm:ruleLst>
-          <dgm:rule type="primFontSz" val="5" fact="NaN" max="NaN"/>
-        </dgm:ruleLst>
-      </dgm:layoutNode>
-    </dgm:forEach>
-  </dgm:layoutNode>
-</dgm:layoutDef>
-</file>
-
-<file path=ppt/diagrams/layout7.xml><?xml version="1.0" encoding="utf-8"?>
 <dgm:layoutDef xmlns:dgm="http://schemas.openxmlformats.org/drawingml/2006/diagram" xmlns:a="http://schemas.openxmlformats.org/drawingml/2006/main" uniqueId="urn:microsoft.com/office/officeart/2018/2/layout/IconLabelList">
   <dgm:title val="Icon Label List"/>
   <dgm:desc val="Use to show non-sequential or grouped chunks of information accompanied by a related visuals. Works best with icons or small pictures with short text captions."/>
@@ -17313,7 +16053,7 @@
 </dgm:layoutDef>
 </file>
 
-<file path=ppt/diagrams/layout8.xml><?xml version="1.0" encoding="utf-8"?>
+<file path=ppt/diagrams/layout7.xml><?xml version="1.0" encoding="utf-8"?>
 <dgm:layoutDef xmlns:dgm="http://schemas.openxmlformats.org/drawingml/2006/diagram" xmlns:a="http://schemas.openxmlformats.org/drawingml/2006/main" uniqueId="urn:microsoft.com/office/officeart/2018/2/layout/IconVerticalSolidList">
   <dgm:title val="Icon Vertical Solid List"/>
   <dgm:desc val="Use to show a series of visuals from top to bottom with Level 1 or Level 1 and Level 2 text grouped in a shape. Works best with icons or small pictures with lengthier descriptions."/>
@@ -17607,7 +16347,7 @@
 </dgm:layoutDef>
 </file>
 
-<file path=ppt/diagrams/layout9.xml><?xml version="1.0" encoding="utf-8"?>
+<file path=ppt/diagrams/layout8.xml><?xml version="1.0" encoding="utf-8"?>
 <dgm:layoutDef xmlns:dgm="http://schemas.openxmlformats.org/drawingml/2006/diagram" xmlns:a="http://schemas.openxmlformats.org/drawingml/2006/main" uniqueId="urn:microsoft.com/office/officeart/2018/2/layout/IconVerticalSolidList">
   <dgm:title val="Icon Vertical Solid List"/>
   <dgm:desc val="Use to show a series of visuals from top to bottom with Level 1 or Level 1 and Level 2 text grouped in a shape. Works best with icons or small pictures with lengthier descriptions."/>
@@ -26173,1040 +24913,6 @@
 </dgm:styleDef>
 </file>
 
-<file path=ppt/diagrams/quickStyle9.xml><?xml version="1.0" encoding="utf-8"?>
-<dgm:styleDef xmlns:dgm="http://schemas.openxmlformats.org/drawingml/2006/diagram" xmlns:a="http://schemas.openxmlformats.org/drawingml/2006/main" uniqueId="urn:microsoft.com/office/officeart/2005/8/quickstyle/simple1">
-  <dgm:title val=""/>
-  <dgm:desc val=""/>
-  <dgm:catLst>
-    <dgm:cat type="simple" pri="10100"/>
-  </dgm:catLst>
-  <dgm:scene3d>
-    <a:camera prst="orthographicFront"/>
-    <a:lightRig rig="threePt" dir="t"/>
-  </dgm:scene3d>
-  <dgm:styleLbl name="node0">
-    <dgm:scene3d>
-      <a:camera prst="orthographicFront"/>
-      <a:lightRig rig="threePt" dir="t"/>
-    </dgm:scene3d>
-    <dgm:sp3d/>
-    <dgm:txPr/>
-    <dgm:style>
-      <a:lnRef idx="2">
-        <a:scrgbClr r="0" g="0" b="0"/>
-      </a:lnRef>
-      <a:fillRef idx="1">
-        <a:scrgbClr r="0" g="0" b="0"/>
-      </a:fillRef>
-      <a:effectRef idx="0">
-        <a:scrgbClr r="0" g="0" b="0"/>
-      </a:effectRef>
-      <a:fontRef idx="minor">
-        <a:schemeClr val="lt1"/>
-      </a:fontRef>
-    </dgm:style>
-  </dgm:styleLbl>
-  <dgm:styleLbl name="lnNode1">
-    <dgm:scene3d>
-      <a:camera prst="orthographicFront"/>
-      <a:lightRig rig="threePt" dir="t"/>
-    </dgm:scene3d>
-    <dgm:sp3d/>
-    <dgm:txPr/>
-    <dgm:style>
-      <a:lnRef idx="2">
-        <a:scrgbClr r="0" g="0" b="0"/>
-      </a:lnRef>
-      <a:fillRef idx="1">
-        <a:scrgbClr r="0" g="0" b="0"/>
-      </a:fillRef>
-      <a:effectRef idx="0">
-        <a:scrgbClr r="0" g="0" b="0"/>
-      </a:effectRef>
-      <a:fontRef idx="minor">
-        <a:schemeClr val="lt1"/>
-      </a:fontRef>
-    </dgm:style>
-  </dgm:styleLbl>
-  <dgm:styleLbl name="vennNode1">
-    <dgm:scene3d>
-      <a:camera prst="orthographicFront"/>
-      <a:lightRig rig="threePt" dir="t"/>
-    </dgm:scene3d>
-    <dgm:sp3d/>
-    <dgm:txPr/>
-    <dgm:style>
-      <a:lnRef idx="2">
-        <a:scrgbClr r="0" g="0" b="0"/>
-      </a:lnRef>
-      <a:fillRef idx="1">
-        <a:scrgbClr r="0" g="0" b="0"/>
-      </a:fillRef>
-      <a:effectRef idx="0">
-        <a:scrgbClr r="0" g="0" b="0"/>
-      </a:effectRef>
-      <a:fontRef idx="minor">
-        <a:schemeClr val="tx1"/>
-      </a:fontRef>
-    </dgm:style>
-  </dgm:styleLbl>
-  <dgm:styleLbl name="alignNode1">
-    <dgm:scene3d>
-      <a:camera prst="orthographicFront"/>
-      <a:lightRig rig="threePt" dir="t"/>
-    </dgm:scene3d>
-    <dgm:sp3d/>
-    <dgm:txPr/>
-    <dgm:style>
-      <a:lnRef idx="2">
-        <a:scrgbClr r="0" g="0" b="0"/>
-      </a:lnRef>
-      <a:fillRef idx="1">
-        <a:scrgbClr r="0" g="0" b="0"/>
-      </a:fillRef>
-      <a:effectRef idx="0">
-        <a:scrgbClr r="0" g="0" b="0"/>
-      </a:effectRef>
-      <a:fontRef idx="minor">
-        <a:schemeClr val="lt1"/>
-      </a:fontRef>
-    </dgm:style>
-  </dgm:styleLbl>
-  <dgm:styleLbl name="node1">
-    <dgm:scene3d>
-      <a:camera prst="orthographicFront"/>
-      <a:lightRig rig="threePt" dir="t"/>
-    </dgm:scene3d>
-    <dgm:sp3d/>
-    <dgm:txPr/>
-    <dgm:style>
-      <a:lnRef idx="2">
-        <a:scrgbClr r="0" g="0" b="0"/>
-      </a:lnRef>
-      <a:fillRef idx="1">
-        <a:scrgbClr r="0" g="0" b="0"/>
-      </a:fillRef>
-      <a:effectRef idx="0">
-        <a:scrgbClr r="0" g="0" b="0"/>
-      </a:effectRef>
-      <a:fontRef idx="minor">
-        <a:schemeClr val="lt1"/>
-      </a:fontRef>
-    </dgm:style>
-  </dgm:styleLbl>
-  <dgm:styleLbl name="node2">
-    <dgm:scene3d>
-      <a:camera prst="orthographicFront"/>
-      <a:lightRig rig="threePt" dir="t"/>
-    </dgm:scene3d>
-    <dgm:sp3d/>
-    <dgm:txPr/>
-    <dgm:style>
-      <a:lnRef idx="2">
-        <a:scrgbClr r="0" g="0" b="0"/>
-      </a:lnRef>
-      <a:fillRef idx="1">
-        <a:scrgbClr r="0" g="0" b="0"/>
-      </a:fillRef>
-      <a:effectRef idx="0">
-        <a:scrgbClr r="0" g="0" b="0"/>
-      </a:effectRef>
-      <a:fontRef idx="minor">
-        <a:schemeClr val="lt1"/>
-      </a:fontRef>
-    </dgm:style>
-  </dgm:styleLbl>
-  <dgm:styleLbl name="node3">
-    <dgm:scene3d>
-      <a:camera prst="orthographicFront"/>
-      <a:lightRig rig="threePt" dir="t"/>
-    </dgm:scene3d>
-    <dgm:sp3d/>
-    <dgm:txPr/>
-    <dgm:style>
-      <a:lnRef idx="2">
-        <a:scrgbClr r="0" g="0" b="0"/>
-      </a:lnRef>
-      <a:fillRef idx="1">
-        <a:scrgbClr r="0" g="0" b="0"/>
-      </a:fillRef>
-      <a:effectRef idx="0">
-        <a:scrgbClr r="0" g="0" b="0"/>
-      </a:effectRef>
-      <a:fontRef idx="minor">
-        <a:schemeClr val="lt1"/>
-      </a:fontRef>
-    </dgm:style>
-  </dgm:styleLbl>
-  <dgm:styleLbl name="node4">
-    <dgm:scene3d>
-      <a:camera prst="orthographicFront"/>
-      <a:lightRig rig="threePt" dir="t"/>
-    </dgm:scene3d>
-    <dgm:sp3d/>
-    <dgm:txPr/>
-    <dgm:style>
-      <a:lnRef idx="2">
-        <a:scrgbClr r="0" g="0" b="0"/>
-      </a:lnRef>
-      <a:fillRef idx="1">
-        <a:scrgbClr r="0" g="0" b="0"/>
-      </a:fillRef>
-      <a:effectRef idx="0">
-        <a:scrgbClr r="0" g="0" b="0"/>
-      </a:effectRef>
-      <a:fontRef idx="minor">
-        <a:schemeClr val="lt1"/>
-      </a:fontRef>
-    </dgm:style>
-  </dgm:styleLbl>
-  <dgm:styleLbl name="fgImgPlace1">
-    <dgm:scene3d>
-      <a:camera prst="orthographicFront"/>
-      <a:lightRig rig="threePt" dir="t"/>
-    </dgm:scene3d>
-    <dgm:sp3d/>
-    <dgm:txPr/>
-    <dgm:style>
-      <a:lnRef idx="2">
-        <a:scrgbClr r="0" g="0" b="0"/>
-      </a:lnRef>
-      <a:fillRef idx="1">
-        <a:scrgbClr r="0" g="0" b="0"/>
-      </a:fillRef>
-      <a:effectRef idx="0">
-        <a:scrgbClr r="0" g="0" b="0"/>
-      </a:effectRef>
-      <a:fontRef idx="minor"/>
-    </dgm:style>
-  </dgm:styleLbl>
-  <dgm:styleLbl name="alignImgPlace1">
-    <dgm:scene3d>
-      <a:camera prst="orthographicFront"/>
-      <a:lightRig rig="threePt" dir="t"/>
-    </dgm:scene3d>
-    <dgm:sp3d/>
-    <dgm:txPr/>
-    <dgm:style>
-      <a:lnRef idx="2">
-        <a:scrgbClr r="0" g="0" b="0"/>
-      </a:lnRef>
-      <a:fillRef idx="1">
-        <a:scrgbClr r="0" g="0" b="0"/>
-      </a:fillRef>
-      <a:effectRef idx="0">
-        <a:scrgbClr r="0" g="0" b="0"/>
-      </a:effectRef>
-      <a:fontRef idx="minor"/>
-    </dgm:style>
-  </dgm:styleLbl>
-  <dgm:styleLbl name="bgImgPlace1">
-    <dgm:scene3d>
-      <a:camera prst="orthographicFront"/>
-      <a:lightRig rig="threePt" dir="t"/>
-    </dgm:scene3d>
-    <dgm:sp3d/>
-    <dgm:txPr/>
-    <dgm:style>
-      <a:lnRef idx="2">
-        <a:scrgbClr r="0" g="0" b="0"/>
-      </a:lnRef>
-      <a:fillRef idx="1">
-        <a:scrgbClr r="0" g="0" b="0"/>
-      </a:fillRef>
-      <a:effectRef idx="0">
-        <a:scrgbClr r="0" g="0" b="0"/>
-      </a:effectRef>
-      <a:fontRef idx="minor"/>
-    </dgm:style>
-  </dgm:styleLbl>
-  <dgm:styleLbl name="sibTrans2D1">
-    <dgm:scene3d>
-      <a:camera prst="orthographicFront"/>
-      <a:lightRig rig="threePt" dir="t"/>
-    </dgm:scene3d>
-    <dgm:sp3d/>
-    <dgm:txPr/>
-    <dgm:style>
-      <a:lnRef idx="0">
-        <a:scrgbClr r="0" g="0" b="0"/>
-      </a:lnRef>
-      <a:fillRef idx="1">
-        <a:scrgbClr r="0" g="0" b="0"/>
-      </a:fillRef>
-      <a:effectRef idx="0">
-        <a:scrgbClr r="0" g="0" b="0"/>
-      </a:effectRef>
-      <a:fontRef idx="minor">
-        <a:schemeClr val="lt1"/>
-      </a:fontRef>
-    </dgm:style>
-  </dgm:styleLbl>
-  <dgm:styleLbl name="fgSibTrans2D1">
-    <dgm:scene3d>
-      <a:camera prst="orthographicFront"/>
-      <a:lightRig rig="threePt" dir="t"/>
-    </dgm:scene3d>
-    <dgm:sp3d/>
-    <dgm:txPr/>
-    <dgm:style>
-      <a:lnRef idx="0">
-        <a:scrgbClr r="0" g="0" b="0"/>
-      </a:lnRef>
-      <a:fillRef idx="1">
-        <a:scrgbClr r="0" g="0" b="0"/>
-      </a:fillRef>
-      <a:effectRef idx="0">
-        <a:scrgbClr r="0" g="0" b="0"/>
-      </a:effectRef>
-      <a:fontRef idx="minor">
-        <a:schemeClr val="lt1"/>
-      </a:fontRef>
-    </dgm:style>
-  </dgm:styleLbl>
-  <dgm:styleLbl name="bgSibTrans2D1">
-    <dgm:scene3d>
-      <a:camera prst="orthographicFront"/>
-      <a:lightRig rig="threePt" dir="t"/>
-    </dgm:scene3d>
-    <dgm:sp3d/>
-    <dgm:txPr/>
-    <dgm:style>
-      <a:lnRef idx="0">
-        <a:scrgbClr r="0" g="0" b="0"/>
-      </a:lnRef>
-      <a:fillRef idx="1">
-        <a:scrgbClr r="0" g="0" b="0"/>
-      </a:fillRef>
-      <a:effectRef idx="0">
-        <a:scrgbClr r="0" g="0" b="0"/>
-      </a:effectRef>
-      <a:fontRef idx="minor">
-        <a:schemeClr val="lt1"/>
-      </a:fontRef>
-    </dgm:style>
-  </dgm:styleLbl>
-  <dgm:styleLbl name="sibTrans1D1">
-    <dgm:scene3d>
-      <a:camera prst="orthographicFront"/>
-      <a:lightRig rig="threePt" dir="t"/>
-    </dgm:scene3d>
-    <dgm:sp3d/>
-    <dgm:txPr/>
-    <dgm:style>
-      <a:lnRef idx="1">
-        <a:scrgbClr r="0" g="0" b="0"/>
-      </a:lnRef>
-      <a:fillRef idx="0">
-        <a:scrgbClr r="0" g="0" b="0"/>
-      </a:fillRef>
-      <a:effectRef idx="0">
-        <a:scrgbClr r="0" g="0" b="0"/>
-      </a:effectRef>
-      <a:fontRef idx="minor"/>
-    </dgm:style>
-  </dgm:styleLbl>
-  <dgm:styleLbl name="callout">
-    <dgm:scene3d>
-      <a:camera prst="orthographicFront"/>
-      <a:lightRig rig="threePt" dir="t"/>
-    </dgm:scene3d>
-    <dgm:sp3d/>
-    <dgm:txPr/>
-    <dgm:style>
-      <a:lnRef idx="2">
-        <a:scrgbClr r="0" g="0" b="0"/>
-      </a:lnRef>
-      <a:fillRef idx="1">
-        <a:scrgbClr r="0" g="0" b="0"/>
-      </a:fillRef>
-      <a:effectRef idx="0">
-        <a:scrgbClr r="0" g="0" b="0"/>
-      </a:effectRef>
-      <a:fontRef idx="minor"/>
-    </dgm:style>
-  </dgm:styleLbl>
-  <dgm:styleLbl name="asst0">
-    <dgm:scene3d>
-      <a:camera prst="orthographicFront"/>
-      <a:lightRig rig="threePt" dir="t"/>
-    </dgm:scene3d>
-    <dgm:sp3d/>
-    <dgm:txPr/>
-    <dgm:style>
-      <a:lnRef idx="2">
-        <a:scrgbClr r="0" g="0" b="0"/>
-      </a:lnRef>
-      <a:fillRef idx="1">
-        <a:scrgbClr r="0" g="0" b="0"/>
-      </a:fillRef>
-      <a:effectRef idx="0">
-        <a:scrgbClr r="0" g="0" b="0"/>
-      </a:effectRef>
-      <a:fontRef idx="minor">
-        <a:schemeClr val="lt1"/>
-      </a:fontRef>
-    </dgm:style>
-  </dgm:styleLbl>
-  <dgm:styleLbl name="asst1">
-    <dgm:scene3d>
-      <a:camera prst="orthographicFront"/>
-      <a:lightRig rig="threePt" dir="t"/>
-    </dgm:scene3d>
-    <dgm:sp3d/>
-    <dgm:txPr/>
-    <dgm:style>
-      <a:lnRef idx="2">
-        <a:scrgbClr r="0" g="0" b="0"/>
-      </a:lnRef>
-      <a:fillRef idx="1">
-        <a:scrgbClr r="0" g="0" b="0"/>
-      </a:fillRef>
-      <a:effectRef idx="0">
-        <a:scrgbClr r="0" g="0" b="0"/>
-      </a:effectRef>
-      <a:fontRef idx="minor">
-        <a:schemeClr val="lt1"/>
-      </a:fontRef>
-    </dgm:style>
-  </dgm:styleLbl>
-  <dgm:styleLbl name="asst2">
-    <dgm:scene3d>
-      <a:camera prst="orthographicFront"/>
-      <a:lightRig rig="threePt" dir="t"/>
-    </dgm:scene3d>
-    <dgm:sp3d/>
-    <dgm:txPr/>
-    <dgm:style>
-      <a:lnRef idx="2">
-        <a:scrgbClr r="0" g="0" b="0"/>
-      </a:lnRef>
-      <a:fillRef idx="1">
-        <a:scrgbClr r="0" g="0" b="0"/>
-      </a:fillRef>
-      <a:effectRef idx="0">
-        <a:scrgbClr r="0" g="0" b="0"/>
-      </a:effectRef>
-      <a:fontRef idx="minor">
-        <a:schemeClr val="lt1"/>
-      </a:fontRef>
-    </dgm:style>
-  </dgm:styleLbl>
-  <dgm:styleLbl name="asst3">
-    <dgm:scene3d>
-      <a:camera prst="orthographicFront"/>
-      <a:lightRig rig="threePt" dir="t"/>
-    </dgm:scene3d>
-    <dgm:sp3d/>
-    <dgm:txPr/>
-    <dgm:style>
-      <a:lnRef idx="2">
-        <a:scrgbClr r="0" g="0" b="0"/>
-      </a:lnRef>
-      <a:fillRef idx="1">
-        <a:scrgbClr r="0" g="0" b="0"/>
-      </a:fillRef>
-      <a:effectRef idx="0">
-        <a:scrgbClr r="0" g="0" b="0"/>
-      </a:effectRef>
-      <a:fontRef idx="minor">
-        <a:schemeClr val="lt1"/>
-      </a:fontRef>
-    </dgm:style>
-  </dgm:styleLbl>
-  <dgm:styleLbl name="asst4">
-    <dgm:scene3d>
-      <a:camera prst="orthographicFront"/>
-      <a:lightRig rig="threePt" dir="t"/>
-    </dgm:scene3d>
-    <dgm:sp3d/>
-    <dgm:txPr/>
-    <dgm:style>
-      <a:lnRef idx="2">
-        <a:scrgbClr r="0" g="0" b="0"/>
-      </a:lnRef>
-      <a:fillRef idx="1">
-        <a:scrgbClr r="0" g="0" b="0"/>
-      </a:fillRef>
-      <a:effectRef idx="0">
-        <a:scrgbClr r="0" g="0" b="0"/>
-      </a:effectRef>
-      <a:fontRef idx="minor">
-        <a:schemeClr val="lt1"/>
-      </a:fontRef>
-    </dgm:style>
-  </dgm:styleLbl>
-  <dgm:styleLbl name="parChTrans2D1">
-    <dgm:scene3d>
-      <a:camera prst="orthographicFront"/>
-      <a:lightRig rig="threePt" dir="t"/>
-    </dgm:scene3d>
-    <dgm:sp3d/>
-    <dgm:txPr/>
-    <dgm:style>
-      <a:lnRef idx="2">
-        <a:scrgbClr r="0" g="0" b="0"/>
-      </a:lnRef>
-      <a:fillRef idx="1">
-        <a:scrgbClr r="0" g="0" b="0"/>
-      </a:fillRef>
-      <a:effectRef idx="0">
-        <a:scrgbClr r="0" g="0" b="0"/>
-      </a:effectRef>
-      <a:fontRef idx="minor">
-        <a:schemeClr val="lt1"/>
-      </a:fontRef>
-    </dgm:style>
-  </dgm:styleLbl>
-  <dgm:styleLbl name="parChTrans2D2">
-    <dgm:scene3d>
-      <a:camera prst="orthographicFront"/>
-      <a:lightRig rig="threePt" dir="t"/>
-    </dgm:scene3d>
-    <dgm:sp3d/>
-    <dgm:txPr/>
-    <dgm:style>
-      <a:lnRef idx="2">
-        <a:scrgbClr r="0" g="0" b="0"/>
-      </a:lnRef>
-      <a:fillRef idx="1">
-        <a:scrgbClr r="0" g="0" b="0"/>
-      </a:fillRef>
-      <a:effectRef idx="0">
-        <a:scrgbClr r="0" g="0" b="0"/>
-      </a:effectRef>
-      <a:fontRef idx="minor">
-        <a:schemeClr val="lt1"/>
-      </a:fontRef>
-    </dgm:style>
-  </dgm:styleLbl>
-  <dgm:styleLbl name="parChTrans2D3">
-    <dgm:scene3d>
-      <a:camera prst="orthographicFront"/>
-      <a:lightRig rig="threePt" dir="t"/>
-    </dgm:scene3d>
-    <dgm:sp3d/>
-    <dgm:txPr/>
-    <dgm:style>
-      <a:lnRef idx="2">
-        <a:scrgbClr r="0" g="0" b="0"/>
-      </a:lnRef>
-      <a:fillRef idx="1">
-        <a:scrgbClr r="0" g="0" b="0"/>
-      </a:fillRef>
-      <a:effectRef idx="0">
-        <a:scrgbClr r="0" g="0" b="0"/>
-      </a:effectRef>
-      <a:fontRef idx="minor">
-        <a:schemeClr val="lt1"/>
-      </a:fontRef>
-    </dgm:style>
-  </dgm:styleLbl>
-  <dgm:styleLbl name="parChTrans2D4">
-    <dgm:scene3d>
-      <a:camera prst="orthographicFront"/>
-      <a:lightRig rig="threePt" dir="t"/>
-    </dgm:scene3d>
-    <dgm:sp3d/>
-    <dgm:txPr/>
-    <dgm:style>
-      <a:lnRef idx="2">
-        <a:scrgbClr r="0" g="0" b="0"/>
-      </a:lnRef>
-      <a:fillRef idx="1">
-        <a:scrgbClr r="0" g="0" b="0"/>
-      </a:fillRef>
-      <a:effectRef idx="0">
-        <a:scrgbClr r="0" g="0" b="0"/>
-      </a:effectRef>
-      <a:fontRef idx="minor">
-        <a:schemeClr val="lt1"/>
-      </a:fontRef>
-    </dgm:style>
-  </dgm:styleLbl>
-  <dgm:styleLbl name="parChTrans1D1">
-    <dgm:scene3d>
-      <a:camera prst="orthographicFront"/>
-      <a:lightRig rig="threePt" dir="t"/>
-    </dgm:scene3d>
-    <dgm:sp3d/>
-    <dgm:txPr/>
-    <dgm:style>
-      <a:lnRef idx="2">
-        <a:scrgbClr r="0" g="0" b="0"/>
-      </a:lnRef>
-      <a:fillRef idx="0">
-        <a:scrgbClr r="0" g="0" b="0"/>
-      </a:fillRef>
-      <a:effectRef idx="0">
-        <a:scrgbClr r="0" g="0" b="0"/>
-      </a:effectRef>
-      <a:fontRef idx="minor"/>
-    </dgm:style>
-  </dgm:styleLbl>
-  <dgm:styleLbl name="parChTrans1D2">
-    <dgm:scene3d>
-      <a:camera prst="orthographicFront"/>
-      <a:lightRig rig="threePt" dir="t"/>
-    </dgm:scene3d>
-    <dgm:sp3d/>
-    <dgm:txPr/>
-    <dgm:style>
-      <a:lnRef idx="2">
-        <a:scrgbClr r="0" g="0" b="0"/>
-      </a:lnRef>
-      <a:fillRef idx="0">
-        <a:scrgbClr r="0" g="0" b="0"/>
-      </a:fillRef>
-      <a:effectRef idx="0">
-        <a:scrgbClr r="0" g="0" b="0"/>
-      </a:effectRef>
-      <a:fontRef idx="minor"/>
-    </dgm:style>
-  </dgm:styleLbl>
-  <dgm:styleLbl name="parChTrans1D3">
-    <dgm:scene3d>
-      <a:camera prst="orthographicFront"/>
-      <a:lightRig rig="threePt" dir="t"/>
-    </dgm:scene3d>
-    <dgm:sp3d/>
-    <dgm:txPr/>
-    <dgm:style>
-      <a:lnRef idx="2">
-        <a:scrgbClr r="0" g="0" b="0"/>
-      </a:lnRef>
-      <a:fillRef idx="0">
-        <a:scrgbClr r="0" g="0" b="0"/>
-      </a:fillRef>
-      <a:effectRef idx="0">
-        <a:scrgbClr r="0" g="0" b="0"/>
-      </a:effectRef>
-      <a:fontRef idx="minor"/>
-    </dgm:style>
-  </dgm:styleLbl>
-  <dgm:styleLbl name="parChTrans1D4">
-    <dgm:scene3d>
-      <a:camera prst="orthographicFront"/>
-      <a:lightRig rig="threePt" dir="t"/>
-    </dgm:scene3d>
-    <dgm:sp3d/>
-    <dgm:txPr/>
-    <dgm:style>
-      <a:lnRef idx="2">
-        <a:scrgbClr r="0" g="0" b="0"/>
-      </a:lnRef>
-      <a:fillRef idx="0">
-        <a:scrgbClr r="0" g="0" b="0"/>
-      </a:fillRef>
-      <a:effectRef idx="0">
-        <a:scrgbClr r="0" g="0" b="0"/>
-      </a:effectRef>
-      <a:fontRef idx="minor"/>
-    </dgm:style>
-  </dgm:styleLbl>
-  <dgm:styleLbl name="fgAcc1">
-    <dgm:scene3d>
-      <a:camera prst="orthographicFront"/>
-      <a:lightRig rig="threePt" dir="t"/>
-    </dgm:scene3d>
-    <dgm:sp3d/>
-    <dgm:txPr/>
-    <dgm:style>
-      <a:lnRef idx="2">
-        <a:scrgbClr r="0" g="0" b="0"/>
-      </a:lnRef>
-      <a:fillRef idx="1">
-        <a:scrgbClr r="0" g="0" b="0"/>
-      </a:fillRef>
-      <a:effectRef idx="0">
-        <a:scrgbClr r="0" g="0" b="0"/>
-      </a:effectRef>
-      <a:fontRef idx="minor"/>
-    </dgm:style>
-  </dgm:styleLbl>
-  <dgm:styleLbl name="conFgAcc1">
-    <dgm:scene3d>
-      <a:camera prst="orthographicFront"/>
-      <a:lightRig rig="threePt" dir="t"/>
-    </dgm:scene3d>
-    <dgm:sp3d/>
-    <dgm:txPr/>
-    <dgm:style>
-      <a:lnRef idx="2">
-        <a:scrgbClr r="0" g="0" b="0"/>
-      </a:lnRef>
-      <a:fillRef idx="1">
-        <a:scrgbClr r="0" g="0" b="0"/>
-      </a:fillRef>
-      <a:effectRef idx="0">
-        <a:scrgbClr r="0" g="0" b="0"/>
-      </a:effectRef>
-      <a:fontRef idx="minor"/>
-    </dgm:style>
-  </dgm:styleLbl>
-  <dgm:styleLbl name="alignAcc1">
-    <dgm:scene3d>
-      <a:camera prst="orthographicFront"/>
-      <a:lightRig rig="threePt" dir="t"/>
-    </dgm:scene3d>
-    <dgm:sp3d/>
-    <dgm:txPr/>
-    <dgm:style>
-      <a:lnRef idx="2">
-        <a:scrgbClr r="0" g="0" b="0"/>
-      </a:lnRef>
-      <a:fillRef idx="1">
-        <a:scrgbClr r="0" g="0" b="0"/>
-      </a:fillRef>
-      <a:effectRef idx="0">
-        <a:scrgbClr r="0" g="0" b="0"/>
-      </a:effectRef>
-      <a:fontRef idx="minor"/>
-    </dgm:style>
-  </dgm:styleLbl>
-  <dgm:styleLbl name="trAlignAcc1">
-    <dgm:scene3d>
-      <a:camera prst="orthographicFront"/>
-      <a:lightRig rig="threePt" dir="t"/>
-    </dgm:scene3d>
-    <dgm:sp3d/>
-    <dgm:txPr/>
-    <dgm:style>
-      <a:lnRef idx="1">
-        <a:scrgbClr r="0" g="0" b="0"/>
-      </a:lnRef>
-      <a:fillRef idx="1">
-        <a:scrgbClr r="0" g="0" b="0"/>
-      </a:fillRef>
-      <a:effectRef idx="0">
-        <a:scrgbClr r="0" g="0" b="0"/>
-      </a:effectRef>
-      <a:fontRef idx="minor"/>
-    </dgm:style>
-  </dgm:styleLbl>
-  <dgm:styleLbl name="bgAcc1">
-    <dgm:scene3d>
-      <a:camera prst="orthographicFront"/>
-      <a:lightRig rig="threePt" dir="t"/>
-    </dgm:scene3d>
-    <dgm:sp3d/>
-    <dgm:txPr/>
-    <dgm:style>
-      <a:lnRef idx="2">
-        <a:scrgbClr r="0" g="0" b="0"/>
-      </a:lnRef>
-      <a:fillRef idx="1">
-        <a:scrgbClr r="0" g="0" b="0"/>
-      </a:fillRef>
-      <a:effectRef idx="0">
-        <a:scrgbClr r="0" g="0" b="0"/>
-      </a:effectRef>
-      <a:fontRef idx="minor"/>
-    </dgm:style>
-  </dgm:styleLbl>
-  <dgm:styleLbl name="solidFgAcc1">
-    <dgm:scene3d>
-      <a:camera prst="orthographicFront"/>
-      <a:lightRig rig="threePt" dir="t"/>
-    </dgm:scene3d>
-    <dgm:sp3d/>
-    <dgm:txPr/>
-    <dgm:style>
-      <a:lnRef idx="2">
-        <a:scrgbClr r="0" g="0" b="0"/>
-      </a:lnRef>
-      <a:fillRef idx="1">
-        <a:scrgbClr r="0" g="0" b="0"/>
-      </a:fillRef>
-      <a:effectRef idx="0">
-        <a:scrgbClr r="0" g="0" b="0"/>
-      </a:effectRef>
-      <a:fontRef idx="minor"/>
-    </dgm:style>
-  </dgm:styleLbl>
-  <dgm:styleLbl name="solidAlignAcc1">
-    <dgm:scene3d>
-      <a:camera prst="orthographicFront"/>
-      <a:lightRig rig="threePt" dir="t"/>
-    </dgm:scene3d>
-    <dgm:sp3d/>
-    <dgm:txPr/>
-    <dgm:style>
-      <a:lnRef idx="2">
-        <a:scrgbClr r="0" g="0" b="0"/>
-      </a:lnRef>
-      <a:fillRef idx="1">
-        <a:scrgbClr r="0" g="0" b="0"/>
-      </a:fillRef>
-      <a:effectRef idx="0">
-        <a:scrgbClr r="0" g="0" b="0"/>
-      </a:effectRef>
-      <a:fontRef idx="minor"/>
-    </dgm:style>
-  </dgm:styleLbl>
-  <dgm:styleLbl name="solidBgAcc1">
-    <dgm:scene3d>
-      <a:camera prst="orthographicFront"/>
-      <a:lightRig rig="threePt" dir="t"/>
-    </dgm:scene3d>
-    <dgm:sp3d/>
-    <dgm:txPr/>
-    <dgm:style>
-      <a:lnRef idx="2">
-        <a:scrgbClr r="0" g="0" b="0"/>
-      </a:lnRef>
-      <a:fillRef idx="1">
-        <a:scrgbClr r="0" g="0" b="0"/>
-      </a:fillRef>
-      <a:effectRef idx="0">
-        <a:scrgbClr r="0" g="0" b="0"/>
-      </a:effectRef>
-      <a:fontRef idx="minor"/>
-    </dgm:style>
-  </dgm:styleLbl>
-  <dgm:styleLbl name="fgAccFollowNode1">
-    <dgm:scene3d>
-      <a:camera prst="orthographicFront"/>
-      <a:lightRig rig="threePt" dir="t"/>
-    </dgm:scene3d>
-    <dgm:sp3d/>
-    <dgm:txPr/>
-    <dgm:style>
-      <a:lnRef idx="2">
-        <a:scrgbClr r="0" g="0" b="0"/>
-      </a:lnRef>
-      <a:fillRef idx="1">
-        <a:scrgbClr r="0" g="0" b="0"/>
-      </a:fillRef>
-      <a:effectRef idx="0">
-        <a:scrgbClr r="0" g="0" b="0"/>
-      </a:effectRef>
-      <a:fontRef idx="minor"/>
-    </dgm:style>
-  </dgm:styleLbl>
-  <dgm:styleLbl name="alignAccFollowNode1">
-    <dgm:scene3d>
-      <a:camera prst="orthographicFront"/>
-      <a:lightRig rig="threePt" dir="t"/>
-    </dgm:scene3d>
-    <dgm:sp3d/>
-    <dgm:txPr/>
-    <dgm:style>
-      <a:lnRef idx="2">
-        <a:scrgbClr r="0" g="0" b="0"/>
-      </a:lnRef>
-      <a:fillRef idx="1">
-        <a:scrgbClr r="0" g="0" b="0"/>
-      </a:fillRef>
-      <a:effectRef idx="0">
-        <a:scrgbClr r="0" g="0" b="0"/>
-      </a:effectRef>
-      <a:fontRef idx="minor"/>
-    </dgm:style>
-  </dgm:styleLbl>
-  <dgm:styleLbl name="bgAccFollowNode1">
-    <dgm:scene3d>
-      <a:camera prst="orthographicFront"/>
-      <a:lightRig rig="threePt" dir="t"/>
-    </dgm:scene3d>
-    <dgm:sp3d/>
-    <dgm:txPr/>
-    <dgm:style>
-      <a:lnRef idx="2">
-        <a:scrgbClr r="0" g="0" b="0"/>
-      </a:lnRef>
-      <a:fillRef idx="1">
-        <a:scrgbClr r="0" g="0" b="0"/>
-      </a:fillRef>
-      <a:effectRef idx="0">
-        <a:scrgbClr r="0" g="0" b="0"/>
-      </a:effectRef>
-      <a:fontRef idx="minor"/>
-    </dgm:style>
-  </dgm:styleLbl>
-  <dgm:styleLbl name="fgAcc0">
-    <dgm:scene3d>
-      <a:camera prst="orthographicFront"/>
-      <a:lightRig rig="threePt" dir="t"/>
-    </dgm:scene3d>
-    <dgm:sp3d/>
-    <dgm:txPr/>
-    <dgm:style>
-      <a:lnRef idx="2">
-        <a:scrgbClr r="0" g="0" b="0"/>
-      </a:lnRef>
-      <a:fillRef idx="1">
-        <a:scrgbClr r="0" g="0" b="0"/>
-      </a:fillRef>
-      <a:effectRef idx="0">
-        <a:scrgbClr r="0" g="0" b="0"/>
-      </a:effectRef>
-      <a:fontRef idx="minor"/>
-    </dgm:style>
-  </dgm:styleLbl>
-  <dgm:styleLbl name="fgAcc2">
-    <dgm:scene3d>
-      <a:camera prst="orthographicFront"/>
-      <a:lightRig rig="threePt" dir="t"/>
-    </dgm:scene3d>
-    <dgm:sp3d/>
-    <dgm:txPr/>
-    <dgm:style>
-      <a:lnRef idx="2">
-        <a:scrgbClr r="0" g="0" b="0"/>
-      </a:lnRef>
-      <a:fillRef idx="1">
-        <a:scrgbClr r="0" g="0" b="0"/>
-      </a:fillRef>
-      <a:effectRef idx="0">
-        <a:scrgbClr r="0" g="0" b="0"/>
-      </a:effectRef>
-      <a:fontRef idx="minor"/>
-    </dgm:style>
-  </dgm:styleLbl>
-  <dgm:styleLbl name="fgAcc3">
-    <dgm:scene3d>
-      <a:camera prst="orthographicFront"/>
-      <a:lightRig rig="threePt" dir="t"/>
-    </dgm:scene3d>
-    <dgm:sp3d/>
-    <dgm:txPr/>
-    <dgm:style>
-      <a:lnRef idx="2">
-        <a:scrgbClr r="0" g="0" b="0"/>
-      </a:lnRef>
-      <a:fillRef idx="1">
-        <a:scrgbClr r="0" g="0" b="0"/>
-      </a:fillRef>
-      <a:effectRef idx="0">
-        <a:scrgbClr r="0" g="0" b="0"/>
-      </a:effectRef>
-      <a:fontRef idx="minor"/>
-    </dgm:style>
-  </dgm:styleLbl>
-  <dgm:styleLbl name="fgAcc4">
-    <dgm:scene3d>
-      <a:camera prst="orthographicFront"/>
-      <a:lightRig rig="threePt" dir="t"/>
-    </dgm:scene3d>
-    <dgm:sp3d/>
-    <dgm:txPr/>
-    <dgm:style>
-      <a:lnRef idx="2">
-        <a:scrgbClr r="0" g="0" b="0"/>
-      </a:lnRef>
-      <a:fillRef idx="1">
-        <a:scrgbClr r="0" g="0" b="0"/>
-      </a:fillRef>
-      <a:effectRef idx="0">
-        <a:scrgbClr r="0" g="0" b="0"/>
-      </a:effectRef>
-      <a:fontRef idx="minor"/>
-    </dgm:style>
-  </dgm:styleLbl>
-  <dgm:styleLbl name="bgShp">
-    <dgm:scene3d>
-      <a:camera prst="orthographicFront"/>
-      <a:lightRig rig="threePt" dir="t"/>
-    </dgm:scene3d>
-    <dgm:sp3d/>
-    <dgm:txPr/>
-    <dgm:style>
-      <a:lnRef idx="0">
-        <a:scrgbClr r="0" g="0" b="0"/>
-      </a:lnRef>
-      <a:fillRef idx="1">
-        <a:scrgbClr r="0" g="0" b="0"/>
-      </a:fillRef>
-      <a:effectRef idx="0">
-        <a:scrgbClr r="0" g="0" b="0"/>
-      </a:effectRef>
-      <a:fontRef idx="minor"/>
-    </dgm:style>
-  </dgm:styleLbl>
-  <dgm:styleLbl name="dkBgShp">
-    <dgm:scene3d>
-      <a:camera prst="orthographicFront"/>
-      <a:lightRig rig="threePt" dir="t"/>
-    </dgm:scene3d>
-    <dgm:sp3d/>
-    <dgm:txPr/>
-    <dgm:style>
-      <a:lnRef idx="0">
-        <a:scrgbClr r="0" g="0" b="0"/>
-      </a:lnRef>
-      <a:fillRef idx="1">
-        <a:scrgbClr r="0" g="0" b="0"/>
-      </a:fillRef>
-      <a:effectRef idx="0">
-        <a:scrgbClr r="0" g="0" b="0"/>
-      </a:effectRef>
-      <a:fontRef idx="minor"/>
-    </dgm:style>
-  </dgm:styleLbl>
-  <dgm:styleLbl name="trBgShp">
-    <dgm:scene3d>
-      <a:camera prst="orthographicFront"/>
-      <a:lightRig rig="threePt" dir="t"/>
-    </dgm:scene3d>
-    <dgm:sp3d/>
-    <dgm:txPr/>
-    <dgm:style>
-      <a:lnRef idx="0">
-        <a:scrgbClr r="0" g="0" b="0"/>
-      </a:lnRef>
-      <a:fillRef idx="1">
-        <a:scrgbClr r="0" g="0" b="0"/>
-      </a:fillRef>
-      <a:effectRef idx="0">
-        <a:scrgbClr r="0" g="0" b="0"/>
-      </a:effectRef>
-      <a:fontRef idx="minor"/>
-    </dgm:style>
-  </dgm:styleLbl>
-  <dgm:styleLbl name="fgShp">
-    <dgm:scene3d>
-      <a:camera prst="orthographicFront"/>
-      <a:lightRig rig="threePt" dir="t"/>
-    </dgm:scene3d>
-    <dgm:sp3d/>
-    <dgm:txPr/>
-    <dgm:style>
-      <a:lnRef idx="2">
-        <a:scrgbClr r="0" g="0" b="0"/>
-      </a:lnRef>
-      <a:fillRef idx="1">
-        <a:scrgbClr r="0" g="0" b="0"/>
-      </a:fillRef>
-      <a:effectRef idx="0">
-        <a:scrgbClr r="0" g="0" b="0"/>
-      </a:effectRef>
-      <a:fontRef idx="minor"/>
-    </dgm:style>
-  </dgm:styleLbl>
-  <dgm:styleLbl name="revTx">
-    <dgm:scene3d>
-      <a:camera prst="orthographicFront"/>
-      <a:lightRig rig="threePt" dir="t"/>
-    </dgm:scene3d>
-    <dgm:sp3d/>
-    <dgm:txPr/>
-    <dgm:style>
-      <a:lnRef idx="0">
-        <a:scrgbClr r="0" g="0" b="0"/>
-      </a:lnRef>
-      <a:fillRef idx="0">
-        <a:scrgbClr r="0" g="0" b="0"/>
-      </a:fillRef>
-      <a:effectRef idx="0">
-        <a:scrgbClr r="0" g="0" b="0"/>
-      </a:effectRef>
-      <a:fontRef idx="minor"/>
-    </dgm:style>
-  </dgm:styleLbl>
-</dgm:styleDef>
-</file>
-
 <file path=ppt/slideLayouts/slideLayout1.xml><?xml version="1.0" encoding="utf-8"?>
 <p:sldLayout xmlns:a="http://schemas.openxmlformats.org/drawingml/2006/main" xmlns:r="http://schemas.openxmlformats.org/officeDocument/2006/relationships" xmlns:p="http://schemas.openxmlformats.org/presentationml/2006/main" type="title" preserve="1">
   <p:cSld name="Title Slide">
@@ -27386,7 +25092,7 @@
           <a:p>
             <a:fld id="{5BCAD085-E8A6-8845-BD4E-CB4CCA059FC4}" type="datetimeFigureOut">
               <a:rPr lang="en-US" smtClean="0"/>
-              <a:t>7/14/2025</a:t>
+              <a:t>7/21/2025</a:t>
             </a:fld>
             <a:endParaRPr lang="en-US"/>
           </a:p>
@@ -27554,7 +25260,7 @@
           <a:p>
             <a:fld id="{5BCAD085-E8A6-8845-BD4E-CB4CCA059FC4}" type="datetimeFigureOut">
               <a:rPr lang="en-US" smtClean="0"/>
-              <a:t>7/14/2025</a:t>
+              <a:t>7/21/2025</a:t>
             </a:fld>
             <a:endParaRPr lang="en-US"/>
           </a:p>
@@ -27732,7 +25438,7 @@
           <a:p>
             <a:fld id="{5BCAD085-E8A6-8845-BD4E-CB4CCA059FC4}" type="datetimeFigureOut">
               <a:rPr lang="en-US" smtClean="0"/>
-              <a:t>7/14/2025</a:t>
+              <a:t>7/21/2025</a:t>
             </a:fld>
             <a:endParaRPr lang="en-US"/>
           </a:p>
@@ -27900,7 +25606,7 @@
           <a:p>
             <a:fld id="{5BCAD085-E8A6-8845-BD4E-CB4CCA059FC4}" type="datetimeFigureOut">
               <a:rPr lang="en-US" smtClean="0"/>
-              <a:t>7/14/2025</a:t>
+              <a:t>7/21/2025</a:t>
             </a:fld>
             <a:endParaRPr lang="en-US"/>
           </a:p>
@@ -28145,7 +25851,7 @@
           <a:p>
             <a:fld id="{5BCAD085-E8A6-8845-BD4E-CB4CCA059FC4}" type="datetimeFigureOut">
               <a:rPr lang="en-US" smtClean="0"/>
-              <a:t>7/14/2025</a:t>
+              <a:t>7/21/2025</a:t>
             </a:fld>
             <a:endParaRPr lang="en-US"/>
           </a:p>
@@ -28430,7 +26136,7 @@
           <a:p>
             <a:fld id="{5BCAD085-E8A6-8845-BD4E-CB4CCA059FC4}" type="datetimeFigureOut">
               <a:rPr lang="en-US" smtClean="0"/>
-              <a:t>7/14/2025</a:t>
+              <a:t>7/21/2025</a:t>
             </a:fld>
             <a:endParaRPr lang="en-US"/>
           </a:p>
@@ -28849,7 +26555,7 @@
           <a:p>
             <a:fld id="{5BCAD085-E8A6-8845-BD4E-CB4CCA059FC4}" type="datetimeFigureOut">
               <a:rPr lang="en-US" smtClean="0"/>
-              <a:t>7/14/2025</a:t>
+              <a:t>7/21/2025</a:t>
             </a:fld>
             <a:endParaRPr lang="en-US"/>
           </a:p>
@@ -28966,7 +26672,7 @@
           <a:p>
             <a:fld id="{5BCAD085-E8A6-8845-BD4E-CB4CCA059FC4}" type="datetimeFigureOut">
               <a:rPr lang="en-US" smtClean="0"/>
-              <a:t>7/14/2025</a:t>
+              <a:t>7/21/2025</a:t>
             </a:fld>
             <a:endParaRPr lang="en-US"/>
           </a:p>
@@ -29061,7 +26767,7 @@
           <a:p>
             <a:fld id="{5BCAD085-E8A6-8845-BD4E-CB4CCA059FC4}" type="datetimeFigureOut">
               <a:rPr lang="en-US" smtClean="0"/>
-              <a:t>7/14/2025</a:t>
+              <a:t>7/21/2025</a:t>
             </a:fld>
             <a:endParaRPr lang="en-US"/>
           </a:p>
@@ -29336,7 +27042,7 @@
           <a:p>
             <a:fld id="{5BCAD085-E8A6-8845-BD4E-CB4CCA059FC4}" type="datetimeFigureOut">
               <a:rPr lang="en-US" smtClean="0"/>
-              <a:t>7/14/2025</a:t>
+              <a:t>7/21/2025</a:t>
             </a:fld>
             <a:endParaRPr lang="en-US"/>
           </a:p>
@@ -29588,7 +27294,7 @@
           <a:p>
             <a:fld id="{5BCAD085-E8A6-8845-BD4E-CB4CCA059FC4}" type="datetimeFigureOut">
               <a:rPr lang="en-US" smtClean="0"/>
-              <a:t>7/14/2025</a:t>
+              <a:t>7/21/2025</a:t>
             </a:fld>
             <a:endParaRPr lang="en-US"/>
           </a:p>
@@ -29799,7 +27505,7 @@
           <a:p>
             <a:fld id="{5BCAD085-E8A6-8845-BD4E-CB4CCA059FC4}" type="datetimeFigureOut">
               <a:rPr lang="en-US" smtClean="0"/>
-              <a:t>7/14/2025</a:t>
+              <a:t>7/21/2025</a:t>
             </a:fld>
             <a:endParaRPr lang="en-US"/>
           </a:p>
@@ -30270,6 +27976,140 @@
   <p:clrMapOvr>
     <a:masterClrMapping/>
   </p:clrMapOvr>
+  <p:timing>
+    <p:tnLst>
+      <p:par>
+        <p:cTn id="1" dur="indefinite" restart="never" nodeType="tmRoot">
+          <p:childTnLst>
+            <p:seq concurrent="1" nextAc="seek">
+              <p:cTn id="2" dur="indefinite" nodeType="mainSeq">
+                <p:childTnLst>
+                  <p:par>
+                    <p:cTn id="3" fill="hold">
+                      <p:stCondLst>
+                        <p:cond delay="indefinite"/>
+                      </p:stCondLst>
+                      <p:childTnLst>
+                        <p:par>
+                          <p:cTn id="4" fill="hold">
+                            <p:stCondLst>
+                              <p:cond delay="0"/>
+                            </p:stCondLst>
+                            <p:childTnLst>
+                              <p:par>
+                                <p:cTn id="5" presetID="1" presetClass="entr" presetSubtype="0" fill="hold" grpId="0" nodeType="clickEffect">
+                                  <p:stCondLst>
+                                    <p:cond delay="0"/>
+                                  </p:stCondLst>
+                                  <p:childTnLst>
+                                    <p:set>
+                                      <p:cBhvr>
+                                        <p:cTn id="6" dur="1" fill="hold">
+                                          <p:stCondLst>
+                                            <p:cond delay="0"/>
+                                          </p:stCondLst>
+                                        </p:cTn>
+                                        <p:tgtEl>
+                                          <p:spTgt spid="2"/>
+                                        </p:tgtEl>
+                                        <p:attrNameLst>
+                                          <p:attrName>style.visibility</p:attrName>
+                                        </p:attrNameLst>
+                                      </p:cBhvr>
+                                      <p:to>
+                                        <p:strVal val="visible"/>
+                                      </p:to>
+                                    </p:set>
+                                  </p:childTnLst>
+                                </p:cTn>
+                              </p:par>
+                            </p:childTnLst>
+                          </p:cTn>
+                        </p:par>
+                      </p:childTnLst>
+                    </p:cTn>
+                  </p:par>
+                  <p:par>
+                    <p:cTn id="7" fill="hold">
+                      <p:stCondLst>
+                        <p:cond delay="indefinite"/>
+                      </p:stCondLst>
+                      <p:childTnLst>
+                        <p:par>
+                          <p:cTn id="8" fill="hold">
+                            <p:stCondLst>
+                              <p:cond delay="0"/>
+                            </p:stCondLst>
+                            <p:childTnLst>
+                              <p:par>
+                                <p:cTn id="9" presetID="10" presetClass="entr" presetSubtype="0" fill="hold" grpId="0" nodeType="clickEffect">
+                                  <p:stCondLst>
+                                    <p:cond delay="0"/>
+                                  </p:stCondLst>
+                                  <p:childTnLst>
+                                    <p:set>
+                                      <p:cBhvr>
+                                        <p:cTn id="10" dur="1" fill="hold">
+                                          <p:stCondLst>
+                                            <p:cond delay="0"/>
+                                          </p:stCondLst>
+                                        </p:cTn>
+                                        <p:tgtEl>
+                                          <p:spTgt spid="7"/>
+                                        </p:tgtEl>
+                                        <p:attrNameLst>
+                                          <p:attrName>style.visibility</p:attrName>
+                                        </p:attrNameLst>
+                                      </p:cBhvr>
+                                      <p:to>
+                                        <p:strVal val="visible"/>
+                                      </p:to>
+                                    </p:set>
+                                    <p:animEffect transition="in" filter="fade">
+                                      <p:cBhvr>
+                                        <p:cTn id="11" dur="500"/>
+                                        <p:tgtEl>
+                                          <p:spTgt spid="7"/>
+                                        </p:tgtEl>
+                                      </p:cBhvr>
+                                    </p:animEffect>
+                                  </p:childTnLst>
+                                </p:cTn>
+                              </p:par>
+                            </p:childTnLst>
+                          </p:cTn>
+                        </p:par>
+                      </p:childTnLst>
+                    </p:cTn>
+                  </p:par>
+                </p:childTnLst>
+              </p:cTn>
+              <p:prevCondLst>
+                <p:cond evt="onPrev" delay="0">
+                  <p:tgtEl>
+                    <p:sldTgt/>
+                  </p:tgtEl>
+                </p:cond>
+              </p:prevCondLst>
+              <p:nextCondLst>
+                <p:cond evt="onNext" delay="0">
+                  <p:tgtEl>
+                    <p:sldTgt/>
+                  </p:tgtEl>
+                </p:cond>
+              </p:nextCondLst>
+            </p:seq>
+          </p:childTnLst>
+        </p:cTn>
+      </p:par>
+    </p:tnLst>
+    <p:bldLst>
+      <p:bldP spid="2" grpId="0" animBg="1"/>
+      <p:bldGraphic spid="7" grpId="0">
+        <p:bldAsOne/>
+      </p:bldGraphic>
+    </p:bldLst>
+  </p:timing>
 </p:sld>
 </file>
 
@@ -30402,7 +28242,7 @@
               </a:defRPr>
             </a:pPr>
             <a:r>
-              <a:rPr lang="es-AR" sz="4500"/>
+              <a:rPr lang="es-AR" sz="4500" dirty="0"/>
               <a:t>Introducción</a:t>
             </a:r>
           </a:p>
@@ -30444,6 +28284,140 @@
   <p:clrMapOvr>
     <a:masterClrMapping/>
   </p:clrMapOvr>
+  <p:timing>
+    <p:tnLst>
+      <p:par>
+        <p:cTn id="1" dur="indefinite" restart="never" nodeType="tmRoot">
+          <p:childTnLst>
+            <p:seq concurrent="1" nextAc="seek">
+              <p:cTn id="2" dur="indefinite" nodeType="mainSeq">
+                <p:childTnLst>
+                  <p:par>
+                    <p:cTn id="3" fill="hold">
+                      <p:stCondLst>
+                        <p:cond delay="indefinite"/>
+                      </p:stCondLst>
+                      <p:childTnLst>
+                        <p:par>
+                          <p:cTn id="4" fill="hold">
+                            <p:stCondLst>
+                              <p:cond delay="0"/>
+                            </p:stCondLst>
+                            <p:childTnLst>
+                              <p:par>
+                                <p:cTn id="5" presetID="1" presetClass="entr" presetSubtype="0" fill="hold" grpId="0" nodeType="clickEffect">
+                                  <p:stCondLst>
+                                    <p:cond delay="0"/>
+                                  </p:stCondLst>
+                                  <p:childTnLst>
+                                    <p:set>
+                                      <p:cBhvr>
+                                        <p:cTn id="6" dur="1" fill="hold">
+                                          <p:stCondLst>
+                                            <p:cond delay="0"/>
+                                          </p:stCondLst>
+                                        </p:cTn>
+                                        <p:tgtEl>
+                                          <p:spTgt spid="2"/>
+                                        </p:tgtEl>
+                                        <p:attrNameLst>
+                                          <p:attrName>style.visibility</p:attrName>
+                                        </p:attrNameLst>
+                                      </p:cBhvr>
+                                      <p:to>
+                                        <p:strVal val="visible"/>
+                                      </p:to>
+                                    </p:set>
+                                  </p:childTnLst>
+                                </p:cTn>
+                              </p:par>
+                            </p:childTnLst>
+                          </p:cTn>
+                        </p:par>
+                      </p:childTnLst>
+                    </p:cTn>
+                  </p:par>
+                  <p:par>
+                    <p:cTn id="7" fill="hold">
+                      <p:stCondLst>
+                        <p:cond delay="indefinite"/>
+                      </p:stCondLst>
+                      <p:childTnLst>
+                        <p:par>
+                          <p:cTn id="8" fill="hold">
+                            <p:stCondLst>
+                              <p:cond delay="0"/>
+                            </p:stCondLst>
+                            <p:childTnLst>
+                              <p:par>
+                                <p:cTn id="9" presetID="10" presetClass="entr" presetSubtype="0" fill="hold" grpId="0" nodeType="clickEffect">
+                                  <p:stCondLst>
+                                    <p:cond delay="0"/>
+                                  </p:stCondLst>
+                                  <p:childTnLst>
+                                    <p:set>
+                                      <p:cBhvr>
+                                        <p:cTn id="10" dur="1" fill="hold">
+                                          <p:stCondLst>
+                                            <p:cond delay="0"/>
+                                          </p:stCondLst>
+                                        </p:cTn>
+                                        <p:tgtEl>
+                                          <p:spTgt spid="17"/>
+                                        </p:tgtEl>
+                                        <p:attrNameLst>
+                                          <p:attrName>style.visibility</p:attrName>
+                                        </p:attrNameLst>
+                                      </p:cBhvr>
+                                      <p:to>
+                                        <p:strVal val="visible"/>
+                                      </p:to>
+                                    </p:set>
+                                    <p:animEffect transition="in" filter="fade">
+                                      <p:cBhvr>
+                                        <p:cTn id="11" dur="500"/>
+                                        <p:tgtEl>
+                                          <p:spTgt spid="17"/>
+                                        </p:tgtEl>
+                                      </p:cBhvr>
+                                    </p:animEffect>
+                                  </p:childTnLst>
+                                </p:cTn>
+                              </p:par>
+                            </p:childTnLst>
+                          </p:cTn>
+                        </p:par>
+                      </p:childTnLst>
+                    </p:cTn>
+                  </p:par>
+                </p:childTnLst>
+              </p:cTn>
+              <p:prevCondLst>
+                <p:cond evt="onPrev" delay="0">
+                  <p:tgtEl>
+                    <p:sldTgt/>
+                  </p:tgtEl>
+                </p:cond>
+              </p:prevCondLst>
+              <p:nextCondLst>
+                <p:cond evt="onNext" delay="0">
+                  <p:tgtEl>
+                    <p:sldTgt/>
+                  </p:tgtEl>
+                </p:cond>
+              </p:nextCondLst>
+            </p:seq>
+          </p:childTnLst>
+        </p:cTn>
+      </p:par>
+    </p:tnLst>
+    <p:bldLst>
+      <p:bldP spid="2" grpId="0" animBg="1"/>
+      <p:bldGraphic spid="17" grpId="0">
+        <p:bldAsOne/>
+      </p:bldGraphic>
+    </p:bldLst>
+  </p:timing>
 </p:sld>
 </file>
 
@@ -30576,7 +28550,7 @@
               </a:defRPr>
             </a:pPr>
             <a:r>
-              <a:rPr lang="es-AR" sz="4500"/>
+              <a:rPr lang="es-AR" sz="4500" dirty="0"/>
               <a:t>Marco Teórico</a:t>
             </a:r>
           </a:p>
@@ -30618,6 +28592,140 @@
   <p:clrMapOvr>
     <a:masterClrMapping/>
   </p:clrMapOvr>
+  <p:timing>
+    <p:tnLst>
+      <p:par>
+        <p:cTn id="1" dur="indefinite" restart="never" nodeType="tmRoot">
+          <p:childTnLst>
+            <p:seq concurrent="1" nextAc="seek">
+              <p:cTn id="2" dur="indefinite" nodeType="mainSeq">
+                <p:childTnLst>
+                  <p:par>
+                    <p:cTn id="3" fill="hold">
+                      <p:stCondLst>
+                        <p:cond delay="indefinite"/>
+                      </p:stCondLst>
+                      <p:childTnLst>
+                        <p:par>
+                          <p:cTn id="4" fill="hold">
+                            <p:stCondLst>
+                              <p:cond delay="0"/>
+                            </p:stCondLst>
+                            <p:childTnLst>
+                              <p:par>
+                                <p:cTn id="5" presetID="1" presetClass="entr" presetSubtype="0" fill="hold" grpId="0" nodeType="clickEffect">
+                                  <p:stCondLst>
+                                    <p:cond delay="0"/>
+                                  </p:stCondLst>
+                                  <p:childTnLst>
+                                    <p:set>
+                                      <p:cBhvr>
+                                        <p:cTn id="6" dur="1" fill="hold">
+                                          <p:stCondLst>
+                                            <p:cond delay="0"/>
+                                          </p:stCondLst>
+                                        </p:cTn>
+                                        <p:tgtEl>
+                                          <p:spTgt spid="2"/>
+                                        </p:tgtEl>
+                                        <p:attrNameLst>
+                                          <p:attrName>style.visibility</p:attrName>
+                                        </p:attrNameLst>
+                                      </p:cBhvr>
+                                      <p:to>
+                                        <p:strVal val="visible"/>
+                                      </p:to>
+                                    </p:set>
+                                  </p:childTnLst>
+                                </p:cTn>
+                              </p:par>
+                            </p:childTnLst>
+                          </p:cTn>
+                        </p:par>
+                      </p:childTnLst>
+                    </p:cTn>
+                  </p:par>
+                  <p:par>
+                    <p:cTn id="7" fill="hold">
+                      <p:stCondLst>
+                        <p:cond delay="indefinite"/>
+                      </p:stCondLst>
+                      <p:childTnLst>
+                        <p:par>
+                          <p:cTn id="8" fill="hold">
+                            <p:stCondLst>
+                              <p:cond delay="0"/>
+                            </p:stCondLst>
+                            <p:childTnLst>
+                              <p:par>
+                                <p:cTn id="9" presetID="10" presetClass="entr" presetSubtype="0" fill="hold" grpId="0" nodeType="clickEffect">
+                                  <p:stCondLst>
+                                    <p:cond delay="0"/>
+                                  </p:stCondLst>
+                                  <p:childTnLst>
+                                    <p:set>
+                                      <p:cBhvr>
+                                        <p:cTn id="10" dur="1" fill="hold">
+                                          <p:stCondLst>
+                                            <p:cond delay="0"/>
+                                          </p:stCondLst>
+                                        </p:cTn>
+                                        <p:tgtEl>
+                                          <p:spTgt spid="5"/>
+                                        </p:tgtEl>
+                                        <p:attrNameLst>
+                                          <p:attrName>style.visibility</p:attrName>
+                                        </p:attrNameLst>
+                                      </p:cBhvr>
+                                      <p:to>
+                                        <p:strVal val="visible"/>
+                                      </p:to>
+                                    </p:set>
+                                    <p:animEffect transition="in" filter="fade">
+                                      <p:cBhvr>
+                                        <p:cTn id="11" dur="500"/>
+                                        <p:tgtEl>
+                                          <p:spTgt spid="5"/>
+                                        </p:tgtEl>
+                                      </p:cBhvr>
+                                    </p:animEffect>
+                                  </p:childTnLst>
+                                </p:cTn>
+                              </p:par>
+                            </p:childTnLst>
+                          </p:cTn>
+                        </p:par>
+                      </p:childTnLst>
+                    </p:cTn>
+                  </p:par>
+                </p:childTnLst>
+              </p:cTn>
+              <p:prevCondLst>
+                <p:cond evt="onPrev" delay="0">
+                  <p:tgtEl>
+                    <p:sldTgt/>
+                  </p:tgtEl>
+                </p:cond>
+              </p:prevCondLst>
+              <p:nextCondLst>
+                <p:cond evt="onNext" delay="0">
+                  <p:tgtEl>
+                    <p:sldTgt/>
+                  </p:tgtEl>
+                </p:cond>
+              </p:nextCondLst>
+            </p:seq>
+          </p:childTnLst>
+        </p:cTn>
+      </p:par>
+    </p:tnLst>
+    <p:bldLst>
+      <p:bldP spid="2" grpId="0" animBg="1"/>
+      <p:bldGraphic spid="5" grpId="0">
+        <p:bldAsOne/>
+      </p:bldGraphic>
+    </p:bldLst>
+  </p:timing>
 </p:sld>
 </file>
 
@@ -30766,10 +28874,9 @@
               </a:defRPr>
             </a:pPr>
             <a:r>
-              <a:rPr lang="es-AR" sz="3500"/>
+              <a:rPr lang="es-AR" sz="3500" dirty="0"/>
               <a:t>Funcionamiento del Caso Práctico</a:t>
             </a:r>
-            <a:endParaRPr lang="es-AR" sz="3500" dirty="0"/>
           </a:p>
         </p:txBody>
       </p:sp>
@@ -31101,10 +29208,10 @@
       </p:sp>
       <p:pic>
         <p:nvPicPr>
-          <p:cNvPr id="6" name="Imagen 5">
+          <p:cNvPr id="3" name="Imagen 2" descr="Texto&#10;&#10;El contenido generado por IA puede ser incorrecto.">
             <a:extLst>
               <a:ext uri="{FF2B5EF4-FFF2-40B4-BE49-F238E27FC236}">
-                <a16:creationId xmlns:a16="http://schemas.microsoft.com/office/drawing/2014/main" id="{F9DB52CC-2E72-E551-0370-D381705A428B}"/>
+                <a16:creationId xmlns:a16="http://schemas.microsoft.com/office/drawing/2014/main" id="{3702C7FF-FA3F-C740-1EDA-42838A96CA3F}"/>
               </a:ext>
             </a:extLst>
           </p:cNvPr>
@@ -31121,8 +29228,8 @@
         </p:blipFill>
         <p:spPr>
           <a:xfrm>
-            <a:off x="4922841" y="100572"/>
-            <a:ext cx="4179022" cy="6656832"/>
+            <a:off x="4950341" y="132565"/>
+            <a:ext cx="4051927" cy="6592846"/>
           </a:xfrm>
           <a:prstGeom prst="rect">
             <a:avLst/>
@@ -31134,6 +29241,140 @@
   <p:clrMapOvr>
     <a:masterClrMapping/>
   </p:clrMapOvr>
+  <p:timing>
+    <p:tnLst>
+      <p:par>
+        <p:cTn id="1" dur="indefinite" restart="never" nodeType="tmRoot">
+          <p:childTnLst>
+            <p:seq concurrent="1" nextAc="seek">
+              <p:cTn id="2" dur="indefinite" nodeType="mainSeq">
+                <p:childTnLst>
+                  <p:par>
+                    <p:cTn id="3" fill="hold">
+                      <p:stCondLst>
+                        <p:cond delay="indefinite"/>
+                      </p:stCondLst>
+                      <p:childTnLst>
+                        <p:par>
+                          <p:cTn id="4" fill="hold">
+                            <p:stCondLst>
+                              <p:cond delay="0"/>
+                            </p:stCondLst>
+                            <p:childTnLst>
+                              <p:par>
+                                <p:cTn id="5" presetID="1" presetClass="entr" presetSubtype="0" fill="hold" grpId="0" nodeType="clickEffect">
+                                  <p:stCondLst>
+                                    <p:cond delay="0"/>
+                                  </p:stCondLst>
+                                  <p:childTnLst>
+                                    <p:set>
+                                      <p:cBhvr>
+                                        <p:cTn id="6" dur="1" fill="hold">
+                                          <p:stCondLst>
+                                            <p:cond delay="0"/>
+                                          </p:stCondLst>
+                                        </p:cTn>
+                                        <p:tgtEl>
+                                          <p:spTgt spid="2"/>
+                                        </p:tgtEl>
+                                        <p:attrNameLst>
+                                          <p:attrName>style.visibility</p:attrName>
+                                        </p:attrNameLst>
+                                      </p:cBhvr>
+                                      <p:to>
+                                        <p:strVal val="visible"/>
+                                      </p:to>
+                                    </p:set>
+                                  </p:childTnLst>
+                                </p:cTn>
+                              </p:par>
+                            </p:childTnLst>
+                          </p:cTn>
+                        </p:par>
+                      </p:childTnLst>
+                    </p:cTn>
+                  </p:par>
+                  <p:par>
+                    <p:cTn id="7" fill="hold">
+                      <p:stCondLst>
+                        <p:cond delay="indefinite"/>
+                      </p:stCondLst>
+                      <p:childTnLst>
+                        <p:par>
+                          <p:cTn id="8" fill="hold">
+                            <p:stCondLst>
+                              <p:cond delay="0"/>
+                            </p:stCondLst>
+                            <p:childTnLst>
+                              <p:par>
+                                <p:cTn id="9" presetID="10" presetClass="entr" presetSubtype="0" fill="hold" grpId="0" nodeType="clickEffect">
+                                  <p:stCondLst>
+                                    <p:cond delay="0"/>
+                                  </p:stCondLst>
+                                  <p:childTnLst>
+                                    <p:set>
+                                      <p:cBhvr>
+                                        <p:cTn id="10" dur="1" fill="hold">
+                                          <p:stCondLst>
+                                            <p:cond delay="0"/>
+                                          </p:stCondLst>
+                                        </p:cTn>
+                                        <p:tgtEl>
+                                          <p:spTgt spid="26"/>
+                                        </p:tgtEl>
+                                        <p:attrNameLst>
+                                          <p:attrName>style.visibility</p:attrName>
+                                        </p:attrNameLst>
+                                      </p:cBhvr>
+                                      <p:to>
+                                        <p:strVal val="visible"/>
+                                      </p:to>
+                                    </p:set>
+                                    <p:animEffect transition="in" filter="fade">
+                                      <p:cBhvr>
+                                        <p:cTn id="11" dur="500"/>
+                                        <p:tgtEl>
+                                          <p:spTgt spid="26"/>
+                                        </p:tgtEl>
+                                      </p:cBhvr>
+                                    </p:animEffect>
+                                  </p:childTnLst>
+                                </p:cTn>
+                              </p:par>
+                            </p:childTnLst>
+                          </p:cTn>
+                        </p:par>
+                      </p:childTnLst>
+                    </p:cTn>
+                  </p:par>
+                </p:childTnLst>
+              </p:cTn>
+              <p:prevCondLst>
+                <p:cond evt="onPrev" delay="0">
+                  <p:tgtEl>
+                    <p:sldTgt/>
+                  </p:tgtEl>
+                </p:cond>
+              </p:prevCondLst>
+              <p:nextCondLst>
+                <p:cond evt="onNext" delay="0">
+                  <p:tgtEl>
+                    <p:sldTgt/>
+                  </p:tgtEl>
+                </p:cond>
+              </p:nextCondLst>
+            </p:seq>
+          </p:childTnLst>
+        </p:cTn>
+      </p:par>
+    </p:tnLst>
+    <p:bldLst>
+      <p:bldP spid="2" grpId="0" animBg="1"/>
+      <p:bldGraphic spid="26" grpId="0">
+        <p:bldAsOne/>
+      </p:bldGraphic>
+    </p:bldLst>
+  </p:timing>
 </p:sld>
 </file>
 
@@ -31242,105 +29483,190 @@
   <p:clrMapOvr>
     <a:masterClrMapping/>
   </p:clrMapOvr>
+  <p:timing>
+    <p:tnLst>
+      <p:par>
+        <p:cTn id="1" dur="indefinite" restart="never" nodeType="tmRoot">
+          <p:childTnLst>
+            <p:seq concurrent="1" nextAc="seek">
+              <p:cTn id="2" dur="indefinite" nodeType="mainSeq">
+                <p:childTnLst>
+                  <p:par>
+                    <p:cTn id="3" fill="hold">
+                      <p:stCondLst>
+                        <p:cond delay="indefinite"/>
+                      </p:stCondLst>
+                      <p:childTnLst>
+                        <p:par>
+                          <p:cTn id="4" fill="hold">
+                            <p:stCondLst>
+                              <p:cond delay="0"/>
+                            </p:stCondLst>
+                            <p:childTnLst>
+                              <p:par>
+                                <p:cTn id="5" presetID="1" presetClass="entr" presetSubtype="0" fill="hold" grpId="0" nodeType="clickEffect">
+                                  <p:stCondLst>
+                                    <p:cond delay="0"/>
+                                  </p:stCondLst>
+                                  <p:childTnLst>
+                                    <p:set>
+                                      <p:cBhvr>
+                                        <p:cTn id="6" dur="1" fill="hold">
+                                          <p:stCondLst>
+                                            <p:cond delay="0"/>
+                                          </p:stCondLst>
+                                        </p:cTn>
+                                        <p:tgtEl>
+                                          <p:spTgt spid="2"/>
+                                        </p:tgtEl>
+                                        <p:attrNameLst>
+                                          <p:attrName>style.visibility</p:attrName>
+                                        </p:attrNameLst>
+                                      </p:cBhvr>
+                                      <p:to>
+                                        <p:strVal val="visible"/>
+                                      </p:to>
+                                    </p:set>
+                                  </p:childTnLst>
+                                </p:cTn>
+                              </p:par>
+                            </p:childTnLst>
+                          </p:cTn>
+                        </p:par>
+                      </p:childTnLst>
+                    </p:cTn>
+                  </p:par>
+                  <p:par>
+                    <p:cTn id="7" fill="hold">
+                      <p:stCondLst>
+                        <p:cond delay="indefinite"/>
+                      </p:stCondLst>
+                      <p:childTnLst>
+                        <p:par>
+                          <p:cTn id="8" fill="hold">
+                            <p:stCondLst>
+                              <p:cond delay="0"/>
+                            </p:stCondLst>
+                            <p:childTnLst>
+                              <p:par>
+                                <p:cTn id="9" presetID="42" presetClass="entr" presetSubtype="0" fill="hold" grpId="0" nodeType="clickEffect">
+                                  <p:stCondLst>
+                                    <p:cond delay="0"/>
+                                  </p:stCondLst>
+                                  <p:childTnLst>
+                                    <p:set>
+                                      <p:cBhvr>
+                                        <p:cTn id="10" dur="1" fill="hold">
+                                          <p:stCondLst>
+                                            <p:cond delay="0"/>
+                                          </p:stCondLst>
+                                        </p:cTn>
+                                        <p:tgtEl>
+                                          <p:spTgt spid="7"/>
+                                        </p:tgtEl>
+                                        <p:attrNameLst>
+                                          <p:attrName>style.visibility</p:attrName>
+                                        </p:attrNameLst>
+                                      </p:cBhvr>
+                                      <p:to>
+                                        <p:strVal val="visible"/>
+                                      </p:to>
+                                    </p:set>
+                                    <p:animEffect transition="in" filter="fade">
+                                      <p:cBhvr>
+                                        <p:cTn id="11" dur="1000"/>
+                                        <p:tgtEl>
+                                          <p:spTgt spid="7"/>
+                                        </p:tgtEl>
+                                      </p:cBhvr>
+                                    </p:animEffect>
+                                    <p:anim calcmode="lin" valueType="num">
+                                      <p:cBhvr>
+                                        <p:cTn id="12" dur="1000" fill="hold"/>
+                                        <p:tgtEl>
+                                          <p:spTgt spid="7"/>
+                                        </p:tgtEl>
+                                        <p:attrNameLst>
+                                          <p:attrName>ppt_x</p:attrName>
+                                        </p:attrNameLst>
+                                      </p:cBhvr>
+                                      <p:tavLst>
+                                        <p:tav tm="0">
+                                          <p:val>
+                                            <p:strVal val="#ppt_x"/>
+                                          </p:val>
+                                        </p:tav>
+                                        <p:tav tm="100000">
+                                          <p:val>
+                                            <p:strVal val="#ppt_x"/>
+                                          </p:val>
+                                        </p:tav>
+                                      </p:tavLst>
+                                    </p:anim>
+                                    <p:anim calcmode="lin" valueType="num">
+                                      <p:cBhvr>
+                                        <p:cTn id="13" dur="1000" fill="hold"/>
+                                        <p:tgtEl>
+                                          <p:spTgt spid="7"/>
+                                        </p:tgtEl>
+                                        <p:attrNameLst>
+                                          <p:attrName>ppt_y</p:attrName>
+                                        </p:attrNameLst>
+                                      </p:cBhvr>
+                                      <p:tavLst>
+                                        <p:tav tm="0">
+                                          <p:val>
+                                            <p:strVal val="#ppt_y+.1"/>
+                                          </p:val>
+                                        </p:tav>
+                                        <p:tav tm="100000">
+                                          <p:val>
+                                            <p:strVal val="#ppt_y"/>
+                                          </p:val>
+                                        </p:tav>
+                                      </p:tavLst>
+                                    </p:anim>
+                                  </p:childTnLst>
+                                </p:cTn>
+                              </p:par>
+                            </p:childTnLst>
+                          </p:cTn>
+                        </p:par>
+                      </p:childTnLst>
+                    </p:cTn>
+                  </p:par>
+                </p:childTnLst>
+              </p:cTn>
+              <p:prevCondLst>
+                <p:cond evt="onPrev" delay="0">
+                  <p:tgtEl>
+                    <p:sldTgt/>
+                  </p:tgtEl>
+                </p:cond>
+              </p:prevCondLst>
+              <p:nextCondLst>
+                <p:cond evt="onNext" delay="0">
+                  <p:tgtEl>
+                    <p:sldTgt/>
+                  </p:tgtEl>
+                </p:cond>
+              </p:nextCondLst>
+            </p:seq>
+          </p:childTnLst>
+        </p:cTn>
+      </p:par>
+    </p:tnLst>
+    <p:bldLst>
+      <p:bldP spid="2" grpId="0" animBg="1"/>
+      <p:bldGraphic spid="7" grpId="0">
+        <p:bldAsOne/>
+      </p:bldGraphic>
+    </p:bldLst>
+  </p:timing>
 </p:sld>
 </file>
 
 <file path=ppt/slides/slide6.xml><?xml version="1.0" encoding="utf-8"?>
-<p:sld xmlns:a="http://schemas.openxmlformats.org/drawingml/2006/main" xmlns:r="http://schemas.openxmlformats.org/officeDocument/2006/relationships" xmlns:p="http://schemas.openxmlformats.org/presentationml/2006/main">
-  <p:cSld>
-    <p:spTree>
-      <p:nvGrpSpPr>
-        <p:cNvPr id="1" name=""/>
-        <p:cNvGrpSpPr/>
-        <p:nvPr/>
-      </p:nvGrpSpPr>
-      <p:grpSpPr>
-        <a:xfrm>
-          <a:off x="0" y="0"/>
-          <a:ext cx="0" cy="0"/>
-          <a:chOff x="0" y="0"/>
-          <a:chExt cx="0" cy="0"/>
-        </a:xfrm>
-      </p:grpSpPr>
-      <p:sp>
-        <p:nvSpPr>
-          <p:cNvPr id="2" name="Title 1"/>
-          <p:cNvSpPr>
-            <a:spLocks noGrp="1"/>
-          </p:cNvSpPr>
-          <p:nvPr>
-            <p:ph type="title"/>
-          </p:nvPr>
-        </p:nvSpPr>
-        <p:spPr/>
-        <p:style>
-          <a:lnRef idx="1">
-            <a:schemeClr val="accent5"/>
-          </a:lnRef>
-          <a:fillRef idx="2">
-            <a:schemeClr val="accent5"/>
-          </a:fillRef>
-          <a:effectRef idx="1">
-            <a:schemeClr val="accent5"/>
-          </a:effectRef>
-          <a:fontRef idx="minor">
-            <a:schemeClr val="dk1"/>
-          </a:fontRef>
-        </p:style>
-        <p:txBody>
-          <a:bodyPr/>
-          <a:lstStyle/>
-          <a:p>
-            <a:pPr>
-              <a:defRPr sz="3200" b="1">
-                <a:solidFill>
-                  <a:srgbClr val="003366"/>
-                </a:solidFill>
-              </a:defRPr>
-            </a:pPr>
-            <a:r>
-              <a:rPr lang="es-AR"/>
-              <a:t>Decisiones de Diseño</a:t>
-            </a:r>
-            <a:endParaRPr lang="es-AR" dirty="0"/>
-          </a:p>
-        </p:txBody>
-      </p:sp>
-      <p:graphicFrame>
-        <p:nvGraphicFramePr>
-          <p:cNvPr id="17" name="Content Placeholder 2">
-            <a:extLst>
-              <a:ext uri="{FF2B5EF4-FFF2-40B4-BE49-F238E27FC236}">
-                <a16:creationId xmlns:a16="http://schemas.microsoft.com/office/drawing/2014/main" id="{3B57EC6A-C52B-6BD8-D04D-19929E66A371}"/>
-              </a:ext>
-            </a:extLst>
-          </p:cNvPr>
-          <p:cNvGraphicFramePr>
-            <a:graphicFrameLocks noGrp="1"/>
-          </p:cNvGraphicFramePr>
-          <p:nvPr>
-            <p:ph idx="1"/>
-          </p:nvPr>
-        </p:nvGraphicFramePr>
-        <p:xfrm>
-          <a:off x="457200" y="1600200"/>
-          <a:ext cx="8229600" cy="4525963"/>
-        </p:xfrm>
-        <a:graphic>
-          <a:graphicData uri="http://schemas.openxmlformats.org/drawingml/2006/diagram">
-            <dgm:relIds xmlns:dgm="http://schemas.openxmlformats.org/drawingml/2006/diagram" xmlns:r="http://schemas.openxmlformats.org/officeDocument/2006/relationships" r:dm="rId2" r:lo="rId3" r:qs="rId4" r:cs="rId5"/>
-          </a:graphicData>
-        </a:graphic>
-      </p:graphicFrame>
-    </p:spTree>
-  </p:cSld>
-  <p:clrMapOvr>
-    <a:masterClrMapping/>
-  </p:clrMapOvr>
-</p:sld>
-</file>
-
-<file path=ppt/slides/slide7.xml><?xml version="1.0" encoding="utf-8"?>
 <p:sld xmlns:a="http://schemas.openxmlformats.org/drawingml/2006/main" xmlns:r="http://schemas.openxmlformats.org/officeDocument/2006/relationships" xmlns:p="http://schemas.openxmlformats.org/presentationml/2006/main">
   <p:cSld>
     <p:spTree>
@@ -31415,6 +29741,11 @@
           </p:cNvGraphicFramePr>
           <p:nvPr>
             <p:ph idx="1"/>
+            <p:extLst>
+              <p:ext uri="{D42A27DB-BD31-4B8C-83A1-F6EECF244321}">
+                <p14:modId xmlns:p14="http://schemas.microsoft.com/office/powerpoint/2010/main" val="1569544017"/>
+              </p:ext>
+            </p:extLst>
           </p:nvPr>
         </p:nvGraphicFramePr>
         <p:xfrm>
@@ -31427,15 +29758,316 @@
           </a:graphicData>
         </a:graphic>
       </p:graphicFrame>
+      <p:pic>
+        <p:nvPicPr>
+          <p:cNvPr id="4" name="Imagen 3">
+            <a:extLst>
+              <a:ext uri="{FF2B5EF4-FFF2-40B4-BE49-F238E27FC236}">
+                <a16:creationId xmlns:a16="http://schemas.microsoft.com/office/drawing/2014/main" id="{059C61B0-C603-D66D-EBEC-4EC6DC151F20}"/>
+              </a:ext>
+            </a:extLst>
+          </p:cNvPr>
+          <p:cNvPicPr>
+            <a:picLocks noChangeAspect="1"/>
+          </p:cNvPicPr>
+          <p:nvPr/>
+        </p:nvPicPr>
+        <p:blipFill>
+          <a:blip r:embed="rId7"/>
+          <a:stretch>
+            <a:fillRect/>
+          </a:stretch>
+        </p:blipFill>
+        <p:spPr>
+          <a:xfrm>
+            <a:off x="2212617" y="3708918"/>
+            <a:ext cx="5322269" cy="2078916"/>
+          </a:xfrm>
+          <a:prstGeom prst="rect">
+            <a:avLst/>
+          </a:prstGeom>
+        </p:spPr>
+      </p:pic>
     </p:spTree>
   </p:cSld>
   <p:clrMapOvr>
     <a:masterClrMapping/>
   </p:clrMapOvr>
+  <p:timing>
+    <p:tnLst>
+      <p:par>
+        <p:cTn id="1" dur="indefinite" restart="never" nodeType="tmRoot">
+          <p:childTnLst>
+            <p:seq concurrent="1" nextAc="seek">
+              <p:cTn id="2" dur="indefinite" nodeType="mainSeq">
+                <p:childTnLst>
+                  <p:par>
+                    <p:cTn id="3" fill="hold">
+                      <p:stCondLst>
+                        <p:cond delay="indefinite"/>
+                      </p:stCondLst>
+                      <p:childTnLst>
+                        <p:par>
+                          <p:cTn id="4" fill="hold">
+                            <p:stCondLst>
+                              <p:cond delay="0"/>
+                            </p:stCondLst>
+                            <p:childTnLst>
+                              <p:par>
+                                <p:cTn id="5" presetID="1" presetClass="entr" presetSubtype="0" fill="hold" grpId="0" nodeType="clickEffect">
+                                  <p:stCondLst>
+                                    <p:cond delay="0"/>
+                                  </p:stCondLst>
+                                  <p:childTnLst>
+                                    <p:set>
+                                      <p:cBhvr>
+                                        <p:cTn id="6" dur="1" fill="hold">
+                                          <p:stCondLst>
+                                            <p:cond delay="0"/>
+                                          </p:stCondLst>
+                                        </p:cTn>
+                                        <p:tgtEl>
+                                          <p:spTgt spid="2"/>
+                                        </p:tgtEl>
+                                        <p:attrNameLst>
+                                          <p:attrName>style.visibility</p:attrName>
+                                        </p:attrNameLst>
+                                      </p:cBhvr>
+                                      <p:to>
+                                        <p:strVal val="visible"/>
+                                      </p:to>
+                                    </p:set>
+                                  </p:childTnLst>
+                                </p:cTn>
+                              </p:par>
+                            </p:childTnLst>
+                          </p:cTn>
+                        </p:par>
+                      </p:childTnLst>
+                    </p:cTn>
+                  </p:par>
+                  <p:par>
+                    <p:cTn id="7" fill="hold">
+                      <p:stCondLst>
+                        <p:cond delay="indefinite"/>
+                      </p:stCondLst>
+                      <p:childTnLst>
+                        <p:par>
+                          <p:cTn id="8" fill="hold">
+                            <p:stCondLst>
+                              <p:cond delay="0"/>
+                            </p:stCondLst>
+                            <p:childTnLst>
+                              <p:par>
+                                <p:cTn id="9" presetID="42" presetClass="entr" presetSubtype="0" fill="hold" grpId="0" nodeType="clickEffect">
+                                  <p:stCondLst>
+                                    <p:cond delay="0"/>
+                                  </p:stCondLst>
+                                  <p:childTnLst>
+                                    <p:set>
+                                      <p:cBhvr>
+                                        <p:cTn id="10" dur="1" fill="hold">
+                                          <p:stCondLst>
+                                            <p:cond delay="0"/>
+                                          </p:stCondLst>
+                                        </p:cTn>
+                                        <p:tgtEl>
+                                          <p:spTgt spid="17"/>
+                                        </p:tgtEl>
+                                        <p:attrNameLst>
+                                          <p:attrName>style.visibility</p:attrName>
+                                        </p:attrNameLst>
+                                      </p:cBhvr>
+                                      <p:to>
+                                        <p:strVal val="visible"/>
+                                      </p:to>
+                                    </p:set>
+                                    <p:animEffect transition="in" filter="fade">
+                                      <p:cBhvr>
+                                        <p:cTn id="11" dur="1000"/>
+                                        <p:tgtEl>
+                                          <p:spTgt spid="17"/>
+                                        </p:tgtEl>
+                                      </p:cBhvr>
+                                    </p:animEffect>
+                                    <p:anim calcmode="lin" valueType="num">
+                                      <p:cBhvr>
+                                        <p:cTn id="12" dur="1000" fill="hold"/>
+                                        <p:tgtEl>
+                                          <p:spTgt spid="17"/>
+                                        </p:tgtEl>
+                                        <p:attrNameLst>
+                                          <p:attrName>ppt_x</p:attrName>
+                                        </p:attrNameLst>
+                                      </p:cBhvr>
+                                      <p:tavLst>
+                                        <p:tav tm="0">
+                                          <p:val>
+                                            <p:strVal val="#ppt_x"/>
+                                          </p:val>
+                                        </p:tav>
+                                        <p:tav tm="100000">
+                                          <p:val>
+                                            <p:strVal val="#ppt_x"/>
+                                          </p:val>
+                                        </p:tav>
+                                      </p:tavLst>
+                                    </p:anim>
+                                    <p:anim calcmode="lin" valueType="num">
+                                      <p:cBhvr>
+                                        <p:cTn id="13" dur="1000" fill="hold"/>
+                                        <p:tgtEl>
+                                          <p:spTgt spid="17"/>
+                                        </p:tgtEl>
+                                        <p:attrNameLst>
+                                          <p:attrName>ppt_y</p:attrName>
+                                        </p:attrNameLst>
+                                      </p:cBhvr>
+                                      <p:tavLst>
+                                        <p:tav tm="0">
+                                          <p:val>
+                                            <p:strVal val="#ppt_y+.1"/>
+                                          </p:val>
+                                        </p:tav>
+                                        <p:tav tm="100000">
+                                          <p:val>
+                                            <p:strVal val="#ppt_y"/>
+                                          </p:val>
+                                        </p:tav>
+                                      </p:tavLst>
+                                    </p:anim>
+                                  </p:childTnLst>
+                                </p:cTn>
+                              </p:par>
+                            </p:childTnLst>
+                          </p:cTn>
+                        </p:par>
+                      </p:childTnLst>
+                    </p:cTn>
+                  </p:par>
+                  <p:par>
+                    <p:cTn id="14" fill="hold">
+                      <p:stCondLst>
+                        <p:cond delay="indefinite"/>
+                      </p:stCondLst>
+                      <p:childTnLst>
+                        <p:par>
+                          <p:cTn id="15" fill="hold">
+                            <p:stCondLst>
+                              <p:cond delay="0"/>
+                            </p:stCondLst>
+                            <p:childTnLst>
+                              <p:par>
+                                <p:cTn id="16" presetID="2" presetClass="entr" presetSubtype="4" fill="hold" nodeType="clickEffect">
+                                  <p:stCondLst>
+                                    <p:cond delay="0"/>
+                                  </p:stCondLst>
+                                  <p:childTnLst>
+                                    <p:set>
+                                      <p:cBhvr>
+                                        <p:cTn id="17" dur="1" fill="hold">
+                                          <p:stCondLst>
+                                            <p:cond delay="0"/>
+                                          </p:stCondLst>
+                                        </p:cTn>
+                                        <p:tgtEl>
+                                          <p:spTgt spid="4"/>
+                                        </p:tgtEl>
+                                        <p:attrNameLst>
+                                          <p:attrName>style.visibility</p:attrName>
+                                        </p:attrNameLst>
+                                      </p:cBhvr>
+                                      <p:to>
+                                        <p:strVal val="visible"/>
+                                      </p:to>
+                                    </p:set>
+                                    <p:anim calcmode="lin" valueType="num">
+                                      <p:cBhvr additive="base">
+                                        <p:cTn id="18" dur="500" fill="hold"/>
+                                        <p:tgtEl>
+                                          <p:spTgt spid="4"/>
+                                        </p:tgtEl>
+                                        <p:attrNameLst>
+                                          <p:attrName>ppt_x</p:attrName>
+                                        </p:attrNameLst>
+                                      </p:cBhvr>
+                                      <p:tavLst>
+                                        <p:tav tm="0">
+                                          <p:val>
+                                            <p:strVal val="#ppt_x"/>
+                                          </p:val>
+                                        </p:tav>
+                                        <p:tav tm="100000">
+                                          <p:val>
+                                            <p:strVal val="#ppt_x"/>
+                                          </p:val>
+                                        </p:tav>
+                                      </p:tavLst>
+                                    </p:anim>
+                                    <p:anim calcmode="lin" valueType="num">
+                                      <p:cBhvr additive="base">
+                                        <p:cTn id="19" dur="500" fill="hold"/>
+                                        <p:tgtEl>
+                                          <p:spTgt spid="4"/>
+                                        </p:tgtEl>
+                                        <p:attrNameLst>
+                                          <p:attrName>ppt_y</p:attrName>
+                                        </p:attrNameLst>
+                                      </p:cBhvr>
+                                      <p:tavLst>
+                                        <p:tav tm="0">
+                                          <p:val>
+                                            <p:strVal val="1+#ppt_h/2"/>
+                                          </p:val>
+                                        </p:tav>
+                                        <p:tav tm="100000">
+                                          <p:val>
+                                            <p:strVal val="#ppt_y"/>
+                                          </p:val>
+                                        </p:tav>
+                                      </p:tavLst>
+                                    </p:anim>
+                                  </p:childTnLst>
+                                </p:cTn>
+                              </p:par>
+                            </p:childTnLst>
+                          </p:cTn>
+                        </p:par>
+                      </p:childTnLst>
+                    </p:cTn>
+                  </p:par>
+                </p:childTnLst>
+              </p:cTn>
+              <p:prevCondLst>
+                <p:cond evt="onPrev" delay="0">
+                  <p:tgtEl>
+                    <p:sldTgt/>
+                  </p:tgtEl>
+                </p:cond>
+              </p:prevCondLst>
+              <p:nextCondLst>
+                <p:cond evt="onNext" delay="0">
+                  <p:tgtEl>
+                    <p:sldTgt/>
+                  </p:tgtEl>
+                </p:cond>
+              </p:nextCondLst>
+            </p:seq>
+          </p:childTnLst>
+        </p:cTn>
+      </p:par>
+    </p:tnLst>
+    <p:bldLst>
+      <p:bldP spid="2" grpId="0" animBg="1"/>
+      <p:bldGraphic spid="17" grpId="0">
+        <p:bldAsOne/>
+      </p:bldGraphic>
+    </p:bldLst>
+  </p:timing>
 </p:sld>
 </file>
 
-<file path=ppt/slides/slide8.xml><?xml version="1.0" encoding="utf-8"?>
+<file path=ppt/slides/slide7.xml><?xml version="1.0" encoding="utf-8"?>
 <p:sld xmlns:a="http://schemas.openxmlformats.org/drawingml/2006/main" xmlns:r="http://schemas.openxmlformats.org/officeDocument/2006/relationships" xmlns:p="http://schemas.openxmlformats.org/presentationml/2006/main">
   <p:cSld>
     <p:bg>
@@ -31899,7 +30531,7 @@
               </a:defRPr>
             </a:pPr>
             <a:r>
-              <a:rPr lang="es-AR" sz="3500"/>
+              <a:rPr lang="es-AR" sz="3500" dirty="0"/>
               <a:t>Dificultades Enfrentadas</a:t>
             </a:r>
           </a:p>
@@ -32009,10 +30641,144 @@
   <p:clrMapOvr>
     <a:masterClrMapping/>
   </p:clrMapOvr>
+  <p:timing>
+    <p:tnLst>
+      <p:par>
+        <p:cTn id="1" dur="indefinite" restart="never" nodeType="tmRoot">
+          <p:childTnLst>
+            <p:seq concurrent="1" nextAc="seek">
+              <p:cTn id="2" dur="indefinite" nodeType="mainSeq">
+                <p:childTnLst>
+                  <p:par>
+                    <p:cTn id="3" fill="hold">
+                      <p:stCondLst>
+                        <p:cond delay="indefinite"/>
+                      </p:stCondLst>
+                      <p:childTnLst>
+                        <p:par>
+                          <p:cTn id="4" fill="hold">
+                            <p:stCondLst>
+                              <p:cond delay="0"/>
+                            </p:stCondLst>
+                            <p:childTnLst>
+                              <p:par>
+                                <p:cTn id="5" presetID="1" presetClass="entr" presetSubtype="0" fill="hold" grpId="0" nodeType="clickEffect">
+                                  <p:stCondLst>
+                                    <p:cond delay="0"/>
+                                  </p:stCondLst>
+                                  <p:childTnLst>
+                                    <p:set>
+                                      <p:cBhvr>
+                                        <p:cTn id="6" dur="1" fill="hold">
+                                          <p:stCondLst>
+                                            <p:cond delay="0"/>
+                                          </p:stCondLst>
+                                        </p:cTn>
+                                        <p:tgtEl>
+                                          <p:spTgt spid="2"/>
+                                        </p:tgtEl>
+                                        <p:attrNameLst>
+                                          <p:attrName>style.visibility</p:attrName>
+                                        </p:attrNameLst>
+                                      </p:cBhvr>
+                                      <p:to>
+                                        <p:strVal val="visible"/>
+                                      </p:to>
+                                    </p:set>
+                                  </p:childTnLst>
+                                </p:cTn>
+                              </p:par>
+                            </p:childTnLst>
+                          </p:cTn>
+                        </p:par>
+                      </p:childTnLst>
+                    </p:cTn>
+                  </p:par>
+                  <p:par>
+                    <p:cTn id="7" fill="hold">
+                      <p:stCondLst>
+                        <p:cond delay="indefinite"/>
+                      </p:stCondLst>
+                      <p:childTnLst>
+                        <p:par>
+                          <p:cTn id="8" fill="hold">
+                            <p:stCondLst>
+                              <p:cond delay="0"/>
+                            </p:stCondLst>
+                            <p:childTnLst>
+                              <p:par>
+                                <p:cTn id="9" presetID="10" presetClass="entr" presetSubtype="0" fill="hold" grpId="0" nodeType="clickEffect">
+                                  <p:stCondLst>
+                                    <p:cond delay="0"/>
+                                  </p:stCondLst>
+                                  <p:childTnLst>
+                                    <p:set>
+                                      <p:cBhvr>
+                                        <p:cTn id="10" dur="1" fill="hold">
+                                          <p:stCondLst>
+                                            <p:cond delay="0"/>
+                                          </p:stCondLst>
+                                        </p:cTn>
+                                        <p:tgtEl>
+                                          <p:spTgt spid="5"/>
+                                        </p:tgtEl>
+                                        <p:attrNameLst>
+                                          <p:attrName>style.visibility</p:attrName>
+                                        </p:attrNameLst>
+                                      </p:cBhvr>
+                                      <p:to>
+                                        <p:strVal val="visible"/>
+                                      </p:to>
+                                    </p:set>
+                                    <p:animEffect transition="in" filter="fade">
+                                      <p:cBhvr>
+                                        <p:cTn id="11" dur="500"/>
+                                        <p:tgtEl>
+                                          <p:spTgt spid="5"/>
+                                        </p:tgtEl>
+                                      </p:cBhvr>
+                                    </p:animEffect>
+                                  </p:childTnLst>
+                                </p:cTn>
+                              </p:par>
+                            </p:childTnLst>
+                          </p:cTn>
+                        </p:par>
+                      </p:childTnLst>
+                    </p:cTn>
+                  </p:par>
+                </p:childTnLst>
+              </p:cTn>
+              <p:prevCondLst>
+                <p:cond evt="onPrev" delay="0">
+                  <p:tgtEl>
+                    <p:sldTgt/>
+                  </p:tgtEl>
+                </p:cond>
+              </p:prevCondLst>
+              <p:nextCondLst>
+                <p:cond evt="onNext" delay="0">
+                  <p:tgtEl>
+                    <p:sldTgt/>
+                  </p:tgtEl>
+                </p:cond>
+              </p:nextCondLst>
+            </p:seq>
+          </p:childTnLst>
+        </p:cTn>
+      </p:par>
+    </p:tnLst>
+    <p:bldLst>
+      <p:bldP spid="2" grpId="0" animBg="1"/>
+      <p:bldGraphic spid="5" grpId="0">
+        <p:bldAsOne/>
+      </p:bldGraphic>
+    </p:bldLst>
+  </p:timing>
 </p:sld>
 </file>
 
-<file path=ppt/slides/slide9.xml><?xml version="1.0" encoding="utf-8"?>
+<file path=ppt/slides/slide8.xml><?xml version="1.0" encoding="utf-8"?>
 <p:sld xmlns:a="http://schemas.openxmlformats.org/drawingml/2006/main" xmlns:r="http://schemas.openxmlformats.org/officeDocument/2006/relationships" xmlns:p="http://schemas.openxmlformats.org/presentationml/2006/main">
   <p:cSld>
     <p:bg>
@@ -32350,6 +31116,178 @@
   <p:clrMapOvr>
     <a:masterClrMapping/>
   </p:clrMapOvr>
+  <p:timing>
+    <p:tnLst>
+      <p:par>
+        <p:cTn id="1" dur="indefinite" restart="never" nodeType="tmRoot">
+          <p:childTnLst>
+            <p:seq concurrent="1" nextAc="seek">
+              <p:cTn id="2" dur="indefinite" nodeType="mainSeq">
+                <p:childTnLst>
+                  <p:par>
+                    <p:cTn id="3" fill="hold">
+                      <p:stCondLst>
+                        <p:cond delay="indefinite"/>
+                      </p:stCondLst>
+                      <p:childTnLst>
+                        <p:par>
+                          <p:cTn id="4" fill="hold">
+                            <p:stCondLst>
+                              <p:cond delay="0"/>
+                            </p:stCondLst>
+                            <p:childTnLst>
+                              <p:par>
+                                <p:cTn id="5" presetID="1" presetClass="entr" presetSubtype="0" fill="hold" grpId="0" nodeType="clickEffect">
+                                  <p:stCondLst>
+                                    <p:cond delay="0"/>
+                                  </p:stCondLst>
+                                  <p:childTnLst>
+                                    <p:set>
+                                      <p:cBhvr>
+                                        <p:cTn id="6" dur="1" fill="hold">
+                                          <p:stCondLst>
+                                            <p:cond delay="0"/>
+                                          </p:stCondLst>
+                                        </p:cTn>
+                                        <p:tgtEl>
+                                          <p:spTgt spid="2"/>
+                                        </p:tgtEl>
+                                        <p:attrNameLst>
+                                          <p:attrName>style.visibility</p:attrName>
+                                        </p:attrNameLst>
+                                      </p:cBhvr>
+                                      <p:to>
+                                        <p:strVal val="visible"/>
+                                      </p:to>
+                                    </p:set>
+                                  </p:childTnLst>
+                                </p:cTn>
+                              </p:par>
+                            </p:childTnLst>
+                          </p:cTn>
+                        </p:par>
+                      </p:childTnLst>
+                    </p:cTn>
+                  </p:par>
+                  <p:par>
+                    <p:cTn id="7" fill="hold">
+                      <p:stCondLst>
+                        <p:cond delay="indefinite"/>
+                      </p:stCondLst>
+                      <p:childTnLst>
+                        <p:par>
+                          <p:cTn id="8" fill="hold">
+                            <p:stCondLst>
+                              <p:cond delay="0"/>
+                            </p:stCondLst>
+                            <p:childTnLst>
+                              <p:par>
+                                <p:cTn id="9" presetID="2" presetClass="entr" presetSubtype="4" fill="hold" grpId="0" nodeType="clickEffect">
+                                  <p:stCondLst>
+                                    <p:cond delay="0"/>
+                                  </p:stCondLst>
+                                  <p:childTnLst>
+                                    <p:set>
+                                      <p:cBhvr>
+                                        <p:cTn id="10" dur="1" fill="hold">
+                                          <p:stCondLst>
+                                            <p:cond delay="0"/>
+                                          </p:stCondLst>
+                                        </p:cTn>
+                                        <p:tgtEl>
+                                          <p:spTgt spid="5"/>
+                                        </p:tgtEl>
+                                        <p:attrNameLst>
+                                          <p:attrName>style.visibility</p:attrName>
+                                        </p:attrNameLst>
+                                      </p:cBhvr>
+                                      <p:to>
+                                        <p:strVal val="visible"/>
+                                      </p:to>
+                                    </p:set>
+                                    <p:anim calcmode="lin" valueType="num">
+                                      <p:cBhvr additive="base">
+                                        <p:cTn id="11" dur="500" fill="hold"/>
+                                        <p:tgtEl>
+                                          <p:spTgt spid="5"/>
+                                        </p:tgtEl>
+                                        <p:attrNameLst>
+                                          <p:attrName>ppt_x</p:attrName>
+                                        </p:attrNameLst>
+                                      </p:cBhvr>
+                                      <p:tavLst>
+                                        <p:tav tm="0">
+                                          <p:val>
+                                            <p:strVal val="#ppt_x"/>
+                                          </p:val>
+                                        </p:tav>
+                                        <p:tav tm="100000">
+                                          <p:val>
+                                            <p:strVal val="#ppt_x"/>
+                                          </p:val>
+                                        </p:tav>
+                                      </p:tavLst>
+                                    </p:anim>
+                                    <p:anim calcmode="lin" valueType="num">
+                                      <p:cBhvr additive="base">
+                                        <p:cTn id="12" dur="500" fill="hold"/>
+                                        <p:tgtEl>
+                                          <p:spTgt spid="5"/>
+                                        </p:tgtEl>
+                                        <p:attrNameLst>
+                                          <p:attrName>ppt_y</p:attrName>
+                                        </p:attrNameLst>
+                                      </p:cBhvr>
+                                      <p:tavLst>
+                                        <p:tav tm="0">
+                                          <p:val>
+                                            <p:strVal val="1+#ppt_h/2"/>
+                                          </p:val>
+                                        </p:tav>
+                                        <p:tav tm="100000">
+                                          <p:val>
+                                            <p:strVal val="#ppt_y"/>
+                                          </p:val>
+                                        </p:tav>
+                                      </p:tavLst>
+                                    </p:anim>
+                                  </p:childTnLst>
+                                </p:cTn>
+                              </p:par>
+                            </p:childTnLst>
+                          </p:cTn>
+                        </p:par>
+                      </p:childTnLst>
+                    </p:cTn>
+                  </p:par>
+                </p:childTnLst>
+              </p:cTn>
+              <p:prevCondLst>
+                <p:cond evt="onPrev" delay="0">
+                  <p:tgtEl>
+                    <p:sldTgt/>
+                  </p:tgtEl>
+                </p:cond>
+              </p:prevCondLst>
+              <p:nextCondLst>
+                <p:cond evt="onNext" delay="0">
+                  <p:tgtEl>
+                    <p:sldTgt/>
+                  </p:tgtEl>
+                </p:cond>
+              </p:nextCondLst>
+            </p:seq>
+          </p:childTnLst>
+        </p:cTn>
+      </p:par>
+    </p:tnLst>
+    <p:bldLst>
+      <p:bldP spid="2" grpId="0" animBg="1"/>
+      <p:bldGraphic spid="5" grpId="0">
+        <p:bldAsOne/>
+      </p:bldGraphic>
+    </p:bldLst>
+  </p:timing>
 </p:sld>
 </file>
 
